--- a/嵌入式影像處理1212進度報告.pptx
+++ b/嵌入式影像處理1212進度報告.pptx
@@ -3275,7 +3275,7 @@
       <dgm:spPr/>
     </dgm:pt>
     <dgm:pt modelId="{7C90AE09-A84E-44C7-BA8F-F5A943BC20F1}" type="pres">
-      <dgm:prSet presAssocID="{250AFC83-7584-4DCF-A539-BF67C6DA4D5B}" presName="level1Shape" presStyleLbl="node0" presStyleIdx="0" presStyleCnt="1" custScaleX="241044">
+      <dgm:prSet presAssocID="{250AFC83-7584-4DCF-A539-BF67C6DA4D5B}" presName="level1Shape" presStyleLbl="node0" presStyleIdx="0" presStyleCnt="1" custScaleX="311797" custScaleY="184091">
         <dgm:presLayoutVars>
           <dgm:chPref val="3"/>
         </dgm:presLayoutVars>
@@ -3287,7 +3287,7 @@
       <dgm:spPr/>
     </dgm:pt>
     <dgm:pt modelId="{CF43DD4A-05E7-43F5-B96B-B66C6C37830F}" type="pres">
-      <dgm:prSet presAssocID="{1420A691-5767-4A02-810E-D50F784E5381}" presName="Name19" presStyleLbl="parChTrans1D2" presStyleIdx="0" presStyleCnt="3"/>
+      <dgm:prSet presAssocID="{1420A691-5767-4A02-810E-D50F784E5381}" presName="Name19" presStyleLbl="parChTrans1D2" presStyleIdx="0" presStyleCnt="3" custScaleX="2000000" custScaleY="2000000"/>
       <dgm:spPr/>
     </dgm:pt>
     <dgm:pt modelId="{78D2D52A-2A67-4E07-B2E5-8861DBFAAD70}" type="pres">
@@ -3295,7 +3295,7 @@
       <dgm:spPr/>
     </dgm:pt>
     <dgm:pt modelId="{20884C40-DF40-4B05-9AF9-1D74F8DE13C4}" type="pres">
-      <dgm:prSet presAssocID="{2ED8E377-07C8-4322-A58E-1BC779E262BA}" presName="level2Shape" presStyleLbl="node2" presStyleIdx="0" presStyleCnt="3" custScaleX="223616"/>
+      <dgm:prSet presAssocID="{2ED8E377-07C8-4322-A58E-1BC779E262BA}" presName="level2Shape" presStyleLbl="node2" presStyleIdx="0" presStyleCnt="3" custScaleX="289253" custScaleY="184091"/>
       <dgm:spPr/>
     </dgm:pt>
     <dgm:pt modelId="{E46D3659-E00C-41C6-B959-C61ACDD85CAA}" type="pres">
@@ -3303,7 +3303,7 @@
       <dgm:spPr/>
     </dgm:pt>
     <dgm:pt modelId="{717119B4-C882-4A47-B70F-FE796E243F9D}" type="pres">
-      <dgm:prSet presAssocID="{4FD6EA0F-9D7C-419D-9148-A2DCAE14ED29}" presName="Name19" presStyleLbl="parChTrans1D3" presStyleIdx="0" presStyleCnt="12"/>
+      <dgm:prSet presAssocID="{4FD6EA0F-9D7C-419D-9148-A2DCAE14ED29}" presName="Name19" presStyleLbl="parChTrans1D3" presStyleIdx="0" presStyleCnt="12" custScaleX="2000000" custScaleY="2000000"/>
       <dgm:spPr/>
     </dgm:pt>
     <dgm:pt modelId="{4C6C48DF-DC8F-4DE7-BD38-3BA96AE73322}" type="pres">
@@ -3311,7 +3311,7 @@
       <dgm:spPr/>
     </dgm:pt>
     <dgm:pt modelId="{33364282-1B31-494B-A13B-BE0D89EA297B}" type="pres">
-      <dgm:prSet presAssocID="{FCE0EAB7-1154-4C2A-98E6-27925C42E38A}" presName="level2Shape" presStyleLbl="node3" presStyleIdx="0" presStyleCnt="12" custScaleX="180542"/>
+      <dgm:prSet presAssocID="{FCE0EAB7-1154-4C2A-98E6-27925C42E38A}" presName="level2Shape" presStyleLbl="node3" presStyleIdx="0" presStyleCnt="12" custScaleX="233536" custScaleY="184091"/>
       <dgm:spPr/>
     </dgm:pt>
     <dgm:pt modelId="{10A98736-B64F-4666-ADC1-163DFE1360DD}" type="pres">
@@ -3319,7 +3319,7 @@
       <dgm:spPr/>
     </dgm:pt>
     <dgm:pt modelId="{F808E1C0-13F3-4424-B32E-8873AF31C138}" type="pres">
-      <dgm:prSet presAssocID="{94473FDF-6975-460A-80EA-6F6B64278B3B}" presName="Name19" presStyleLbl="parChTrans1D3" presStyleIdx="1" presStyleCnt="12"/>
+      <dgm:prSet presAssocID="{94473FDF-6975-460A-80EA-6F6B64278B3B}" presName="Name19" presStyleLbl="parChTrans1D3" presStyleIdx="1" presStyleCnt="12" custScaleX="2000000" custScaleY="2000000"/>
       <dgm:spPr/>
     </dgm:pt>
     <dgm:pt modelId="{7D2C215A-4A5C-481A-85EE-A02AB05DF6EF}" type="pres">
@@ -3327,7 +3327,7 @@
       <dgm:spPr/>
     </dgm:pt>
     <dgm:pt modelId="{7425339E-7988-44B2-BFE4-9E8E9464A145}" type="pres">
-      <dgm:prSet presAssocID="{7F238A38-A289-4D2C-AFA6-AA25109C086E}" presName="level2Shape" presStyleLbl="node3" presStyleIdx="1" presStyleCnt="12" custScaleX="194405"/>
+      <dgm:prSet presAssocID="{7F238A38-A289-4D2C-AFA6-AA25109C086E}" presName="level2Shape" presStyleLbl="node3" presStyleIdx="1" presStyleCnt="12" custScaleX="251468" custScaleY="184091"/>
       <dgm:spPr/>
     </dgm:pt>
     <dgm:pt modelId="{025E6A5D-907F-4F9E-8E84-9977E7D4F725}" type="pres">
@@ -3335,7 +3335,7 @@
       <dgm:spPr/>
     </dgm:pt>
     <dgm:pt modelId="{5C41A42A-C667-4104-B8AA-54CBDF33E7E6}" type="pres">
-      <dgm:prSet presAssocID="{885D5FA8-A262-42B8-AB08-4FBC5FAFBAE6}" presName="Name19" presStyleLbl="parChTrans1D3" presStyleIdx="2" presStyleCnt="12"/>
+      <dgm:prSet presAssocID="{885D5FA8-A262-42B8-AB08-4FBC5FAFBAE6}" presName="Name19" presStyleLbl="parChTrans1D3" presStyleIdx="2" presStyleCnt="12" custScaleX="2000000" custScaleY="2000000"/>
       <dgm:spPr/>
     </dgm:pt>
     <dgm:pt modelId="{F149C689-A5C6-4C80-BE21-5A3381A1C254}" type="pres">
@@ -3343,7 +3343,7 @@
       <dgm:spPr/>
     </dgm:pt>
     <dgm:pt modelId="{0F4DC5FE-C3A2-42B1-A795-F23B13F57642}" type="pres">
-      <dgm:prSet presAssocID="{2518E83F-244F-423D-8E71-DD75C18635BC}" presName="level2Shape" presStyleLbl="node3" presStyleIdx="2" presStyleCnt="12" custScaleX="210614"/>
+      <dgm:prSet presAssocID="{2518E83F-244F-423D-8E71-DD75C18635BC}" presName="level2Shape" presStyleLbl="node3" presStyleIdx="2" presStyleCnt="12" custScaleX="272435" custScaleY="184091"/>
       <dgm:spPr/>
     </dgm:pt>
     <dgm:pt modelId="{1F03420D-2EA7-4085-A984-C9434EF3A8FC}" type="pres">
@@ -3351,7 +3351,7 @@
       <dgm:spPr/>
     </dgm:pt>
     <dgm:pt modelId="{3A2580A4-B2AC-40F6-A667-5BD60B4FCDE2}" type="pres">
-      <dgm:prSet presAssocID="{8D5D94E2-02F3-4486-B2C7-DB6949923B77}" presName="Name19" presStyleLbl="parChTrans1D3" presStyleIdx="3" presStyleCnt="12"/>
+      <dgm:prSet presAssocID="{8D5D94E2-02F3-4486-B2C7-DB6949923B77}" presName="Name19" presStyleLbl="parChTrans1D3" presStyleIdx="3" presStyleCnt="12" custScaleX="2000000" custScaleY="2000000"/>
       <dgm:spPr/>
     </dgm:pt>
     <dgm:pt modelId="{9908328B-3EC7-481A-89F6-80EE761F6624}" type="pres">
@@ -3359,7 +3359,7 @@
       <dgm:spPr/>
     </dgm:pt>
     <dgm:pt modelId="{A6BC1E33-D63E-4835-BC8C-0125D7F1A6CC}" type="pres">
-      <dgm:prSet presAssocID="{AB9D12D2-3A70-47A9-B006-0E513BD8A923}" presName="level2Shape" presStyleLbl="node3" presStyleIdx="3" presStyleCnt="12" custScaleX="179481"/>
+      <dgm:prSet presAssocID="{AB9D12D2-3A70-47A9-B006-0E513BD8A923}" presName="level2Shape" presStyleLbl="node3" presStyleIdx="3" presStyleCnt="12" custScaleX="232163" custScaleY="184091"/>
       <dgm:spPr/>
     </dgm:pt>
     <dgm:pt modelId="{69569203-0919-40D1-9A74-08B8E4D58B78}" type="pres">
@@ -3367,7 +3367,7 @@
       <dgm:spPr/>
     </dgm:pt>
     <dgm:pt modelId="{0EC3E6E0-3E27-43F8-891C-43DC1A9F617F}" type="pres">
-      <dgm:prSet presAssocID="{5046DAD4-5299-4DDD-B1AF-B85B0E4690FC}" presName="Name19" presStyleLbl="parChTrans1D4" presStyleIdx="0" presStyleCnt="9"/>
+      <dgm:prSet presAssocID="{5046DAD4-5299-4DDD-B1AF-B85B0E4690FC}" presName="Name19" presStyleLbl="parChTrans1D4" presStyleIdx="0" presStyleCnt="9" custScaleX="2000000" custScaleY="2000000"/>
       <dgm:spPr/>
     </dgm:pt>
     <dgm:pt modelId="{F4D73C50-6805-44C3-8A09-7C4426BDAB14}" type="pres">
@@ -3375,7 +3375,7 @@
       <dgm:spPr/>
     </dgm:pt>
     <dgm:pt modelId="{4EEFFB5D-F6B7-4326-A34F-1FB9910F7543}" type="pres">
-      <dgm:prSet presAssocID="{DFB2B2A4-0E7E-4F5A-A192-5318C77DDDC4}" presName="level2Shape" presStyleLbl="node4" presStyleIdx="0" presStyleCnt="9"/>
+      <dgm:prSet presAssocID="{DFB2B2A4-0E7E-4F5A-A192-5318C77DDDC4}" presName="level2Shape" presStyleLbl="node4" presStyleIdx="0" presStyleCnt="9" custScaleX="129352" custScaleY="184091"/>
       <dgm:spPr/>
     </dgm:pt>
     <dgm:pt modelId="{F0515528-FCFB-4141-8734-73C3C8144590}" type="pres">
@@ -3383,7 +3383,7 @@
       <dgm:spPr/>
     </dgm:pt>
     <dgm:pt modelId="{165CC70F-3070-41AC-A9D6-085C78856160}" type="pres">
-      <dgm:prSet presAssocID="{52670CF6-6C36-4F80-A343-8E29E941DFB1}" presName="Name19" presStyleLbl="parChTrans1D2" presStyleIdx="1" presStyleCnt="3"/>
+      <dgm:prSet presAssocID="{52670CF6-6C36-4F80-A343-8E29E941DFB1}" presName="Name19" presStyleLbl="parChTrans1D2" presStyleIdx="1" presStyleCnt="3" custScaleX="2000000" custScaleY="2000000"/>
       <dgm:spPr/>
     </dgm:pt>
     <dgm:pt modelId="{EE5B993B-1190-4235-9A4B-25643189A662}" type="pres">
@@ -3391,7 +3391,7 @@
       <dgm:spPr/>
     </dgm:pt>
     <dgm:pt modelId="{B8A5C3C6-E8FE-4CC8-BC0B-35DAC8163B38}" type="pres">
-      <dgm:prSet presAssocID="{FBE252AA-FD41-4FCC-BB42-EB6C41A8080C}" presName="level2Shape" presStyleLbl="node2" presStyleIdx="1" presStyleCnt="3" custScaleX="199168"/>
+      <dgm:prSet presAssocID="{FBE252AA-FD41-4FCC-BB42-EB6C41A8080C}" presName="level2Shape" presStyleLbl="node2" presStyleIdx="1" presStyleCnt="3" custScaleX="257629" custScaleY="184091"/>
       <dgm:spPr/>
     </dgm:pt>
     <dgm:pt modelId="{2D0902D1-A23D-4710-B66B-F4DB24CC5D01}" type="pres">
@@ -3399,7 +3399,7 @@
       <dgm:spPr/>
     </dgm:pt>
     <dgm:pt modelId="{D2CBF229-4CCA-490F-9C4B-3F19E37A3636}" type="pres">
-      <dgm:prSet presAssocID="{E1DEB5EC-955D-4848-9EA5-DF8F517D1813}" presName="Name19" presStyleLbl="parChTrans1D3" presStyleIdx="4" presStyleCnt="12"/>
+      <dgm:prSet presAssocID="{E1DEB5EC-955D-4848-9EA5-DF8F517D1813}" presName="Name19" presStyleLbl="parChTrans1D3" presStyleIdx="4" presStyleCnt="12" custScaleX="2000000" custScaleY="2000000"/>
       <dgm:spPr/>
     </dgm:pt>
     <dgm:pt modelId="{454C84B4-5F07-4885-804C-E595C14779A3}" type="pres">
@@ -3407,7 +3407,7 @@
       <dgm:spPr/>
     </dgm:pt>
     <dgm:pt modelId="{CEFDC2C9-05A1-4FBB-8437-0FC254D4FDC8}" type="pres">
-      <dgm:prSet presAssocID="{B93F8A0E-3F38-431B-97D7-3534CBB4898D}" presName="level2Shape" presStyleLbl="node3" presStyleIdx="4" presStyleCnt="12" custScaleX="188071"/>
+      <dgm:prSet presAssocID="{B93F8A0E-3F38-431B-97D7-3534CBB4898D}" presName="level2Shape" presStyleLbl="node3" presStyleIdx="4" presStyleCnt="12" custScaleX="243275" custScaleY="184091"/>
       <dgm:spPr/>
     </dgm:pt>
     <dgm:pt modelId="{73B2F869-D79D-4647-8167-FA3B1552D08F}" type="pres">
@@ -3415,7 +3415,7 @@
       <dgm:spPr/>
     </dgm:pt>
     <dgm:pt modelId="{3EE2552C-2E93-49F9-ABAC-4A3E3435936F}" type="pres">
-      <dgm:prSet presAssocID="{1C6092DF-CE4F-40F9-B703-A5B8E53BEE45}" presName="Name19" presStyleLbl="parChTrans1D4" presStyleIdx="1" presStyleCnt="9"/>
+      <dgm:prSet presAssocID="{1C6092DF-CE4F-40F9-B703-A5B8E53BEE45}" presName="Name19" presStyleLbl="parChTrans1D4" presStyleIdx="1" presStyleCnt="9" custScaleX="2000000" custScaleY="2000000"/>
       <dgm:spPr/>
     </dgm:pt>
     <dgm:pt modelId="{D83D9338-7384-42A6-B627-38D85C4F5EA7}" type="pres">
@@ -3423,7 +3423,7 @@
       <dgm:spPr/>
     </dgm:pt>
     <dgm:pt modelId="{C90E5378-24FC-449B-9AF7-5548F3953EC8}" type="pres">
-      <dgm:prSet presAssocID="{A1E69BF5-9B53-4035-8153-E134F40431B2}" presName="level2Shape" presStyleLbl="node4" presStyleIdx="1" presStyleCnt="9"/>
+      <dgm:prSet presAssocID="{A1E69BF5-9B53-4035-8153-E134F40431B2}" presName="level2Shape" presStyleLbl="node4" presStyleIdx="1" presStyleCnt="9" custScaleX="185652" custScaleY="184091"/>
       <dgm:spPr/>
     </dgm:pt>
     <dgm:pt modelId="{E0B403D9-5804-4023-AC1B-20749CAE7250}" type="pres">
@@ -3431,7 +3431,7 @@
       <dgm:spPr/>
     </dgm:pt>
     <dgm:pt modelId="{FE4D33B2-8546-46C9-A049-AC93D5F7114F}" type="pres">
-      <dgm:prSet presAssocID="{54FEDDC0-EC39-4979-ADCE-817C7AA7488B}" presName="Name19" presStyleLbl="parChTrans1D3" presStyleIdx="5" presStyleCnt="12"/>
+      <dgm:prSet presAssocID="{54FEDDC0-EC39-4979-ADCE-817C7AA7488B}" presName="Name19" presStyleLbl="parChTrans1D3" presStyleIdx="5" presStyleCnt="12" custScaleX="2000000" custScaleY="2000000"/>
       <dgm:spPr/>
     </dgm:pt>
     <dgm:pt modelId="{CD128761-99B6-40E2-A23B-1F22292F259E}" type="pres">
@@ -3439,7 +3439,7 @@
       <dgm:spPr/>
     </dgm:pt>
     <dgm:pt modelId="{DA319E90-05C3-44BE-BEE7-4773D55CB100}" type="pres">
-      <dgm:prSet presAssocID="{444BB835-FE01-473C-AF9D-DD9A91DF3B87}" presName="level2Shape" presStyleLbl="node3" presStyleIdx="5" presStyleCnt="12" custScaleX="150591"/>
+      <dgm:prSet presAssocID="{444BB835-FE01-473C-AF9D-DD9A91DF3B87}" presName="level2Shape" presStyleLbl="node3" presStyleIdx="5" presStyleCnt="12" custScaleX="194793" custScaleY="184091"/>
       <dgm:spPr/>
     </dgm:pt>
     <dgm:pt modelId="{8990F442-97BD-4BBA-946F-29949D2F758E}" type="pres">
@@ -3447,7 +3447,7 @@
       <dgm:spPr/>
     </dgm:pt>
     <dgm:pt modelId="{85905866-D691-4771-803C-1AF6D95BEC27}" type="pres">
-      <dgm:prSet presAssocID="{EF2074C7-E673-4392-A5C3-813E7B898926}" presName="Name19" presStyleLbl="parChTrans1D4" presStyleIdx="2" presStyleCnt="9"/>
+      <dgm:prSet presAssocID="{EF2074C7-E673-4392-A5C3-813E7B898926}" presName="Name19" presStyleLbl="parChTrans1D4" presStyleIdx="2" presStyleCnt="9" custScaleX="2000000" custScaleY="2000000"/>
       <dgm:spPr/>
     </dgm:pt>
     <dgm:pt modelId="{D671B0F4-382E-4816-BB2F-9524CB5489DE}" type="pres">
@@ -3455,7 +3455,7 @@
       <dgm:spPr/>
     </dgm:pt>
     <dgm:pt modelId="{8C9AC453-CC7F-4B3B-B5B9-DED3FDA8387B}" type="pres">
-      <dgm:prSet presAssocID="{C12A38C1-AE24-4784-910F-C6D1810D1564}" presName="level2Shape" presStyleLbl="node4" presStyleIdx="2" presStyleCnt="9" custScaleX="129760"/>
+      <dgm:prSet presAssocID="{C12A38C1-AE24-4784-910F-C6D1810D1564}" presName="level2Shape" presStyleLbl="node4" presStyleIdx="2" presStyleCnt="9" custScaleX="167848" custScaleY="184091"/>
       <dgm:spPr/>
     </dgm:pt>
     <dgm:pt modelId="{A4ABA0BD-A5F6-42DC-B2C5-B6570634A5A8}" type="pres">
@@ -3463,7 +3463,7 @@
       <dgm:spPr/>
     </dgm:pt>
     <dgm:pt modelId="{1EEBB945-63FD-4B24-B63C-597318D74212}" type="pres">
-      <dgm:prSet presAssocID="{5C32BAC7-6395-4A73-9C4A-F89B777EFE2C}" presName="Name19" presStyleLbl="parChTrans1D3" presStyleIdx="6" presStyleCnt="12"/>
+      <dgm:prSet presAssocID="{5C32BAC7-6395-4A73-9C4A-F89B777EFE2C}" presName="Name19" presStyleLbl="parChTrans1D3" presStyleIdx="6" presStyleCnt="12" custScaleX="2000000" custScaleY="2000000"/>
       <dgm:spPr/>
     </dgm:pt>
     <dgm:pt modelId="{8915D699-11A3-4C85-A0C8-3673823EC3F8}" type="pres">
@@ -3471,7 +3471,7 @@
       <dgm:spPr/>
     </dgm:pt>
     <dgm:pt modelId="{61AB92AD-4E7A-45D7-83D7-D78F235ADDFD}" type="pres">
-      <dgm:prSet presAssocID="{D1CA86F3-3F9F-4F37-9DAF-FF324B097DB2}" presName="level2Shape" presStyleLbl="node3" presStyleIdx="6" presStyleCnt="12"/>
+      <dgm:prSet presAssocID="{D1CA86F3-3F9F-4F37-9DAF-FF324B097DB2}" presName="level2Shape" presStyleLbl="node3" presStyleIdx="6" presStyleCnt="12" custScaleX="129352" custScaleY="184091"/>
       <dgm:spPr/>
     </dgm:pt>
     <dgm:pt modelId="{DD2E9AB7-7259-4964-AE02-30E8C29384AE}" type="pres">
@@ -3479,7 +3479,7 @@
       <dgm:spPr/>
     </dgm:pt>
     <dgm:pt modelId="{04088FE9-F1BD-4A14-B048-5F6B403C8434}" type="pres">
-      <dgm:prSet presAssocID="{B616B347-6FA8-4968-9ADC-9F262F6191AA}" presName="Name19" presStyleLbl="parChTrans1D4" presStyleIdx="3" presStyleCnt="9"/>
+      <dgm:prSet presAssocID="{B616B347-6FA8-4968-9ADC-9F262F6191AA}" presName="Name19" presStyleLbl="parChTrans1D4" presStyleIdx="3" presStyleCnt="9" custScaleX="2000000" custScaleY="2000000"/>
       <dgm:spPr/>
     </dgm:pt>
     <dgm:pt modelId="{169AB139-6D27-48D4-95CD-06B0726C4AF5}" type="pres">
@@ -3487,7 +3487,7 @@
       <dgm:spPr/>
     </dgm:pt>
     <dgm:pt modelId="{7F4F4EAD-930E-4536-A202-B24138D791C1}" type="pres">
-      <dgm:prSet presAssocID="{1596477F-EA1C-43B3-9FA0-3449201577A4}" presName="level2Shape" presStyleLbl="node4" presStyleIdx="3" presStyleCnt="9"/>
+      <dgm:prSet presAssocID="{1596477F-EA1C-43B3-9FA0-3449201577A4}" presName="level2Shape" presStyleLbl="node4" presStyleIdx="3" presStyleCnt="9" custScaleX="129352" custScaleY="184091"/>
       <dgm:spPr/>
     </dgm:pt>
     <dgm:pt modelId="{CBC84698-942B-4120-A790-538625FB5C29}" type="pres">
@@ -3495,7 +3495,7 @@
       <dgm:spPr/>
     </dgm:pt>
     <dgm:pt modelId="{CDF6BB19-8B28-4C1C-BD9F-01E9F9EFECB8}" type="pres">
-      <dgm:prSet presAssocID="{7B7F3955-9444-4794-8B02-A62E01E578BE}" presName="Name19" presStyleLbl="parChTrans1D2" presStyleIdx="2" presStyleCnt="3"/>
+      <dgm:prSet presAssocID="{7B7F3955-9444-4794-8B02-A62E01E578BE}" presName="Name19" presStyleLbl="parChTrans1D2" presStyleIdx="2" presStyleCnt="3" custScaleX="2000000" custScaleY="2000000"/>
       <dgm:spPr/>
     </dgm:pt>
     <dgm:pt modelId="{7E181715-CB6D-495E-A7CC-A46CB2589469}" type="pres">
@@ -3503,7 +3503,7 @@
       <dgm:spPr/>
     </dgm:pt>
     <dgm:pt modelId="{82AF960B-63A9-4F92-8893-77B6785A9B33}" type="pres">
-      <dgm:prSet presAssocID="{AAB696B4-C326-4887-924C-F0A52209D105}" presName="level2Shape" presStyleLbl="node2" presStyleIdx="2" presStyleCnt="3"/>
+      <dgm:prSet presAssocID="{AAB696B4-C326-4887-924C-F0A52209D105}" presName="level2Shape" presStyleLbl="node2" presStyleIdx="2" presStyleCnt="3" custScaleX="165199" custScaleY="184091"/>
       <dgm:spPr/>
     </dgm:pt>
     <dgm:pt modelId="{70DCFF2C-7C29-4F03-88F0-476F9DD64642}" type="pres">
@@ -3511,7 +3511,7 @@
       <dgm:spPr/>
     </dgm:pt>
     <dgm:pt modelId="{C4EB4996-2AA4-435D-AD34-E55D70EB8238}" type="pres">
-      <dgm:prSet presAssocID="{65A389A7-1E90-4726-A029-F9AFD89F397F}" presName="Name19" presStyleLbl="parChTrans1D3" presStyleIdx="7" presStyleCnt="12"/>
+      <dgm:prSet presAssocID="{65A389A7-1E90-4726-A029-F9AFD89F397F}" presName="Name19" presStyleLbl="parChTrans1D3" presStyleIdx="7" presStyleCnt="12" custScaleX="2000000" custScaleY="2000000"/>
       <dgm:spPr/>
     </dgm:pt>
     <dgm:pt modelId="{0FA4D676-3E7E-4CCB-A2AC-7FE2F9A8A130}" type="pres">
@@ -3519,7 +3519,7 @@
       <dgm:spPr/>
     </dgm:pt>
     <dgm:pt modelId="{56D48919-8813-499D-9AC4-404BD2F13EF3}" type="pres">
-      <dgm:prSet presAssocID="{0A14DD45-F0EC-4667-8235-0FA37D9E05F0}" presName="level2Shape" presStyleLbl="node3" presStyleIdx="7" presStyleCnt="12" custScaleX="165196"/>
+      <dgm:prSet presAssocID="{0A14DD45-F0EC-4667-8235-0FA37D9E05F0}" presName="level2Shape" presStyleLbl="node3" presStyleIdx="7" presStyleCnt="12" custScaleX="213685" custScaleY="184091"/>
       <dgm:spPr/>
     </dgm:pt>
     <dgm:pt modelId="{D6135E0B-7985-45C4-A598-3E437B014348}" type="pres">
@@ -3527,7 +3527,7 @@
       <dgm:spPr/>
     </dgm:pt>
     <dgm:pt modelId="{5DDA2121-42E6-48DA-A6CE-578C02420C5A}" type="pres">
-      <dgm:prSet presAssocID="{FA855970-C429-4E30-8DE1-C0F8C05DBD71}" presName="Name19" presStyleLbl="parChTrans1D4" presStyleIdx="4" presStyleCnt="9"/>
+      <dgm:prSet presAssocID="{FA855970-C429-4E30-8DE1-C0F8C05DBD71}" presName="Name19" presStyleLbl="parChTrans1D4" presStyleIdx="4" presStyleCnt="9" custScaleX="2000000" custScaleY="2000000"/>
       <dgm:spPr/>
     </dgm:pt>
     <dgm:pt modelId="{077CF515-D7B9-474C-ADEA-1BB36720FB1B}" type="pres">
@@ -3535,7 +3535,7 @@
       <dgm:spPr/>
     </dgm:pt>
     <dgm:pt modelId="{47358D75-0C97-4E30-ABBC-B9327B8D237B}" type="pres">
-      <dgm:prSet presAssocID="{88AD5CAF-086F-45E5-903B-A748FB63BC94}" presName="level2Shape" presStyleLbl="node4" presStyleIdx="4" presStyleCnt="9" custScaleX="139945"/>
+      <dgm:prSet presAssocID="{88AD5CAF-086F-45E5-903B-A748FB63BC94}" presName="level2Shape" presStyleLbl="node4" presStyleIdx="4" presStyleCnt="9" custScaleX="181023" custScaleY="184091"/>
       <dgm:spPr/>
     </dgm:pt>
     <dgm:pt modelId="{96A90A77-367B-41E1-8A1E-D87019C136ED}" type="pres">
@@ -3543,7 +3543,7 @@
       <dgm:spPr/>
     </dgm:pt>
     <dgm:pt modelId="{A50ACD74-835C-4190-982B-765670D097E3}" type="pres">
-      <dgm:prSet presAssocID="{8AE74171-00F0-4F3B-80CF-14CF41CF492A}" presName="Name19" presStyleLbl="parChTrans1D4" presStyleIdx="5" presStyleCnt="9"/>
+      <dgm:prSet presAssocID="{8AE74171-00F0-4F3B-80CF-14CF41CF492A}" presName="Name19" presStyleLbl="parChTrans1D4" presStyleIdx="5" presStyleCnt="9" custScaleX="2000000" custScaleY="2000000"/>
       <dgm:spPr/>
     </dgm:pt>
     <dgm:pt modelId="{1FDDE559-ED26-43F0-BE84-47A4AF8F93F1}" type="pres">
@@ -3551,7 +3551,7 @@
       <dgm:spPr/>
     </dgm:pt>
     <dgm:pt modelId="{E07EB03B-67E6-4BA3-B737-9FD2F38909EB}" type="pres">
-      <dgm:prSet presAssocID="{8B0C43C4-EE46-43B8-92EF-4198B3007781}" presName="level2Shape" presStyleLbl="node4" presStyleIdx="5" presStyleCnt="9" custScaleX="210721"/>
+      <dgm:prSet presAssocID="{8B0C43C4-EE46-43B8-92EF-4198B3007781}" presName="level2Shape" presStyleLbl="node4" presStyleIdx="5" presStyleCnt="9" custScaleX="272573" custScaleY="184091"/>
       <dgm:spPr/>
     </dgm:pt>
     <dgm:pt modelId="{7C950094-7AE6-4BC5-85C8-0B1AD3BA7484}" type="pres">
@@ -3559,7 +3559,7 @@
       <dgm:spPr/>
     </dgm:pt>
     <dgm:pt modelId="{64C5707C-3740-439D-9B9E-5F859BBA2E6E}" type="pres">
-      <dgm:prSet presAssocID="{05E7EA33-C12B-4957-9EB0-F31FDDB70787}" presName="Name19" presStyleLbl="parChTrans1D3" presStyleIdx="8" presStyleCnt="12"/>
+      <dgm:prSet presAssocID="{05E7EA33-C12B-4957-9EB0-F31FDDB70787}" presName="Name19" presStyleLbl="parChTrans1D3" presStyleIdx="8" presStyleCnt="12" custScaleX="2000000" custScaleY="2000000"/>
       <dgm:spPr/>
     </dgm:pt>
     <dgm:pt modelId="{734A9589-4851-48BA-BF18-29AB8E19614C}" type="pres">
@@ -3567,7 +3567,7 @@
       <dgm:spPr/>
     </dgm:pt>
     <dgm:pt modelId="{C8C1F3D9-D1AB-4F46-8716-4A07EB85E03D}" type="pres">
-      <dgm:prSet presAssocID="{188B65FE-48F8-412F-AAF3-47D04C09CB64}" presName="level2Shape" presStyleLbl="node3" presStyleIdx="8" presStyleCnt="12"/>
+      <dgm:prSet presAssocID="{188B65FE-48F8-412F-AAF3-47D04C09CB64}" presName="level2Shape" presStyleLbl="node3" presStyleIdx="8" presStyleCnt="12" custScaleX="129352" custScaleY="184091"/>
       <dgm:spPr/>
     </dgm:pt>
     <dgm:pt modelId="{96239718-A304-4148-82C8-710C7D8A1A7C}" type="pres">
@@ -3575,7 +3575,7 @@
       <dgm:spPr/>
     </dgm:pt>
     <dgm:pt modelId="{D41C5868-FB53-4818-BFD5-A0F87247D228}" type="pres">
-      <dgm:prSet presAssocID="{22619E6A-7C37-4408-B032-A4E8B1B34B66}" presName="Name19" presStyleLbl="parChTrans1D4" presStyleIdx="6" presStyleCnt="9"/>
+      <dgm:prSet presAssocID="{22619E6A-7C37-4408-B032-A4E8B1B34B66}" presName="Name19" presStyleLbl="parChTrans1D4" presStyleIdx="6" presStyleCnt="9" custScaleX="2000000" custScaleY="2000000"/>
       <dgm:spPr/>
     </dgm:pt>
     <dgm:pt modelId="{F8596672-C435-49B2-AB62-AEBF13F41D03}" type="pres">
@@ -3583,7 +3583,7 @@
       <dgm:spPr/>
     </dgm:pt>
     <dgm:pt modelId="{876961BE-D0AF-41E4-A5BC-F6278130F7B1}" type="pres">
-      <dgm:prSet presAssocID="{09F82866-680E-4803-8DF5-A26496E41341}" presName="level2Shape" presStyleLbl="node4" presStyleIdx="6" presStyleCnt="9"/>
+      <dgm:prSet presAssocID="{09F82866-680E-4803-8DF5-A26496E41341}" presName="level2Shape" presStyleLbl="node4" presStyleIdx="6" presStyleCnt="9" custScaleX="129352" custScaleY="184091"/>
       <dgm:spPr/>
     </dgm:pt>
     <dgm:pt modelId="{3881E8F7-6FA9-41C3-BCF9-9A52C86C9D81}" type="pres">
@@ -3591,7 +3591,7 @@
       <dgm:spPr/>
     </dgm:pt>
     <dgm:pt modelId="{020F8FAA-BDC5-4DDF-9CEF-504B75F1394A}" type="pres">
-      <dgm:prSet presAssocID="{AFE06E55-7A9F-4B44-8D70-A658FDE3BA77}" presName="Name19" presStyleLbl="parChTrans1D3" presStyleIdx="9" presStyleCnt="12"/>
+      <dgm:prSet presAssocID="{AFE06E55-7A9F-4B44-8D70-A658FDE3BA77}" presName="Name19" presStyleLbl="parChTrans1D3" presStyleIdx="9" presStyleCnt="12" custScaleX="2000000" custScaleY="2000000"/>
       <dgm:spPr/>
     </dgm:pt>
     <dgm:pt modelId="{D07961CC-23CA-4319-B7B0-DAD172E5A072}" type="pres">
@@ -3599,7 +3599,7 @@
       <dgm:spPr/>
     </dgm:pt>
     <dgm:pt modelId="{A1C96C71-D812-4910-89E9-AE71CB811150}" type="pres">
-      <dgm:prSet presAssocID="{3AA0727D-1B9C-4986-8644-7D5725A26E14}" presName="level2Shape" presStyleLbl="node3" presStyleIdx="9" presStyleCnt="12" custScaleX="149568"/>
+      <dgm:prSet presAssocID="{3AA0727D-1B9C-4986-8644-7D5725A26E14}" presName="level2Shape" presStyleLbl="node3" presStyleIdx="9" presStyleCnt="12" custScaleX="193470" custScaleY="184091"/>
       <dgm:spPr/>
     </dgm:pt>
     <dgm:pt modelId="{14D0BDA8-68AB-489F-AB7A-63A20A58D187}" type="pres">
@@ -3607,7 +3607,7 @@
       <dgm:spPr/>
     </dgm:pt>
     <dgm:pt modelId="{01EB7F82-3EB0-4CBF-92B8-596A36AE562B}" type="pres">
-      <dgm:prSet presAssocID="{66B55887-CE4A-4FB5-AC6F-6281475D193E}" presName="Name19" presStyleLbl="parChTrans1D4" presStyleIdx="7" presStyleCnt="9"/>
+      <dgm:prSet presAssocID="{66B55887-CE4A-4FB5-AC6F-6281475D193E}" presName="Name19" presStyleLbl="parChTrans1D4" presStyleIdx="7" presStyleCnt="9" custScaleX="2000000" custScaleY="2000000"/>
       <dgm:spPr/>
     </dgm:pt>
     <dgm:pt modelId="{6FA7CC08-A51C-4FFB-AEBD-CD9781872C2F}" type="pres">
@@ -3615,7 +3615,7 @@
       <dgm:spPr/>
     </dgm:pt>
     <dgm:pt modelId="{A6BB1E5C-F347-4EEC-8F03-01F86DDD39D7}" type="pres">
-      <dgm:prSet presAssocID="{9E912B1E-B4B0-474F-99A2-BB3231437E15}" presName="level2Shape" presStyleLbl="node4" presStyleIdx="7" presStyleCnt="9"/>
+      <dgm:prSet presAssocID="{9E912B1E-B4B0-474F-99A2-BB3231437E15}" presName="level2Shape" presStyleLbl="node4" presStyleIdx="7" presStyleCnt="9" custScaleX="129352" custScaleY="184091"/>
       <dgm:spPr/>
     </dgm:pt>
     <dgm:pt modelId="{4BE29ECD-C600-4E16-BEDD-F2F642E4E0BC}" type="pres">
@@ -3623,7 +3623,7 @@
       <dgm:spPr/>
     </dgm:pt>
     <dgm:pt modelId="{439B323C-2D6A-4620-A452-C4B3AB935BF9}" type="pres">
-      <dgm:prSet presAssocID="{78648349-F134-4CB1-9238-8F2B0D055D1D}" presName="Name19" presStyleLbl="parChTrans1D3" presStyleIdx="10" presStyleCnt="12"/>
+      <dgm:prSet presAssocID="{78648349-F134-4CB1-9238-8F2B0D055D1D}" presName="Name19" presStyleLbl="parChTrans1D3" presStyleIdx="10" presStyleCnt="12" custScaleX="2000000" custScaleY="2000000"/>
       <dgm:spPr/>
     </dgm:pt>
     <dgm:pt modelId="{8E18D284-9AAF-40B6-B354-F9594EBD910F}" type="pres">
@@ -3631,7 +3631,7 @@
       <dgm:spPr/>
     </dgm:pt>
     <dgm:pt modelId="{34C933ED-1CE3-4556-999B-CFADA768F4E8}" type="pres">
-      <dgm:prSet presAssocID="{A903AF64-68CD-44F5-8411-F72D249BC346}" presName="level2Shape" presStyleLbl="node3" presStyleIdx="10" presStyleCnt="12"/>
+      <dgm:prSet presAssocID="{A903AF64-68CD-44F5-8411-F72D249BC346}" presName="level2Shape" presStyleLbl="node3" presStyleIdx="10" presStyleCnt="12" custScaleX="129352" custScaleY="184091"/>
       <dgm:spPr/>
     </dgm:pt>
     <dgm:pt modelId="{84947EB5-E902-4A1D-8424-648B24A11B2C}" type="pres">
@@ -3639,7 +3639,7 @@
       <dgm:spPr/>
     </dgm:pt>
     <dgm:pt modelId="{29609F51-31F6-4ADE-964B-F9D1524B410D}" type="pres">
-      <dgm:prSet presAssocID="{72E153DB-086C-4BBD-BB38-0D143DBA1461}" presName="Name19" presStyleLbl="parChTrans1D4" presStyleIdx="8" presStyleCnt="9"/>
+      <dgm:prSet presAssocID="{72E153DB-086C-4BBD-BB38-0D143DBA1461}" presName="Name19" presStyleLbl="parChTrans1D4" presStyleIdx="8" presStyleCnt="9" custScaleX="2000000" custScaleY="2000000"/>
       <dgm:spPr/>
     </dgm:pt>
     <dgm:pt modelId="{0C99E464-ADA8-4C35-B78E-C984956A8CA1}" type="pres">
@@ -3647,7 +3647,7 @@
       <dgm:spPr/>
     </dgm:pt>
     <dgm:pt modelId="{FAB0FB93-2139-4F8D-9171-B9CBF5295F56}" type="pres">
-      <dgm:prSet presAssocID="{B1A4C78C-C732-486F-81C6-BE9027F83BA4}" presName="level2Shape" presStyleLbl="node4" presStyleIdx="8" presStyleCnt="9"/>
+      <dgm:prSet presAssocID="{B1A4C78C-C732-486F-81C6-BE9027F83BA4}" presName="level2Shape" presStyleLbl="node4" presStyleIdx="8" presStyleCnt="9" custScaleX="129352" custScaleY="184091"/>
       <dgm:spPr/>
     </dgm:pt>
     <dgm:pt modelId="{BCEAC32A-98CC-4843-A120-A41A16F17426}" type="pres">
@@ -3655,7 +3655,7 @@
       <dgm:spPr/>
     </dgm:pt>
     <dgm:pt modelId="{C2705960-6B5A-4F87-9557-FD073F6C5372}" type="pres">
-      <dgm:prSet presAssocID="{D91C495F-76A7-4926-AD6C-4CF5097BC63B}" presName="Name19" presStyleLbl="parChTrans1D3" presStyleIdx="11" presStyleCnt="12"/>
+      <dgm:prSet presAssocID="{D91C495F-76A7-4926-AD6C-4CF5097BC63B}" presName="Name19" presStyleLbl="parChTrans1D3" presStyleIdx="11" presStyleCnt="12" custScaleX="2000000" custScaleY="2000000"/>
       <dgm:spPr/>
     </dgm:pt>
     <dgm:pt modelId="{44A820FA-4BA0-41BB-9ABD-0949D54CDFA7}" type="pres">
@@ -3663,7 +3663,7 @@
       <dgm:spPr/>
     </dgm:pt>
     <dgm:pt modelId="{967706DD-9B8A-48AC-9EC2-C4E941325E0A}" type="pres">
-      <dgm:prSet presAssocID="{E9504D29-BF8C-471A-B7DE-EE8FC974C5A7}" presName="level2Shape" presStyleLbl="node3" presStyleIdx="11" presStyleCnt="12"/>
+      <dgm:prSet presAssocID="{E9504D29-BF8C-471A-B7DE-EE8FC974C5A7}" presName="level2Shape" presStyleLbl="node3" presStyleIdx="11" presStyleCnt="12" custScaleX="129352" custScaleY="184091"/>
       <dgm:spPr/>
     </dgm:pt>
     <dgm:pt modelId="{5709C277-D3B3-41BE-96D2-BA77C1844334}" type="pres">
@@ -5079,7 +5079,7 @@
       <dgm:spPr/>
     </dgm:pt>
     <dgm:pt modelId="{7C90AE09-A84E-44C7-BA8F-F5A943BC20F1}" type="pres">
-      <dgm:prSet presAssocID="{250AFC83-7584-4DCF-A539-BF67C6DA4D5B}" presName="level1Shape" presStyleLbl="node0" presStyleIdx="0" presStyleCnt="1" custScaleX="241044">
+      <dgm:prSet presAssocID="{250AFC83-7584-4DCF-A539-BF67C6DA4D5B}" presName="level1Shape" presStyleLbl="node0" presStyleIdx="0" presStyleCnt="1" custScaleX="379137" custScaleY="183586">
         <dgm:presLayoutVars>
           <dgm:chPref val="3"/>
         </dgm:presLayoutVars>
@@ -5091,7 +5091,7 @@
       <dgm:spPr/>
     </dgm:pt>
     <dgm:pt modelId="{CF43DD4A-05E7-43F5-B96B-B66C6C37830F}" type="pres">
-      <dgm:prSet presAssocID="{1420A691-5767-4A02-810E-D50F784E5381}" presName="Name19" presStyleLbl="parChTrans1D2" presStyleIdx="0" presStyleCnt="3"/>
+      <dgm:prSet presAssocID="{1420A691-5767-4A02-810E-D50F784E5381}" presName="Name19" presStyleLbl="parChTrans1D2" presStyleIdx="0" presStyleCnt="3" custScaleX="2000000" custScaleY="2000000"/>
       <dgm:spPr/>
     </dgm:pt>
     <dgm:pt modelId="{78D2D52A-2A67-4E07-B2E5-8861DBFAAD70}" type="pres">
@@ -5099,7 +5099,7 @@
       <dgm:spPr/>
     </dgm:pt>
     <dgm:pt modelId="{20884C40-DF40-4B05-9AF9-1D74F8DE13C4}" type="pres">
-      <dgm:prSet presAssocID="{2ED8E377-07C8-4322-A58E-1BC779E262BA}" presName="level2Shape" presStyleLbl="node2" presStyleIdx="0" presStyleCnt="3" custScaleX="223616"/>
+      <dgm:prSet presAssocID="{2ED8E377-07C8-4322-A58E-1BC779E262BA}" presName="level2Shape" presStyleLbl="node2" presStyleIdx="0" presStyleCnt="3" custScaleX="351724" custScaleY="183586"/>
       <dgm:spPr/>
     </dgm:pt>
     <dgm:pt modelId="{E46D3659-E00C-41C6-B959-C61ACDD85CAA}" type="pres">
@@ -5107,7 +5107,7 @@
       <dgm:spPr/>
     </dgm:pt>
     <dgm:pt modelId="{717119B4-C882-4A47-B70F-FE796E243F9D}" type="pres">
-      <dgm:prSet presAssocID="{4FD6EA0F-9D7C-419D-9148-A2DCAE14ED29}" presName="Name19" presStyleLbl="parChTrans1D3" presStyleIdx="0" presStyleCnt="11"/>
+      <dgm:prSet presAssocID="{4FD6EA0F-9D7C-419D-9148-A2DCAE14ED29}" presName="Name19" presStyleLbl="parChTrans1D3" presStyleIdx="0" presStyleCnt="11" custScaleX="2000000" custScaleY="2000000"/>
       <dgm:spPr/>
     </dgm:pt>
     <dgm:pt modelId="{4C6C48DF-DC8F-4DE7-BD38-3BA96AE73322}" type="pres">
@@ -5115,7 +5115,7 @@
       <dgm:spPr/>
     </dgm:pt>
     <dgm:pt modelId="{33364282-1B31-494B-A13B-BE0D89EA297B}" type="pres">
-      <dgm:prSet presAssocID="{FCE0EAB7-1154-4C2A-98E6-27925C42E38A}" presName="level2Shape" presStyleLbl="node3" presStyleIdx="0" presStyleCnt="11" custScaleX="180542"/>
+      <dgm:prSet presAssocID="{FCE0EAB7-1154-4C2A-98E6-27925C42E38A}" presName="level2Shape" presStyleLbl="node3" presStyleIdx="0" presStyleCnt="11" custScaleX="283973" custScaleY="183586"/>
       <dgm:spPr/>
     </dgm:pt>
     <dgm:pt modelId="{10A98736-B64F-4666-ADC1-163DFE1360DD}" type="pres">
@@ -5123,7 +5123,7 @@
       <dgm:spPr/>
     </dgm:pt>
     <dgm:pt modelId="{F808E1C0-13F3-4424-B32E-8873AF31C138}" type="pres">
-      <dgm:prSet presAssocID="{94473FDF-6975-460A-80EA-6F6B64278B3B}" presName="Name19" presStyleLbl="parChTrans1D3" presStyleIdx="1" presStyleCnt="11"/>
+      <dgm:prSet presAssocID="{94473FDF-6975-460A-80EA-6F6B64278B3B}" presName="Name19" presStyleLbl="parChTrans1D3" presStyleIdx="1" presStyleCnt="11" custScaleX="2000000" custScaleY="2000000"/>
       <dgm:spPr/>
     </dgm:pt>
     <dgm:pt modelId="{7D2C215A-4A5C-481A-85EE-A02AB05DF6EF}" type="pres">
@@ -5131,7 +5131,7 @@
       <dgm:spPr/>
     </dgm:pt>
     <dgm:pt modelId="{7425339E-7988-44B2-BFE4-9E8E9464A145}" type="pres">
-      <dgm:prSet presAssocID="{7F238A38-A289-4D2C-AFA6-AA25109C086E}" presName="level2Shape" presStyleLbl="node3" presStyleIdx="1" presStyleCnt="11" custScaleX="149949"/>
+      <dgm:prSet presAssocID="{7F238A38-A289-4D2C-AFA6-AA25109C086E}" presName="level2Shape" presStyleLbl="node3" presStyleIdx="1" presStyleCnt="11" custScaleX="235854" custScaleY="183586"/>
       <dgm:spPr/>
     </dgm:pt>
     <dgm:pt modelId="{025E6A5D-907F-4F9E-8E84-9977E7D4F725}" type="pres">
@@ -5139,7 +5139,7 @@
       <dgm:spPr/>
     </dgm:pt>
     <dgm:pt modelId="{5C41A42A-C667-4104-B8AA-54CBDF33E7E6}" type="pres">
-      <dgm:prSet presAssocID="{885D5FA8-A262-42B8-AB08-4FBC5FAFBAE6}" presName="Name19" presStyleLbl="parChTrans1D3" presStyleIdx="2" presStyleCnt="11"/>
+      <dgm:prSet presAssocID="{885D5FA8-A262-42B8-AB08-4FBC5FAFBAE6}" presName="Name19" presStyleLbl="parChTrans1D3" presStyleIdx="2" presStyleCnt="11" custScaleX="2000000" custScaleY="2000000"/>
       <dgm:spPr/>
     </dgm:pt>
     <dgm:pt modelId="{F149C689-A5C6-4C80-BE21-5A3381A1C254}" type="pres">
@@ -5147,7 +5147,7 @@
       <dgm:spPr/>
     </dgm:pt>
     <dgm:pt modelId="{0F4DC5FE-C3A2-42B1-A795-F23B13F57642}" type="pres">
-      <dgm:prSet presAssocID="{2518E83F-244F-423D-8E71-DD75C18635BC}" presName="level2Shape" presStyleLbl="node3" presStyleIdx="2" presStyleCnt="11" custScaleX="152420"/>
+      <dgm:prSet presAssocID="{2518E83F-244F-423D-8E71-DD75C18635BC}" presName="level2Shape" presStyleLbl="node3" presStyleIdx="2" presStyleCnt="11" custScaleX="239741" custScaleY="183586"/>
       <dgm:spPr/>
     </dgm:pt>
     <dgm:pt modelId="{1F03420D-2EA7-4085-A984-C9434EF3A8FC}" type="pres">
@@ -5155,7 +5155,7 @@
       <dgm:spPr/>
     </dgm:pt>
     <dgm:pt modelId="{165CC70F-3070-41AC-A9D6-085C78856160}" type="pres">
-      <dgm:prSet presAssocID="{52670CF6-6C36-4F80-A343-8E29E941DFB1}" presName="Name19" presStyleLbl="parChTrans1D2" presStyleIdx="1" presStyleCnt="3"/>
+      <dgm:prSet presAssocID="{52670CF6-6C36-4F80-A343-8E29E941DFB1}" presName="Name19" presStyleLbl="parChTrans1D2" presStyleIdx="1" presStyleCnt="3" custScaleX="2000000" custScaleY="2000000"/>
       <dgm:spPr/>
     </dgm:pt>
     <dgm:pt modelId="{EE5B993B-1190-4235-9A4B-25643189A662}" type="pres">
@@ -5163,7 +5163,7 @@
       <dgm:spPr/>
     </dgm:pt>
     <dgm:pt modelId="{B8A5C3C6-E8FE-4CC8-BC0B-35DAC8163B38}" type="pres">
-      <dgm:prSet presAssocID="{FBE252AA-FD41-4FCC-BB42-EB6C41A8080C}" presName="level2Shape" presStyleLbl="node2" presStyleIdx="1" presStyleCnt="3" custScaleX="199168"/>
+      <dgm:prSet presAssocID="{FBE252AA-FD41-4FCC-BB42-EB6C41A8080C}" presName="level2Shape" presStyleLbl="node2" presStyleIdx="1" presStyleCnt="3" custScaleX="313270" custScaleY="183586"/>
       <dgm:spPr/>
     </dgm:pt>
     <dgm:pt modelId="{2D0902D1-A23D-4710-B66B-F4DB24CC5D01}" type="pres">
@@ -5171,7 +5171,7 @@
       <dgm:spPr/>
     </dgm:pt>
     <dgm:pt modelId="{D2CBF229-4CCA-490F-9C4B-3F19E37A3636}" type="pres">
-      <dgm:prSet presAssocID="{E1DEB5EC-955D-4848-9EA5-DF8F517D1813}" presName="Name19" presStyleLbl="parChTrans1D3" presStyleIdx="3" presStyleCnt="11"/>
+      <dgm:prSet presAssocID="{E1DEB5EC-955D-4848-9EA5-DF8F517D1813}" presName="Name19" presStyleLbl="parChTrans1D3" presStyleIdx="3" presStyleCnt="11" custScaleX="2000000" custScaleY="2000000"/>
       <dgm:spPr/>
     </dgm:pt>
     <dgm:pt modelId="{454C84B4-5F07-4885-804C-E595C14779A3}" type="pres">
@@ -5179,7 +5179,7 @@
       <dgm:spPr/>
     </dgm:pt>
     <dgm:pt modelId="{CEFDC2C9-05A1-4FBB-8437-0FC254D4FDC8}" type="pres">
-      <dgm:prSet presAssocID="{B93F8A0E-3F38-431B-97D7-3534CBB4898D}" presName="level2Shape" presStyleLbl="node3" presStyleIdx="3" presStyleCnt="11" custScaleX="190549"/>
+      <dgm:prSet presAssocID="{B93F8A0E-3F38-431B-97D7-3534CBB4898D}" presName="level2Shape" presStyleLbl="node3" presStyleIdx="3" presStyleCnt="11" custScaleX="299714" custScaleY="183586"/>
       <dgm:spPr/>
     </dgm:pt>
     <dgm:pt modelId="{73B2F869-D79D-4647-8167-FA3B1552D08F}" type="pres">
@@ -5187,7 +5187,7 @@
       <dgm:spPr/>
     </dgm:pt>
     <dgm:pt modelId="{3EE2552C-2E93-49F9-ABAC-4A3E3435936F}" type="pres">
-      <dgm:prSet presAssocID="{1C6092DF-CE4F-40F9-B703-A5B8E53BEE45}" presName="Name19" presStyleLbl="parChTrans1D4" presStyleIdx="0" presStyleCnt="8"/>
+      <dgm:prSet presAssocID="{1C6092DF-CE4F-40F9-B703-A5B8E53BEE45}" presName="Name19" presStyleLbl="parChTrans1D4" presStyleIdx="0" presStyleCnt="8" custScaleX="2000000" custScaleY="2000000"/>
       <dgm:spPr/>
     </dgm:pt>
     <dgm:pt modelId="{D83D9338-7384-42A6-B627-38D85C4F5EA7}" type="pres">
@@ -5195,7 +5195,7 @@
       <dgm:spPr/>
     </dgm:pt>
     <dgm:pt modelId="{C90E5378-24FC-449B-9AF7-5548F3953EC8}" type="pres">
-      <dgm:prSet presAssocID="{A1E69BF5-9B53-4035-8153-E134F40431B2}" presName="level2Shape" presStyleLbl="node4" presStyleIdx="0" presStyleCnt="8"/>
+      <dgm:prSet presAssocID="{A1E69BF5-9B53-4035-8153-E134F40431B2}" presName="level2Shape" presStyleLbl="node4" presStyleIdx="0" presStyleCnt="8" custScaleX="157289" custScaleY="183586"/>
       <dgm:spPr/>
     </dgm:pt>
     <dgm:pt modelId="{E0B403D9-5804-4023-AC1B-20749CAE7250}" type="pres">
@@ -5203,7 +5203,7 @@
       <dgm:spPr/>
     </dgm:pt>
     <dgm:pt modelId="{FE4D33B2-8546-46C9-A049-AC93D5F7114F}" type="pres">
-      <dgm:prSet presAssocID="{54FEDDC0-EC39-4979-ADCE-817C7AA7488B}" presName="Name19" presStyleLbl="parChTrans1D3" presStyleIdx="4" presStyleCnt="11"/>
+      <dgm:prSet presAssocID="{54FEDDC0-EC39-4979-ADCE-817C7AA7488B}" presName="Name19" presStyleLbl="parChTrans1D3" presStyleIdx="4" presStyleCnt="11" custScaleX="2000000" custScaleY="2000000"/>
       <dgm:spPr/>
     </dgm:pt>
     <dgm:pt modelId="{CD128761-99B6-40E2-A23B-1F22292F259E}" type="pres">
@@ -5211,7 +5211,7 @@
       <dgm:spPr/>
     </dgm:pt>
     <dgm:pt modelId="{DA319E90-05C3-44BE-BEE7-4773D55CB100}" type="pres">
-      <dgm:prSet presAssocID="{444BB835-FE01-473C-AF9D-DD9A91DF3B87}" presName="level2Shape" presStyleLbl="node3" presStyleIdx="4" presStyleCnt="11" custScaleX="150591"/>
+      <dgm:prSet presAssocID="{444BB835-FE01-473C-AF9D-DD9A91DF3B87}" presName="level2Shape" presStyleLbl="node3" presStyleIdx="4" presStyleCnt="11" custScaleX="236864" custScaleY="183586"/>
       <dgm:spPr/>
     </dgm:pt>
     <dgm:pt modelId="{8990F442-97BD-4BBA-946F-29949D2F758E}" type="pres">
@@ -5219,7 +5219,7 @@
       <dgm:spPr/>
     </dgm:pt>
     <dgm:pt modelId="{85905866-D691-4771-803C-1AF6D95BEC27}" type="pres">
-      <dgm:prSet presAssocID="{EF2074C7-E673-4392-A5C3-813E7B898926}" presName="Name19" presStyleLbl="parChTrans1D4" presStyleIdx="1" presStyleCnt="8"/>
+      <dgm:prSet presAssocID="{EF2074C7-E673-4392-A5C3-813E7B898926}" presName="Name19" presStyleLbl="parChTrans1D4" presStyleIdx="1" presStyleCnt="8" custScaleX="2000000" custScaleY="2000000"/>
       <dgm:spPr/>
     </dgm:pt>
     <dgm:pt modelId="{D671B0F4-382E-4816-BB2F-9524CB5489DE}" type="pres">
@@ -5227,7 +5227,7 @@
       <dgm:spPr/>
     </dgm:pt>
     <dgm:pt modelId="{8C9AC453-CC7F-4B3B-B5B9-DED3FDA8387B}" type="pres">
-      <dgm:prSet presAssocID="{C12A38C1-AE24-4784-910F-C6D1810D1564}" presName="level2Shape" presStyleLbl="node4" presStyleIdx="1" presStyleCnt="8"/>
+      <dgm:prSet presAssocID="{C12A38C1-AE24-4784-910F-C6D1810D1564}" presName="level2Shape" presStyleLbl="node4" presStyleIdx="1" presStyleCnt="8" custScaleX="157289" custScaleY="183586"/>
       <dgm:spPr/>
     </dgm:pt>
     <dgm:pt modelId="{A4ABA0BD-A5F6-42DC-B2C5-B6570634A5A8}" type="pres">
@@ -5235,7 +5235,7 @@
       <dgm:spPr/>
     </dgm:pt>
     <dgm:pt modelId="{1EEBB945-63FD-4B24-B63C-597318D74212}" type="pres">
-      <dgm:prSet presAssocID="{5C32BAC7-6395-4A73-9C4A-F89B777EFE2C}" presName="Name19" presStyleLbl="parChTrans1D3" presStyleIdx="5" presStyleCnt="11"/>
+      <dgm:prSet presAssocID="{5C32BAC7-6395-4A73-9C4A-F89B777EFE2C}" presName="Name19" presStyleLbl="parChTrans1D3" presStyleIdx="5" presStyleCnt="11" custScaleX="2000000" custScaleY="2000000"/>
       <dgm:spPr/>
     </dgm:pt>
     <dgm:pt modelId="{8915D699-11A3-4C85-A0C8-3673823EC3F8}" type="pres">
@@ -5243,7 +5243,7 @@
       <dgm:spPr/>
     </dgm:pt>
     <dgm:pt modelId="{61AB92AD-4E7A-45D7-83D7-D78F235ADDFD}" type="pres">
-      <dgm:prSet presAssocID="{D1CA86F3-3F9F-4F37-9DAF-FF324B097DB2}" presName="level2Shape" presStyleLbl="node3" presStyleIdx="5" presStyleCnt="11"/>
+      <dgm:prSet presAssocID="{D1CA86F3-3F9F-4F37-9DAF-FF324B097DB2}" presName="level2Shape" presStyleLbl="node3" presStyleIdx="5" presStyleCnt="11" custScaleX="157289" custScaleY="183586"/>
       <dgm:spPr/>
     </dgm:pt>
     <dgm:pt modelId="{DD2E9AB7-7259-4964-AE02-30E8C29384AE}" type="pres">
@@ -5251,7 +5251,7 @@
       <dgm:spPr/>
     </dgm:pt>
     <dgm:pt modelId="{04088FE9-F1BD-4A14-B048-5F6B403C8434}" type="pres">
-      <dgm:prSet presAssocID="{B616B347-6FA8-4968-9ADC-9F262F6191AA}" presName="Name19" presStyleLbl="parChTrans1D4" presStyleIdx="2" presStyleCnt="8"/>
+      <dgm:prSet presAssocID="{B616B347-6FA8-4968-9ADC-9F262F6191AA}" presName="Name19" presStyleLbl="parChTrans1D4" presStyleIdx="2" presStyleCnt="8" custScaleX="2000000" custScaleY="2000000"/>
       <dgm:spPr/>
     </dgm:pt>
     <dgm:pt modelId="{169AB139-6D27-48D4-95CD-06B0726C4AF5}" type="pres">
@@ -5259,7 +5259,7 @@
       <dgm:spPr/>
     </dgm:pt>
     <dgm:pt modelId="{7F4F4EAD-930E-4536-A202-B24138D791C1}" type="pres">
-      <dgm:prSet presAssocID="{1596477F-EA1C-43B3-9FA0-3449201577A4}" presName="level2Shape" presStyleLbl="node4" presStyleIdx="2" presStyleCnt="8"/>
+      <dgm:prSet presAssocID="{1596477F-EA1C-43B3-9FA0-3449201577A4}" presName="level2Shape" presStyleLbl="node4" presStyleIdx="2" presStyleCnt="8" custScaleX="157289" custScaleY="183586"/>
       <dgm:spPr/>
     </dgm:pt>
     <dgm:pt modelId="{CBC84698-942B-4120-A790-538625FB5C29}" type="pres">
@@ -5267,7 +5267,7 @@
       <dgm:spPr/>
     </dgm:pt>
     <dgm:pt modelId="{CDF6BB19-8B28-4C1C-BD9F-01E9F9EFECB8}" type="pres">
-      <dgm:prSet presAssocID="{7B7F3955-9444-4794-8B02-A62E01E578BE}" presName="Name19" presStyleLbl="parChTrans1D2" presStyleIdx="2" presStyleCnt="3"/>
+      <dgm:prSet presAssocID="{7B7F3955-9444-4794-8B02-A62E01E578BE}" presName="Name19" presStyleLbl="parChTrans1D2" presStyleIdx="2" presStyleCnt="3" custScaleX="2000000" custScaleY="2000000"/>
       <dgm:spPr/>
     </dgm:pt>
     <dgm:pt modelId="{7E181715-CB6D-495E-A7CC-A46CB2589469}" type="pres">
@@ -5275,7 +5275,7 @@
       <dgm:spPr/>
     </dgm:pt>
     <dgm:pt modelId="{82AF960B-63A9-4F92-8893-77B6785A9B33}" type="pres">
-      <dgm:prSet presAssocID="{AAB696B4-C326-4887-924C-F0A52209D105}" presName="level2Shape" presStyleLbl="node2" presStyleIdx="2" presStyleCnt="3"/>
+      <dgm:prSet presAssocID="{AAB696B4-C326-4887-924C-F0A52209D105}" presName="level2Shape" presStyleLbl="node2" presStyleIdx="2" presStyleCnt="3" custScaleX="157289" custScaleY="183586"/>
       <dgm:spPr/>
     </dgm:pt>
     <dgm:pt modelId="{70DCFF2C-7C29-4F03-88F0-476F9DD64642}" type="pres">
@@ -5283,7 +5283,7 @@
       <dgm:spPr/>
     </dgm:pt>
     <dgm:pt modelId="{C4EB4996-2AA4-435D-AD34-E55D70EB8238}" type="pres">
-      <dgm:prSet presAssocID="{65A389A7-1E90-4726-A029-F9AFD89F397F}" presName="Name19" presStyleLbl="parChTrans1D3" presStyleIdx="6" presStyleCnt="11"/>
+      <dgm:prSet presAssocID="{65A389A7-1E90-4726-A029-F9AFD89F397F}" presName="Name19" presStyleLbl="parChTrans1D3" presStyleIdx="6" presStyleCnt="11" custScaleX="2000000" custScaleY="2000000"/>
       <dgm:spPr/>
     </dgm:pt>
     <dgm:pt modelId="{0FA4D676-3E7E-4CCB-A2AC-7FE2F9A8A130}" type="pres">
@@ -5291,7 +5291,7 @@
       <dgm:spPr/>
     </dgm:pt>
     <dgm:pt modelId="{56D48919-8813-499D-9AC4-404BD2F13EF3}" type="pres">
-      <dgm:prSet presAssocID="{0A14DD45-F0EC-4667-8235-0FA37D9E05F0}" presName="level2Shape" presStyleLbl="node3" presStyleIdx="6" presStyleCnt="11" custScaleX="137481"/>
+      <dgm:prSet presAssocID="{0A14DD45-F0EC-4667-8235-0FA37D9E05F0}" presName="level2Shape" presStyleLbl="node3" presStyleIdx="6" presStyleCnt="11" custScaleX="216243" custScaleY="183586"/>
       <dgm:spPr/>
     </dgm:pt>
     <dgm:pt modelId="{D6135E0B-7985-45C4-A598-3E437B014348}" type="pres">
@@ -5299,7 +5299,7 @@
       <dgm:spPr/>
     </dgm:pt>
     <dgm:pt modelId="{5DDA2121-42E6-48DA-A6CE-578C02420C5A}" type="pres">
-      <dgm:prSet presAssocID="{FA855970-C429-4E30-8DE1-C0F8C05DBD71}" presName="Name19" presStyleLbl="parChTrans1D4" presStyleIdx="3" presStyleCnt="8"/>
+      <dgm:prSet presAssocID="{FA855970-C429-4E30-8DE1-C0F8C05DBD71}" presName="Name19" presStyleLbl="parChTrans1D4" presStyleIdx="3" presStyleCnt="8" custScaleX="2000000" custScaleY="2000000"/>
       <dgm:spPr/>
     </dgm:pt>
     <dgm:pt modelId="{077CF515-D7B9-474C-ADEA-1BB36720FB1B}" type="pres">
@@ -5307,7 +5307,7 @@
       <dgm:spPr/>
     </dgm:pt>
     <dgm:pt modelId="{47358D75-0C97-4E30-ABBC-B9327B8D237B}" type="pres">
-      <dgm:prSet presAssocID="{88AD5CAF-086F-45E5-903B-A748FB63BC94}" presName="level2Shape" presStyleLbl="node4" presStyleIdx="3" presStyleCnt="8" custScaleX="139945"/>
+      <dgm:prSet presAssocID="{88AD5CAF-086F-45E5-903B-A748FB63BC94}" presName="level2Shape" presStyleLbl="node4" presStyleIdx="3" presStyleCnt="8" custScaleX="220119" custScaleY="183586"/>
       <dgm:spPr/>
     </dgm:pt>
     <dgm:pt modelId="{96A90A77-367B-41E1-8A1E-D87019C136ED}" type="pres">
@@ -5315,7 +5315,7 @@
       <dgm:spPr/>
     </dgm:pt>
     <dgm:pt modelId="{A50ACD74-835C-4190-982B-765670D097E3}" type="pres">
-      <dgm:prSet presAssocID="{8AE74171-00F0-4F3B-80CF-14CF41CF492A}" presName="Name19" presStyleLbl="parChTrans1D4" presStyleIdx="4" presStyleCnt="8"/>
+      <dgm:prSet presAssocID="{8AE74171-00F0-4F3B-80CF-14CF41CF492A}" presName="Name19" presStyleLbl="parChTrans1D4" presStyleIdx="4" presStyleCnt="8" custScaleX="2000000" custScaleY="2000000"/>
       <dgm:spPr/>
     </dgm:pt>
     <dgm:pt modelId="{1FDDE559-ED26-43F0-BE84-47A4AF8F93F1}" type="pres">
@@ -5323,7 +5323,7 @@
       <dgm:spPr/>
     </dgm:pt>
     <dgm:pt modelId="{E07EB03B-67E6-4BA3-B737-9FD2F38909EB}" type="pres">
-      <dgm:prSet presAssocID="{8B0C43C4-EE46-43B8-92EF-4198B3007781}" presName="level2Shape" presStyleLbl="node4" presStyleIdx="4" presStyleCnt="8" custScaleX="177514"/>
+      <dgm:prSet presAssocID="{8B0C43C4-EE46-43B8-92EF-4198B3007781}" presName="level2Shape" presStyleLbl="node4" presStyleIdx="4" presStyleCnt="8" custScaleX="279211" custScaleY="183586"/>
       <dgm:spPr/>
     </dgm:pt>
     <dgm:pt modelId="{7C950094-7AE6-4BC5-85C8-0B1AD3BA7484}" type="pres">
@@ -5331,7 +5331,7 @@
       <dgm:spPr/>
     </dgm:pt>
     <dgm:pt modelId="{64C5707C-3740-439D-9B9E-5F859BBA2E6E}" type="pres">
-      <dgm:prSet presAssocID="{05E7EA33-C12B-4957-9EB0-F31FDDB70787}" presName="Name19" presStyleLbl="parChTrans1D3" presStyleIdx="7" presStyleCnt="11"/>
+      <dgm:prSet presAssocID="{05E7EA33-C12B-4957-9EB0-F31FDDB70787}" presName="Name19" presStyleLbl="parChTrans1D3" presStyleIdx="7" presStyleCnt="11" custScaleX="2000000" custScaleY="2000000"/>
       <dgm:spPr/>
     </dgm:pt>
     <dgm:pt modelId="{734A9589-4851-48BA-BF18-29AB8E19614C}" type="pres">
@@ -5339,7 +5339,7 @@
       <dgm:spPr/>
     </dgm:pt>
     <dgm:pt modelId="{C8C1F3D9-D1AB-4F46-8716-4A07EB85E03D}" type="pres">
-      <dgm:prSet presAssocID="{188B65FE-48F8-412F-AAF3-47D04C09CB64}" presName="level2Shape" presStyleLbl="node3" presStyleIdx="7" presStyleCnt="11"/>
+      <dgm:prSet presAssocID="{188B65FE-48F8-412F-AAF3-47D04C09CB64}" presName="level2Shape" presStyleLbl="node3" presStyleIdx="7" presStyleCnt="11" custScaleX="157289" custScaleY="183586"/>
       <dgm:spPr/>
     </dgm:pt>
     <dgm:pt modelId="{96239718-A304-4148-82C8-710C7D8A1A7C}" type="pres">
@@ -5347,7 +5347,7 @@
       <dgm:spPr/>
     </dgm:pt>
     <dgm:pt modelId="{D41C5868-FB53-4818-BFD5-A0F87247D228}" type="pres">
-      <dgm:prSet presAssocID="{22619E6A-7C37-4408-B032-A4E8B1B34B66}" presName="Name19" presStyleLbl="parChTrans1D4" presStyleIdx="5" presStyleCnt="8"/>
+      <dgm:prSet presAssocID="{22619E6A-7C37-4408-B032-A4E8B1B34B66}" presName="Name19" presStyleLbl="parChTrans1D4" presStyleIdx="5" presStyleCnt="8" custScaleX="2000000" custScaleY="2000000"/>
       <dgm:spPr/>
     </dgm:pt>
     <dgm:pt modelId="{F8596672-C435-49B2-AB62-AEBF13F41D03}" type="pres">
@@ -5355,7 +5355,7 @@
       <dgm:spPr/>
     </dgm:pt>
     <dgm:pt modelId="{876961BE-D0AF-41E4-A5BC-F6278130F7B1}" type="pres">
-      <dgm:prSet presAssocID="{09F82866-680E-4803-8DF5-A26496E41341}" presName="level2Shape" presStyleLbl="node4" presStyleIdx="5" presStyleCnt="8"/>
+      <dgm:prSet presAssocID="{09F82866-680E-4803-8DF5-A26496E41341}" presName="level2Shape" presStyleLbl="node4" presStyleIdx="5" presStyleCnt="8" custScaleX="157289" custScaleY="183586"/>
       <dgm:spPr/>
     </dgm:pt>
     <dgm:pt modelId="{3881E8F7-6FA9-41C3-BCF9-9A52C86C9D81}" type="pres">
@@ -5363,7 +5363,7 @@
       <dgm:spPr/>
     </dgm:pt>
     <dgm:pt modelId="{020F8FAA-BDC5-4DDF-9CEF-504B75F1394A}" type="pres">
-      <dgm:prSet presAssocID="{AFE06E55-7A9F-4B44-8D70-A658FDE3BA77}" presName="Name19" presStyleLbl="parChTrans1D3" presStyleIdx="8" presStyleCnt="11"/>
+      <dgm:prSet presAssocID="{AFE06E55-7A9F-4B44-8D70-A658FDE3BA77}" presName="Name19" presStyleLbl="parChTrans1D3" presStyleIdx="8" presStyleCnt="11" custScaleX="2000000" custScaleY="2000000"/>
       <dgm:spPr/>
     </dgm:pt>
     <dgm:pt modelId="{D07961CC-23CA-4319-B7B0-DAD172E5A072}" type="pres">
@@ -5371,7 +5371,7 @@
       <dgm:spPr/>
     </dgm:pt>
     <dgm:pt modelId="{A1C96C71-D812-4910-89E9-AE71CB811150}" type="pres">
-      <dgm:prSet presAssocID="{3AA0727D-1B9C-4986-8644-7D5725A26E14}" presName="level2Shape" presStyleLbl="node3" presStyleIdx="8" presStyleCnt="11" custScaleX="149568"/>
+      <dgm:prSet presAssocID="{3AA0727D-1B9C-4986-8644-7D5725A26E14}" presName="level2Shape" presStyleLbl="node3" presStyleIdx="8" presStyleCnt="11" custScaleX="235255" custScaleY="183586"/>
       <dgm:spPr/>
     </dgm:pt>
     <dgm:pt modelId="{14D0BDA8-68AB-489F-AB7A-63A20A58D187}" type="pres">
@@ -5379,7 +5379,7 @@
       <dgm:spPr/>
     </dgm:pt>
     <dgm:pt modelId="{01EB7F82-3EB0-4CBF-92B8-596A36AE562B}" type="pres">
-      <dgm:prSet presAssocID="{66B55887-CE4A-4FB5-AC6F-6281475D193E}" presName="Name19" presStyleLbl="parChTrans1D4" presStyleIdx="6" presStyleCnt="8"/>
+      <dgm:prSet presAssocID="{66B55887-CE4A-4FB5-AC6F-6281475D193E}" presName="Name19" presStyleLbl="parChTrans1D4" presStyleIdx="6" presStyleCnt="8" custScaleX="2000000" custScaleY="2000000"/>
       <dgm:spPr/>
     </dgm:pt>
     <dgm:pt modelId="{6FA7CC08-A51C-4FFB-AEBD-CD9781872C2F}" type="pres">
@@ -5387,7 +5387,7 @@
       <dgm:spPr/>
     </dgm:pt>
     <dgm:pt modelId="{A6BB1E5C-F347-4EEC-8F03-01F86DDD39D7}" type="pres">
-      <dgm:prSet presAssocID="{9E912B1E-B4B0-474F-99A2-BB3231437E15}" presName="level2Shape" presStyleLbl="node4" presStyleIdx="6" presStyleCnt="8"/>
+      <dgm:prSet presAssocID="{9E912B1E-B4B0-474F-99A2-BB3231437E15}" presName="level2Shape" presStyleLbl="node4" presStyleIdx="6" presStyleCnt="8" custScaleX="157289" custScaleY="183586"/>
       <dgm:spPr/>
     </dgm:pt>
     <dgm:pt modelId="{4BE29ECD-C600-4E16-BEDD-F2F642E4E0BC}" type="pres">
@@ -5395,7 +5395,7 @@
       <dgm:spPr/>
     </dgm:pt>
     <dgm:pt modelId="{439B323C-2D6A-4620-A452-C4B3AB935BF9}" type="pres">
-      <dgm:prSet presAssocID="{78648349-F134-4CB1-9238-8F2B0D055D1D}" presName="Name19" presStyleLbl="parChTrans1D3" presStyleIdx="9" presStyleCnt="11"/>
+      <dgm:prSet presAssocID="{78648349-F134-4CB1-9238-8F2B0D055D1D}" presName="Name19" presStyleLbl="parChTrans1D3" presStyleIdx="9" presStyleCnt="11" custScaleX="2000000" custScaleY="2000000"/>
       <dgm:spPr/>
     </dgm:pt>
     <dgm:pt modelId="{8E18D284-9AAF-40B6-B354-F9594EBD910F}" type="pres">
@@ -5403,7 +5403,7 @@
       <dgm:spPr/>
     </dgm:pt>
     <dgm:pt modelId="{34C933ED-1CE3-4556-999B-CFADA768F4E8}" type="pres">
-      <dgm:prSet presAssocID="{A903AF64-68CD-44F5-8411-F72D249BC346}" presName="level2Shape" presStyleLbl="node3" presStyleIdx="9" presStyleCnt="11"/>
+      <dgm:prSet presAssocID="{A903AF64-68CD-44F5-8411-F72D249BC346}" presName="level2Shape" presStyleLbl="node3" presStyleIdx="9" presStyleCnt="11" custScaleX="157289" custScaleY="183586"/>
       <dgm:spPr/>
     </dgm:pt>
     <dgm:pt modelId="{84947EB5-E902-4A1D-8424-648B24A11B2C}" type="pres">
@@ -5411,7 +5411,7 @@
       <dgm:spPr/>
     </dgm:pt>
     <dgm:pt modelId="{29609F51-31F6-4ADE-964B-F9D1524B410D}" type="pres">
-      <dgm:prSet presAssocID="{72E153DB-086C-4BBD-BB38-0D143DBA1461}" presName="Name19" presStyleLbl="parChTrans1D4" presStyleIdx="7" presStyleCnt="8"/>
+      <dgm:prSet presAssocID="{72E153DB-086C-4BBD-BB38-0D143DBA1461}" presName="Name19" presStyleLbl="parChTrans1D4" presStyleIdx="7" presStyleCnt="8" custScaleX="2000000" custScaleY="2000000"/>
       <dgm:spPr/>
     </dgm:pt>
     <dgm:pt modelId="{0C99E464-ADA8-4C35-B78E-C984956A8CA1}" type="pres">
@@ -5419,7 +5419,7 @@
       <dgm:spPr/>
     </dgm:pt>
     <dgm:pt modelId="{FAB0FB93-2139-4F8D-9171-B9CBF5295F56}" type="pres">
-      <dgm:prSet presAssocID="{B1A4C78C-C732-486F-81C6-BE9027F83BA4}" presName="level2Shape" presStyleLbl="node4" presStyleIdx="7" presStyleCnt="8"/>
+      <dgm:prSet presAssocID="{B1A4C78C-C732-486F-81C6-BE9027F83BA4}" presName="level2Shape" presStyleLbl="node4" presStyleIdx="7" presStyleCnt="8" custScaleX="157289" custScaleY="183586"/>
       <dgm:spPr/>
     </dgm:pt>
     <dgm:pt modelId="{BCEAC32A-98CC-4843-A120-A41A16F17426}" type="pres">
@@ -5427,7 +5427,7 @@
       <dgm:spPr/>
     </dgm:pt>
     <dgm:pt modelId="{C2705960-6B5A-4F87-9557-FD073F6C5372}" type="pres">
-      <dgm:prSet presAssocID="{D91C495F-76A7-4926-AD6C-4CF5097BC63B}" presName="Name19" presStyleLbl="parChTrans1D3" presStyleIdx="10" presStyleCnt="11"/>
+      <dgm:prSet presAssocID="{D91C495F-76A7-4926-AD6C-4CF5097BC63B}" presName="Name19" presStyleLbl="parChTrans1D3" presStyleIdx="10" presStyleCnt="11" custScaleX="2000000" custScaleY="2000000"/>
       <dgm:spPr/>
     </dgm:pt>
     <dgm:pt modelId="{44A820FA-4BA0-41BB-9ABD-0949D54CDFA7}" type="pres">
@@ -5435,7 +5435,7 @@
       <dgm:spPr/>
     </dgm:pt>
     <dgm:pt modelId="{967706DD-9B8A-48AC-9EC2-C4E941325E0A}" type="pres">
-      <dgm:prSet presAssocID="{E9504D29-BF8C-471A-B7DE-EE8FC974C5A7}" presName="level2Shape" presStyleLbl="node3" presStyleIdx="10" presStyleCnt="11"/>
+      <dgm:prSet presAssocID="{E9504D29-BF8C-471A-B7DE-EE8FC974C5A7}" presName="level2Shape" presStyleLbl="node3" presStyleIdx="10" presStyleCnt="11" custScaleX="157289" custScaleY="183586"/>
       <dgm:spPr/>
     </dgm:pt>
     <dgm:pt modelId="{5709C277-D3B3-41BE-96D2-BA77C1844334}" type="pres">
@@ -5637,8 +5637,8 @@
       </dsp:nvSpPr>
       <dsp:spPr>
         <a:xfrm>
-          <a:off x="4578652" y="1467918"/>
-          <a:ext cx="1143548" cy="316276"/>
+          <a:off x="4600239" y="1142927"/>
+          <a:ext cx="1184938" cy="466407"/>
         </a:xfrm>
         <a:prstGeom prst="roundRect">
           <a:avLst>
@@ -5710,8 +5710,8 @@
         </a:p>
       </dsp:txBody>
       <dsp:txXfrm>
-        <a:off x="4587915" y="1477181"/>
-        <a:ext cx="1125022" cy="297750"/>
+        <a:off x="4613900" y="1156588"/>
+        <a:ext cx="1157616" cy="439085"/>
       </dsp:txXfrm>
     </dsp:sp>
     <dsp:sp modelId="{CF43DD4A-05E7-43F5-B96B-B66C6C37830F}">
@@ -5721,8 +5721,8 @@
       </dsp:nvSpPr>
       <dsp:spPr>
         <a:xfrm>
-          <a:off x="2032288" y="1784194"/>
-          <a:ext cx="3118138" cy="126510"/>
+          <a:off x="2053155" y="1609334"/>
+          <a:ext cx="3139553" cy="101342"/>
         </a:xfrm>
         <a:custGeom>
           <a:avLst/>
@@ -5733,16 +5733,16 @@
           <a:pathLst>
             <a:path>
               <a:moveTo>
-                <a:pt x="3118138" y="0"/>
+                <a:pt x="3139553" y="0"/>
               </a:moveTo>
               <a:lnTo>
-                <a:pt x="3118138" y="63255"/>
+                <a:pt x="3139553" y="50671"/>
               </a:lnTo>
               <a:lnTo>
-                <a:pt x="0" y="63255"/>
+                <a:pt x="0" y="50671"/>
               </a:lnTo>
               <a:lnTo>
-                <a:pt x="0" y="126510"/>
+                <a:pt x="0" y="101342"/>
               </a:lnTo>
             </a:path>
           </a:pathLst>
@@ -5782,8 +5782,8 @@
       </dsp:nvSpPr>
       <dsp:spPr>
         <a:xfrm>
-          <a:off x="1501854" y="1910705"/>
-          <a:ext cx="1060867" cy="316276"/>
+          <a:off x="1503523" y="1710677"/>
+          <a:ext cx="1099263" cy="466407"/>
         </a:xfrm>
         <a:prstGeom prst="roundRect">
           <a:avLst>
@@ -5855,8 +5855,8 @@
         </a:p>
       </dsp:txBody>
       <dsp:txXfrm>
-        <a:off x="1511117" y="1919968"/>
-        <a:ext cx="1042341" cy="297750"/>
+        <a:off x="1517184" y="1724338"/>
+        <a:ext cx="1071941" cy="439085"/>
       </dsp:txXfrm>
     </dsp:sp>
     <dsp:sp modelId="{717119B4-C882-4A47-B70F-FE796E243F9D}">
@@ -5866,8 +5866,8 @@
       </dsp:nvSpPr>
       <dsp:spPr>
         <a:xfrm>
-          <a:off x="432324" y="2226982"/>
-          <a:ext cx="1599964" cy="126510"/>
+          <a:off x="445480" y="2177084"/>
+          <a:ext cx="1607674" cy="101342"/>
         </a:xfrm>
         <a:custGeom>
           <a:avLst/>
@@ -5878,16 +5878,16 @@
           <a:pathLst>
             <a:path>
               <a:moveTo>
-                <a:pt x="1599964" y="0"/>
+                <a:pt x="1607674" y="0"/>
               </a:moveTo>
               <a:lnTo>
-                <a:pt x="1599964" y="63255"/>
+                <a:pt x="1607674" y="50671"/>
               </a:lnTo>
               <a:lnTo>
-                <a:pt x="0" y="63255"/>
+                <a:pt x="0" y="50671"/>
               </a:lnTo>
               <a:lnTo>
-                <a:pt x="0" y="126510"/>
+                <a:pt x="0" y="101342"/>
               </a:lnTo>
             </a:path>
           </a:pathLst>
@@ -5927,8 +5927,8 @@
       </dsp:nvSpPr>
       <dsp:spPr>
         <a:xfrm>
-          <a:off x="4065" y="2353492"/>
-          <a:ext cx="856518" cy="316276"/>
+          <a:off x="1721" y="2278427"/>
+          <a:ext cx="887519" cy="466407"/>
         </a:xfrm>
         <a:prstGeom prst="roundRect">
           <a:avLst>
@@ -6005,8 +6005,8 @@
         </a:p>
       </dsp:txBody>
       <dsp:txXfrm>
-        <a:off x="13328" y="2362755"/>
-        <a:ext cx="837992" cy="297750"/>
+        <a:off x="15382" y="2292088"/>
+        <a:ext cx="860197" cy="439085"/>
       </dsp:txXfrm>
     </dsp:sp>
     <dsp:sp modelId="{F808E1C0-13F3-4424-B32E-8873AF31C138}">
@@ -6016,8 +6016,8 @@
       </dsp:nvSpPr>
       <dsp:spPr>
         <a:xfrm>
-          <a:off x="1464050" y="2226982"/>
-          <a:ext cx="568237" cy="126510"/>
+          <a:off x="1481084" y="2177084"/>
+          <a:ext cx="572070" cy="101342"/>
         </a:xfrm>
         <a:custGeom>
           <a:avLst/>
@@ -6028,16 +6028,16 @@
           <a:pathLst>
             <a:path>
               <a:moveTo>
-                <a:pt x="568237" y="0"/>
+                <a:pt x="572070" y="0"/>
               </a:moveTo>
               <a:lnTo>
-                <a:pt x="568237" y="63255"/>
+                <a:pt x="572070" y="50671"/>
               </a:lnTo>
               <a:lnTo>
-                <a:pt x="0" y="63255"/>
+                <a:pt x="0" y="50671"/>
               </a:lnTo>
               <a:lnTo>
-                <a:pt x="0" y="126510"/>
+                <a:pt x="0" y="101342"/>
               </a:lnTo>
             </a:path>
           </a:pathLst>
@@ -6077,8 +6077,8 @@
       </dsp:nvSpPr>
       <dsp:spPr>
         <a:xfrm>
-          <a:off x="1002907" y="2353492"/>
-          <a:ext cx="922286" cy="316276"/>
+          <a:off x="1003250" y="2278427"/>
+          <a:ext cx="955667" cy="466407"/>
         </a:xfrm>
         <a:prstGeom prst="roundRect">
           <a:avLst>
@@ -6177,8 +6177,8 @@
         </a:p>
       </dsp:txBody>
       <dsp:txXfrm>
-        <a:off x="1012170" y="2362755"/>
-        <a:ext cx="903760" cy="297750"/>
+        <a:off x="1016911" y="2292088"/>
+        <a:ext cx="928345" cy="439085"/>
       </dsp:txXfrm>
     </dsp:sp>
     <dsp:sp modelId="{5C41A42A-C667-4104-B8AA-54CBDF33E7E6}">
@@ -6188,8 +6188,8 @@
       </dsp:nvSpPr>
       <dsp:spPr>
         <a:xfrm>
-          <a:off x="2032288" y="2226982"/>
-          <a:ext cx="534822" cy="126510"/>
+          <a:off x="2053155" y="2177084"/>
+          <a:ext cx="537447" cy="101342"/>
         </a:xfrm>
         <a:custGeom>
           <a:avLst/>
@@ -6203,13 +6203,13 @@
                 <a:pt x="0" y="0"/>
               </a:moveTo>
               <a:lnTo>
-                <a:pt x="0" y="63255"/>
+                <a:pt x="0" y="50671"/>
               </a:lnTo>
               <a:lnTo>
-                <a:pt x="534822" y="63255"/>
+                <a:pt x="537447" y="50671"/>
               </a:lnTo>
               <a:lnTo>
-                <a:pt x="534822" y="126510"/>
+                <a:pt x="537447" y="101342"/>
               </a:lnTo>
             </a:path>
           </a:pathLst>
@@ -6249,8 +6249,8 @@
       </dsp:nvSpPr>
       <dsp:spPr>
         <a:xfrm>
-          <a:off x="2067518" y="2353492"/>
-          <a:ext cx="999184" cy="316276"/>
+          <a:off x="2072928" y="2278427"/>
+          <a:ext cx="1035349" cy="466407"/>
         </a:xfrm>
         <a:prstGeom prst="roundRect">
           <a:avLst>
@@ -6349,8 +6349,8 @@
         </a:p>
       </dsp:txBody>
       <dsp:txXfrm>
-        <a:off x="2076781" y="2362755"/>
-        <a:ext cx="980658" cy="297750"/>
+        <a:off x="2086589" y="2292088"/>
+        <a:ext cx="1008027" cy="439085"/>
       </dsp:txXfrm>
     </dsp:sp>
     <dsp:sp modelId="{3A2580A4-B2AC-40F6-A667-5BD60B4FCDE2}">
@@ -6360,8 +6360,8 @@
       </dsp:nvSpPr>
       <dsp:spPr>
         <a:xfrm>
-          <a:off x="2032288" y="2226982"/>
-          <a:ext cx="1602480" cy="126510"/>
+          <a:off x="2053155" y="2177084"/>
+          <a:ext cx="1610283" cy="101342"/>
         </a:xfrm>
         <a:custGeom>
           <a:avLst/>
@@ -6375,13 +6375,13 @@
                 <a:pt x="0" y="0"/>
               </a:moveTo>
               <a:lnTo>
-                <a:pt x="0" y="63255"/>
+                <a:pt x="0" y="50671"/>
               </a:lnTo>
               <a:lnTo>
-                <a:pt x="1602480" y="63255"/>
+                <a:pt x="1610283" y="50671"/>
               </a:lnTo>
               <a:lnTo>
-                <a:pt x="1602480" y="126510"/>
+                <a:pt x="1610283" y="101342"/>
               </a:lnTo>
             </a:path>
           </a:pathLst>
@@ -6421,8 +6421,8 @@
       </dsp:nvSpPr>
       <dsp:spPr>
         <a:xfrm>
-          <a:off x="3209027" y="2353492"/>
-          <a:ext cx="851484" cy="316276"/>
+          <a:off x="3222288" y="2278427"/>
+          <a:ext cx="882301" cy="466407"/>
         </a:xfrm>
         <a:prstGeom prst="roundRect">
           <a:avLst>
@@ -6537,8 +6537,8 @@
         </a:p>
       </dsp:txBody>
       <dsp:txXfrm>
-        <a:off x="3218290" y="2362755"/>
-        <a:ext cx="832958" cy="297750"/>
+        <a:off x="3235949" y="2292088"/>
+        <a:ext cx="854979" cy="439085"/>
       </dsp:txXfrm>
     </dsp:sp>
     <dsp:sp modelId="{0EC3E6E0-3E27-43F8-891C-43DC1A9F617F}">
@@ -6548,8 +6548,8 @@
       </dsp:nvSpPr>
       <dsp:spPr>
         <a:xfrm>
-          <a:off x="3589049" y="2669769"/>
-          <a:ext cx="91440" cy="126510"/>
+          <a:off x="3617718" y="2744834"/>
+          <a:ext cx="91440" cy="101342"/>
         </a:xfrm>
         <a:custGeom>
           <a:avLst/>
@@ -6563,7 +6563,7 @@
                 <a:pt x="45720" y="0"/>
               </a:moveTo>
               <a:lnTo>
-                <a:pt x="45720" y="126510"/>
+                <a:pt x="45720" y="101342"/>
               </a:lnTo>
             </a:path>
           </a:pathLst>
@@ -6603,8 +6603,8 @@
       </dsp:nvSpPr>
       <dsp:spPr>
         <a:xfrm>
-          <a:off x="3397561" y="2796279"/>
-          <a:ext cx="474414" cy="316276"/>
+          <a:off x="3417647" y="2846177"/>
+          <a:ext cx="491583" cy="466407"/>
         </a:xfrm>
         <a:prstGeom prst="roundRect">
           <a:avLst>
@@ -6676,8 +6676,8 @@
         </a:p>
       </dsp:txBody>
       <dsp:txXfrm>
-        <a:off x="3406824" y="2805542"/>
-        <a:ext cx="455888" cy="297750"/>
+        <a:off x="3431308" y="2859838"/>
+        <a:ext cx="464261" cy="439085"/>
       </dsp:txXfrm>
     </dsp:sp>
     <dsp:sp modelId="{165CC70F-3070-41AC-A9D6-085C78856160}">
@@ -6687,8 +6687,8 @@
       </dsp:nvSpPr>
       <dsp:spPr>
         <a:xfrm>
-          <a:off x="5150426" y="1784194"/>
-          <a:ext cx="235273" cy="126510"/>
+          <a:off x="5192709" y="1609334"/>
+          <a:ext cx="218099" cy="101342"/>
         </a:xfrm>
         <a:custGeom>
           <a:avLst/>
@@ -6702,13 +6702,13 @@
                 <a:pt x="0" y="0"/>
               </a:moveTo>
               <a:lnTo>
-                <a:pt x="0" y="63255"/>
+                <a:pt x="0" y="50671"/>
               </a:lnTo>
               <a:lnTo>
-                <a:pt x="235273" y="63255"/>
+                <a:pt x="218099" y="50671"/>
               </a:lnTo>
               <a:lnTo>
-                <a:pt x="235273" y="126510"/>
+                <a:pt x="218099" y="101342"/>
               </a:lnTo>
             </a:path>
           </a:pathLst>
@@ -6748,8 +6748,8 @@
       </dsp:nvSpPr>
       <dsp:spPr>
         <a:xfrm>
-          <a:off x="4913258" y="1910705"/>
-          <a:ext cx="944882" cy="316276"/>
+          <a:off x="4921268" y="1710677"/>
+          <a:ext cx="979081" cy="466407"/>
         </a:xfrm>
         <a:prstGeom prst="roundRect">
           <a:avLst>
@@ -6821,8 +6821,8 @@
         </a:p>
       </dsp:txBody>
       <dsp:txXfrm>
-        <a:off x="4922521" y="1919968"/>
-        <a:ext cx="926356" cy="297750"/>
+        <a:off x="4934929" y="1724338"/>
+        <a:ext cx="951759" cy="439085"/>
       </dsp:txXfrm>
     </dsp:sp>
     <dsp:sp modelId="{D2CBF229-4CCA-490F-9C4B-3F19E37A3636}">
@@ -6832,8 +6832,8 @@
       </dsp:nvSpPr>
       <dsp:spPr>
         <a:xfrm>
-          <a:off x="4648954" y="2226982"/>
-          <a:ext cx="736744" cy="126510"/>
+          <a:off x="4680865" y="2177084"/>
+          <a:ext cx="729943" cy="101342"/>
         </a:xfrm>
         <a:custGeom>
           <a:avLst/>
@@ -6844,16 +6844,16 @@
           <a:pathLst>
             <a:path>
               <a:moveTo>
-                <a:pt x="736744" y="0"/>
+                <a:pt x="729943" y="0"/>
               </a:moveTo>
               <a:lnTo>
-                <a:pt x="736744" y="63255"/>
+                <a:pt x="729943" y="50671"/>
               </a:lnTo>
               <a:lnTo>
-                <a:pt x="0" y="63255"/>
+                <a:pt x="0" y="50671"/>
               </a:lnTo>
               <a:lnTo>
-                <a:pt x="0" y="126510"/>
+                <a:pt x="0" y="101342"/>
               </a:lnTo>
             </a:path>
           </a:pathLst>
@@ -6893,8 +6893,8 @@
       </dsp:nvSpPr>
       <dsp:spPr>
         <a:xfrm>
-          <a:off x="4202836" y="2353492"/>
-          <a:ext cx="892236" cy="316276"/>
+          <a:off x="4218599" y="2278427"/>
+          <a:ext cx="924530" cy="466407"/>
         </a:xfrm>
         <a:prstGeom prst="roundRect">
           <a:avLst>
@@ -6987,8 +6987,8 @@
         </a:p>
       </dsp:txBody>
       <dsp:txXfrm>
-        <a:off x="4212099" y="2362755"/>
-        <a:ext cx="873710" cy="297750"/>
+        <a:off x="4232260" y="2292088"/>
+        <a:ext cx="897208" cy="439085"/>
       </dsp:txXfrm>
     </dsp:sp>
     <dsp:sp modelId="{3EE2552C-2E93-49F9-ABAC-4A3E3435936F}">
@@ -6998,8 +6998,8 @@
       </dsp:nvSpPr>
       <dsp:spPr>
         <a:xfrm>
-          <a:off x="4603234" y="2669769"/>
-          <a:ext cx="91440" cy="126510"/>
+          <a:off x="4635145" y="2744834"/>
+          <a:ext cx="91440" cy="101342"/>
         </a:xfrm>
         <a:custGeom>
           <a:avLst/>
@@ -7013,7 +7013,7 @@
                 <a:pt x="45720" y="0"/>
               </a:moveTo>
               <a:lnTo>
-                <a:pt x="45720" y="126510"/>
+                <a:pt x="45720" y="101342"/>
               </a:lnTo>
             </a:path>
           </a:pathLst>
@@ -7053,8 +7053,8 @@
       </dsp:nvSpPr>
       <dsp:spPr>
         <a:xfrm>
-          <a:off x="4411747" y="2796279"/>
-          <a:ext cx="474414" cy="316276"/>
+          <a:off x="4328093" y="2846177"/>
+          <a:ext cx="705543" cy="466407"/>
         </a:xfrm>
         <a:prstGeom prst="roundRect">
           <a:avLst>
@@ -7131,8 +7131,8 @@
         </a:p>
       </dsp:txBody>
       <dsp:txXfrm>
-        <a:off x="4421010" y="2805542"/>
-        <a:ext cx="455888" cy="297750"/>
+        <a:off x="4341754" y="2859838"/>
+        <a:ext cx="678221" cy="439085"/>
       </dsp:txXfrm>
     </dsp:sp>
     <dsp:sp modelId="{FE4D33B2-8546-46C9-A049-AC93D5F7114F}">
@@ -7142,8 +7142,8 @@
       </dsp:nvSpPr>
       <dsp:spPr>
         <a:xfrm>
-          <a:off x="5385699" y="2226982"/>
-          <a:ext cx="208910" cy="126510"/>
+          <a:off x="5410808" y="2177084"/>
+          <a:ext cx="216473" cy="101342"/>
         </a:xfrm>
         <a:custGeom>
           <a:avLst/>
@@ -7157,13 +7157,13 @@
                 <a:pt x="0" y="0"/>
               </a:moveTo>
               <a:lnTo>
-                <a:pt x="0" y="63255"/>
+                <a:pt x="0" y="50671"/>
               </a:lnTo>
               <a:lnTo>
-                <a:pt x="208910" y="63255"/>
+                <a:pt x="216473" y="50671"/>
               </a:lnTo>
               <a:lnTo>
-                <a:pt x="208910" y="126510"/>
+                <a:pt x="216473" y="101342"/>
               </a:lnTo>
             </a:path>
           </a:pathLst>
@@ -7203,8 +7203,8 @@
       </dsp:nvSpPr>
       <dsp:spPr>
         <a:xfrm>
-          <a:off x="5237397" y="2353492"/>
-          <a:ext cx="714426" cy="316276"/>
+          <a:off x="5257141" y="2278427"/>
+          <a:ext cx="740282" cy="466407"/>
         </a:xfrm>
         <a:prstGeom prst="roundRect">
           <a:avLst>
@@ -7281,8 +7281,8 @@
         </a:p>
       </dsp:txBody>
       <dsp:txXfrm>
-        <a:off x="5246660" y="2362755"/>
-        <a:ext cx="695900" cy="297750"/>
+        <a:off x="5270802" y="2292088"/>
+        <a:ext cx="712960" cy="439085"/>
       </dsp:txXfrm>
     </dsp:sp>
     <dsp:sp modelId="{85905866-D691-4771-803C-1AF6D95BEC27}">
@@ -7292,8 +7292,8 @@
       </dsp:nvSpPr>
       <dsp:spPr>
         <a:xfrm>
-          <a:off x="5548890" y="2669769"/>
-          <a:ext cx="91440" cy="126510"/>
+          <a:off x="5581562" y="2744834"/>
+          <a:ext cx="91440" cy="101342"/>
         </a:xfrm>
         <a:custGeom>
           <a:avLst/>
@@ -7307,7 +7307,7 @@
                 <a:pt x="45720" y="0"/>
               </a:moveTo>
               <a:lnTo>
-                <a:pt x="45720" y="126510"/>
+                <a:pt x="45720" y="101342"/>
               </a:lnTo>
             </a:path>
           </a:pathLst>
@@ -7347,8 +7347,8 @@
       </dsp:nvSpPr>
       <dsp:spPr>
         <a:xfrm>
-          <a:off x="5286810" y="2796279"/>
-          <a:ext cx="615600" cy="316276"/>
+          <a:off x="5308341" y="2846177"/>
+          <a:ext cx="637881" cy="466407"/>
         </a:xfrm>
         <a:prstGeom prst="roundRect">
           <a:avLst>
@@ -7425,8 +7425,8 @@
         </a:p>
       </dsp:txBody>
       <dsp:txXfrm>
-        <a:off x="5296073" y="2805542"/>
-        <a:ext cx="597074" cy="297750"/>
+        <a:off x="5322002" y="2859838"/>
+        <a:ext cx="610559" cy="439085"/>
       </dsp:txXfrm>
     </dsp:sp>
     <dsp:sp modelId="{1EEBB945-63FD-4B24-B63C-597318D74212}">
@@ -7436,8 +7436,8 @@
       </dsp:nvSpPr>
       <dsp:spPr>
         <a:xfrm>
-          <a:off x="5385699" y="2226982"/>
-          <a:ext cx="945655" cy="126510"/>
+          <a:off x="5410808" y="2177084"/>
+          <a:ext cx="946417" cy="101342"/>
         </a:xfrm>
         <a:custGeom>
           <a:avLst/>
@@ -7451,13 +7451,13 @@
                 <a:pt x="0" y="0"/>
               </a:moveTo>
               <a:lnTo>
-                <a:pt x="0" y="63255"/>
+                <a:pt x="0" y="50671"/>
               </a:lnTo>
               <a:lnTo>
-                <a:pt x="945655" y="63255"/>
+                <a:pt x="946417" y="50671"/>
               </a:lnTo>
               <a:lnTo>
-                <a:pt x="945655" y="126510"/>
+                <a:pt x="946417" y="101342"/>
               </a:lnTo>
             </a:path>
           </a:pathLst>
@@ -7497,8 +7497,8 @@
       </dsp:nvSpPr>
       <dsp:spPr>
         <a:xfrm>
-          <a:off x="6094147" y="2353492"/>
-          <a:ext cx="474414" cy="316276"/>
+          <a:off x="6111433" y="2278427"/>
+          <a:ext cx="491583" cy="466407"/>
         </a:xfrm>
         <a:prstGeom prst="roundRect">
           <a:avLst>
@@ -7575,8 +7575,8 @@
         </a:p>
       </dsp:txBody>
       <dsp:txXfrm>
-        <a:off x="6103410" y="2362755"/>
-        <a:ext cx="455888" cy="297750"/>
+        <a:off x="6125094" y="2292088"/>
+        <a:ext cx="464261" cy="439085"/>
       </dsp:txXfrm>
     </dsp:sp>
     <dsp:sp modelId="{04088FE9-F1BD-4A14-B048-5F6B403C8434}">
@@ -7586,8 +7586,8 @@
       </dsp:nvSpPr>
       <dsp:spPr>
         <a:xfrm>
-          <a:off x="6285635" y="2669769"/>
-          <a:ext cx="91440" cy="126510"/>
+          <a:off x="6311505" y="2744834"/>
+          <a:ext cx="91440" cy="101342"/>
         </a:xfrm>
         <a:custGeom>
           <a:avLst/>
@@ -7601,7 +7601,7 @@
                 <a:pt x="45720" y="0"/>
               </a:moveTo>
               <a:lnTo>
-                <a:pt x="45720" y="126510"/>
+                <a:pt x="45720" y="101342"/>
               </a:lnTo>
             </a:path>
           </a:pathLst>
@@ -7641,8 +7641,8 @@
       </dsp:nvSpPr>
       <dsp:spPr>
         <a:xfrm>
-          <a:off x="6094147" y="2796279"/>
-          <a:ext cx="474414" cy="316276"/>
+          <a:off x="6111433" y="2846177"/>
+          <a:ext cx="491583" cy="466407"/>
         </a:xfrm>
         <a:prstGeom prst="roundRect">
           <a:avLst>
@@ -7735,8 +7735,8 @@
         </a:p>
       </dsp:txBody>
       <dsp:txXfrm>
-        <a:off x="6103410" y="2805542"/>
-        <a:ext cx="455888" cy="297750"/>
+        <a:off x="6125094" y="2859838"/>
+        <a:ext cx="464261" cy="439085"/>
       </dsp:txXfrm>
     </dsp:sp>
     <dsp:sp modelId="{CDF6BB19-8B28-4C1C-BD9F-01E9F9EFECB8}">
@@ -7746,8 +7746,8 @@
       </dsp:nvSpPr>
       <dsp:spPr>
         <a:xfrm>
-          <a:off x="5150426" y="1784194"/>
-          <a:ext cx="3411364" cy="126510"/>
+          <a:off x="5192709" y="1609334"/>
+          <a:ext cx="3375278" cy="101342"/>
         </a:xfrm>
         <a:custGeom>
           <a:avLst/>
@@ -7761,13 +7761,13 @@
                 <a:pt x="0" y="0"/>
               </a:moveTo>
               <a:lnTo>
-                <a:pt x="0" y="63255"/>
+                <a:pt x="0" y="50671"/>
               </a:lnTo>
               <a:lnTo>
-                <a:pt x="3411364" y="63255"/>
+                <a:pt x="3375278" y="50671"/>
               </a:lnTo>
               <a:lnTo>
-                <a:pt x="3411364" y="126510"/>
+                <a:pt x="3375278" y="101342"/>
               </a:lnTo>
             </a:path>
           </a:pathLst>
@@ -7807,8 +7807,8 @@
       </dsp:nvSpPr>
       <dsp:spPr>
         <a:xfrm>
-          <a:off x="8324583" y="1910705"/>
-          <a:ext cx="474414" cy="316276"/>
+          <a:off x="8254080" y="1710677"/>
+          <a:ext cx="627814" cy="466407"/>
         </a:xfrm>
         <a:prstGeom prst="roundRect">
           <a:avLst>
@@ -7885,8 +7885,8 @@
         </a:p>
       </dsp:txBody>
       <dsp:txXfrm>
-        <a:off x="8333846" y="1919968"/>
-        <a:ext cx="455888" cy="297750"/>
+        <a:off x="8267741" y="1724338"/>
+        <a:ext cx="600492" cy="439085"/>
       </dsp:txXfrm>
     </dsp:sp>
     <dsp:sp modelId="{C4EB4996-2AA4-435D-AD34-E55D70EB8238}">
@@ -7896,8 +7896,8 @@
       </dsp:nvSpPr>
       <dsp:spPr>
         <a:xfrm>
-          <a:off x="7210733" y="2226982"/>
-          <a:ext cx="1351057" cy="126510"/>
+          <a:off x="7234964" y="2177084"/>
+          <a:ext cx="1333023" cy="101342"/>
         </a:xfrm>
         <a:custGeom>
           <a:avLst/>
@@ -7908,16 +7908,16 @@
           <a:pathLst>
             <a:path>
               <a:moveTo>
-                <a:pt x="1351057" y="0"/>
+                <a:pt x="1333023" y="0"/>
               </a:moveTo>
               <a:lnTo>
-                <a:pt x="1351057" y="63255"/>
+                <a:pt x="1333023" y="50671"/>
               </a:lnTo>
               <a:lnTo>
-                <a:pt x="0" y="63255"/>
+                <a:pt x="0" y="50671"/>
               </a:lnTo>
               <a:lnTo>
-                <a:pt x="0" y="126510"/>
+                <a:pt x="0" y="101342"/>
               </a:lnTo>
             </a:path>
           </a:pathLst>
@@ -7957,8 +7957,8 @@
       </dsp:nvSpPr>
       <dsp:spPr>
         <a:xfrm>
-          <a:off x="6818876" y="2353492"/>
-          <a:ext cx="783714" cy="316276"/>
+          <a:off x="6828925" y="2278427"/>
+          <a:ext cx="812078" cy="466407"/>
         </a:xfrm>
         <a:prstGeom prst="roundRect">
           <a:avLst>
@@ -8030,8 +8030,8 @@
         </a:p>
       </dsp:txBody>
       <dsp:txXfrm>
-        <a:off x="6828139" y="2362755"/>
-        <a:ext cx="765188" cy="297750"/>
+        <a:off x="6842586" y="2292088"/>
+        <a:ext cx="784756" cy="439085"/>
       </dsp:txXfrm>
     </dsp:sp>
     <dsp:sp modelId="{5DDA2121-42E6-48DA-A6CE-578C02420C5A}">
@@ -8041,8 +8041,8 @@
       </dsp:nvSpPr>
       <dsp:spPr>
         <a:xfrm>
-          <a:off x="7165013" y="2669769"/>
-          <a:ext cx="91440" cy="126510"/>
+          <a:off x="7189244" y="2744834"/>
+          <a:ext cx="91440" cy="101342"/>
         </a:xfrm>
         <a:custGeom>
           <a:avLst/>
@@ -8056,7 +8056,7 @@
                 <a:pt x="45720" y="0"/>
               </a:moveTo>
               <a:lnTo>
-                <a:pt x="45720" y="126510"/>
+                <a:pt x="45720" y="101342"/>
               </a:lnTo>
             </a:path>
           </a:pathLst>
@@ -8096,8 +8096,8 @@
       </dsp:nvSpPr>
       <dsp:spPr>
         <a:xfrm>
-          <a:off x="6878773" y="2796279"/>
-          <a:ext cx="663919" cy="316276"/>
+          <a:off x="6890988" y="2846177"/>
+          <a:ext cx="687951" cy="466407"/>
         </a:xfrm>
         <a:prstGeom prst="roundRect">
           <a:avLst>
@@ -8169,8 +8169,8 @@
         </a:p>
       </dsp:txBody>
       <dsp:txXfrm>
-        <a:off x="6888036" y="2805542"/>
-        <a:ext cx="645393" cy="297750"/>
+        <a:off x="6904649" y="2859838"/>
+        <a:ext cx="660629" cy="439085"/>
       </dsp:txXfrm>
     </dsp:sp>
     <dsp:sp modelId="{A50ACD74-835C-4190-982B-765670D097E3}">
@@ -8180,8 +8180,8 @@
       </dsp:nvSpPr>
       <dsp:spPr>
         <a:xfrm>
-          <a:off x="7165013" y="3112556"/>
-          <a:ext cx="91440" cy="126510"/>
+          <a:off x="7189244" y="3312584"/>
+          <a:ext cx="91440" cy="101342"/>
         </a:xfrm>
         <a:custGeom>
           <a:avLst/>
@@ -8195,7 +8195,7 @@
                 <a:pt x="45720" y="0"/>
               </a:moveTo>
               <a:lnTo>
-                <a:pt x="45720" y="126510"/>
+                <a:pt x="45720" y="101342"/>
               </a:lnTo>
             </a:path>
           </a:pathLst>
@@ -8235,8 +8235,8 @@
       </dsp:nvSpPr>
       <dsp:spPr>
         <a:xfrm>
-          <a:off x="6710887" y="3239067"/>
-          <a:ext cx="999691" cy="316276"/>
+          <a:off x="6717027" y="3413927"/>
+          <a:ext cx="1035873" cy="466407"/>
         </a:xfrm>
         <a:prstGeom prst="roundRect">
           <a:avLst>
@@ -8308,8 +8308,8 @@
         </a:p>
       </dsp:txBody>
       <dsp:txXfrm>
-        <a:off x="6720150" y="3248330"/>
-        <a:ext cx="981165" cy="297750"/>
+        <a:off x="6730688" y="3427588"/>
+        <a:ext cx="1008551" cy="439085"/>
       </dsp:txXfrm>
     </dsp:sp>
     <dsp:sp modelId="{64C5707C-3740-439D-9B9E-5F859BBA2E6E}">
@@ -8319,8 +8319,8 @@
       </dsp:nvSpPr>
       <dsp:spPr>
         <a:xfrm>
-          <a:off x="7982122" y="2226982"/>
-          <a:ext cx="579668" cy="126510"/>
+          <a:off x="8000805" y="2177084"/>
+          <a:ext cx="567181" cy="101342"/>
         </a:xfrm>
         <a:custGeom>
           <a:avLst/>
@@ -8331,16 +8331,16 @@
           <a:pathLst>
             <a:path>
               <a:moveTo>
-                <a:pt x="579668" y="0"/>
+                <a:pt x="567181" y="0"/>
               </a:moveTo>
               <a:lnTo>
-                <a:pt x="579668" y="63255"/>
+                <a:pt x="567181" y="50671"/>
               </a:lnTo>
               <a:lnTo>
-                <a:pt x="0" y="63255"/>
+                <a:pt x="0" y="50671"/>
               </a:lnTo>
               <a:lnTo>
-                <a:pt x="0" y="126510"/>
+                <a:pt x="0" y="101342"/>
               </a:lnTo>
             </a:path>
           </a:pathLst>
@@ -8380,8 +8380,8 @@
       </dsp:nvSpPr>
       <dsp:spPr>
         <a:xfrm>
-          <a:off x="7744914" y="2353492"/>
-          <a:ext cx="474414" cy="316276"/>
+          <a:off x="7755014" y="2278427"/>
+          <a:ext cx="491583" cy="466407"/>
         </a:xfrm>
         <a:prstGeom prst="roundRect">
           <a:avLst>
@@ -8453,8 +8453,8 @@
         </a:p>
       </dsp:txBody>
       <dsp:txXfrm>
-        <a:off x="7754177" y="2362755"/>
-        <a:ext cx="455888" cy="297750"/>
+        <a:off x="7768675" y="2292088"/>
+        <a:ext cx="464261" cy="439085"/>
       </dsp:txXfrm>
     </dsp:sp>
     <dsp:sp modelId="{D41C5868-FB53-4818-BFD5-A0F87247D228}">
@@ -8464,8 +8464,8 @@
       </dsp:nvSpPr>
       <dsp:spPr>
         <a:xfrm>
-          <a:off x="7936402" y="2669769"/>
-          <a:ext cx="91440" cy="126510"/>
+          <a:off x="7955085" y="2744834"/>
+          <a:ext cx="91440" cy="101342"/>
         </a:xfrm>
         <a:custGeom>
           <a:avLst/>
@@ -8479,7 +8479,7 @@
                 <a:pt x="45720" y="0"/>
               </a:moveTo>
               <a:lnTo>
-                <a:pt x="45720" y="126510"/>
+                <a:pt x="45720" y="101342"/>
               </a:lnTo>
             </a:path>
           </a:pathLst>
@@ -8519,8 +8519,8 @@
       </dsp:nvSpPr>
       <dsp:spPr>
         <a:xfrm>
-          <a:off x="7744914" y="2796279"/>
-          <a:ext cx="474414" cy="316276"/>
+          <a:off x="7755014" y="2846177"/>
+          <a:ext cx="491583" cy="466407"/>
         </a:xfrm>
         <a:prstGeom prst="roundRect">
           <a:avLst>
@@ -8597,8 +8597,8 @@
         </a:p>
       </dsp:txBody>
       <dsp:txXfrm>
-        <a:off x="7754177" y="2805542"/>
-        <a:ext cx="455888" cy="297750"/>
+        <a:off x="7768675" y="2859838"/>
+        <a:ext cx="464261" cy="439085"/>
       </dsp:txXfrm>
     </dsp:sp>
     <dsp:sp modelId="{020F8FAA-BDC5-4DDF-9CEF-504B75F1394A}">
@@ -8608,8 +8608,8 @@
       </dsp:nvSpPr>
       <dsp:spPr>
         <a:xfrm>
-          <a:off x="8561790" y="2226982"/>
-          <a:ext cx="154649" cy="126510"/>
+          <a:off x="8567987" y="2177084"/>
+          <a:ext cx="160247" cy="101342"/>
         </a:xfrm>
         <a:custGeom>
           <a:avLst/>
@@ -8623,13 +8623,13 @@
                 <a:pt x="0" y="0"/>
               </a:moveTo>
               <a:lnTo>
-                <a:pt x="0" y="63255"/>
+                <a:pt x="0" y="50671"/>
               </a:lnTo>
               <a:lnTo>
-                <a:pt x="154649" y="63255"/>
+                <a:pt x="160247" y="50671"/>
               </a:lnTo>
               <a:lnTo>
-                <a:pt x="154649" y="126510"/>
+                <a:pt x="160247" y="101342"/>
               </a:lnTo>
             </a:path>
           </a:pathLst>
@@ -8669,8 +8669,8 @@
       </dsp:nvSpPr>
       <dsp:spPr>
         <a:xfrm>
-          <a:off x="8361654" y="2353492"/>
-          <a:ext cx="709572" cy="316276"/>
+          <a:off x="8360608" y="2278427"/>
+          <a:ext cx="735254" cy="466407"/>
         </a:xfrm>
         <a:prstGeom prst="roundRect">
           <a:avLst>
@@ -8742,8 +8742,8 @@
         </a:p>
       </dsp:txBody>
       <dsp:txXfrm>
-        <a:off x="8370917" y="2362755"/>
-        <a:ext cx="691046" cy="297750"/>
+        <a:off x="8374269" y="2292088"/>
+        <a:ext cx="707932" cy="439085"/>
       </dsp:txXfrm>
     </dsp:sp>
     <dsp:sp modelId="{01EB7F82-3EB0-4CBF-92B8-596A36AE562B}">
@@ -8753,8 +8753,8 @@
       </dsp:nvSpPr>
       <dsp:spPr>
         <a:xfrm>
-          <a:off x="8670720" y="2669769"/>
-          <a:ext cx="91440" cy="126510"/>
+          <a:off x="8682515" y="2744834"/>
+          <a:ext cx="91440" cy="101342"/>
         </a:xfrm>
         <a:custGeom>
           <a:avLst/>
@@ -8768,7 +8768,7 @@
                 <a:pt x="45720" y="0"/>
               </a:moveTo>
               <a:lnTo>
-                <a:pt x="45720" y="126510"/>
+                <a:pt x="45720" y="101342"/>
               </a:lnTo>
             </a:path>
           </a:pathLst>
@@ -8808,8 +8808,8 @@
       </dsp:nvSpPr>
       <dsp:spPr>
         <a:xfrm>
-          <a:off x="8479233" y="2796279"/>
-          <a:ext cx="474414" cy="316276"/>
+          <a:off x="8482443" y="2846177"/>
+          <a:ext cx="491583" cy="466407"/>
         </a:xfrm>
         <a:prstGeom prst="roundRect">
           <a:avLst>
@@ -8886,8 +8886,8 @@
         </a:p>
       </dsp:txBody>
       <dsp:txXfrm>
-        <a:off x="8488496" y="2805542"/>
-        <a:ext cx="455888" cy="297750"/>
+        <a:off x="8496104" y="2859838"/>
+        <a:ext cx="464261" cy="439085"/>
       </dsp:txXfrm>
     </dsp:sp>
     <dsp:sp modelId="{439B323C-2D6A-4620-A452-C4B3AB935BF9}">
@@ -8897,8 +8897,8 @@
       </dsp:nvSpPr>
       <dsp:spPr>
         <a:xfrm>
-          <a:off x="8561790" y="2226982"/>
-          <a:ext cx="888968" cy="126510"/>
+          <a:off x="8567987" y="2177084"/>
+          <a:ext cx="887676" cy="101342"/>
         </a:xfrm>
         <a:custGeom>
           <a:avLst/>
@@ -8912,13 +8912,13 @@
                 <a:pt x="0" y="0"/>
               </a:moveTo>
               <a:lnTo>
-                <a:pt x="0" y="63255"/>
+                <a:pt x="0" y="50671"/>
               </a:lnTo>
               <a:lnTo>
-                <a:pt x="888968" y="63255"/>
+                <a:pt x="887676" y="50671"/>
               </a:lnTo>
               <a:lnTo>
-                <a:pt x="888968" y="126510"/>
+                <a:pt x="887676" y="101342"/>
               </a:lnTo>
             </a:path>
           </a:pathLst>
@@ -8958,8 +8958,8 @@
       </dsp:nvSpPr>
       <dsp:spPr>
         <a:xfrm>
-          <a:off x="9213551" y="2353492"/>
-          <a:ext cx="474414" cy="316276"/>
+          <a:off x="9209872" y="2278427"/>
+          <a:ext cx="491583" cy="466407"/>
         </a:xfrm>
         <a:prstGeom prst="roundRect">
           <a:avLst>
@@ -9031,8 +9031,8 @@
         </a:p>
       </dsp:txBody>
       <dsp:txXfrm>
-        <a:off x="9222814" y="2362755"/>
-        <a:ext cx="455888" cy="297750"/>
+        <a:off x="9223533" y="2292088"/>
+        <a:ext cx="464261" cy="439085"/>
       </dsp:txXfrm>
     </dsp:sp>
     <dsp:sp modelId="{29609F51-31F6-4ADE-964B-F9D1524B410D}">
@@ -9042,8 +9042,8 @@
       </dsp:nvSpPr>
       <dsp:spPr>
         <a:xfrm>
-          <a:off x="9405038" y="2669769"/>
-          <a:ext cx="91440" cy="126510"/>
+          <a:off x="9409944" y="2744834"/>
+          <a:ext cx="91440" cy="101342"/>
         </a:xfrm>
         <a:custGeom>
           <a:avLst/>
@@ -9057,7 +9057,7 @@
                 <a:pt x="45720" y="0"/>
               </a:moveTo>
               <a:lnTo>
-                <a:pt x="45720" y="126510"/>
+                <a:pt x="45720" y="101342"/>
               </a:lnTo>
             </a:path>
           </a:pathLst>
@@ -9097,8 +9097,8 @@
       </dsp:nvSpPr>
       <dsp:spPr>
         <a:xfrm>
-          <a:off x="9213551" y="2796279"/>
-          <a:ext cx="474414" cy="316276"/>
+          <a:off x="9209872" y="2846177"/>
+          <a:ext cx="491583" cy="466407"/>
         </a:xfrm>
         <a:prstGeom prst="roundRect">
           <a:avLst>
@@ -9175,8 +9175,8 @@
         </a:p>
       </dsp:txBody>
       <dsp:txXfrm>
-        <a:off x="9222814" y="2805542"/>
-        <a:ext cx="455888" cy="297750"/>
+        <a:off x="9223533" y="2859838"/>
+        <a:ext cx="464261" cy="439085"/>
       </dsp:txXfrm>
     </dsp:sp>
     <dsp:sp modelId="{C2705960-6B5A-4F87-9557-FD073F6C5372}">
@@ -9186,8 +9186,8 @@
       </dsp:nvSpPr>
       <dsp:spPr>
         <a:xfrm>
-          <a:off x="8561790" y="2226982"/>
-          <a:ext cx="1505707" cy="126510"/>
+          <a:off x="8567987" y="2177084"/>
+          <a:ext cx="1493270" cy="101342"/>
         </a:xfrm>
         <a:custGeom>
           <a:avLst/>
@@ -9201,13 +9201,13 @@
                 <a:pt x="0" y="0"/>
               </a:moveTo>
               <a:lnTo>
-                <a:pt x="0" y="63255"/>
+                <a:pt x="0" y="50671"/>
               </a:lnTo>
               <a:lnTo>
-                <a:pt x="1505707" y="63255"/>
+                <a:pt x="1493270" y="50671"/>
               </a:lnTo>
               <a:lnTo>
-                <a:pt x="1505707" y="126510"/>
+                <a:pt x="1493270" y="101342"/>
               </a:lnTo>
             </a:path>
           </a:pathLst>
@@ -9247,8 +9247,8 @@
       </dsp:nvSpPr>
       <dsp:spPr>
         <a:xfrm>
-          <a:off x="9830290" y="2353492"/>
-          <a:ext cx="474414" cy="316276"/>
+          <a:off x="9815466" y="2278427"/>
+          <a:ext cx="491583" cy="466407"/>
         </a:xfrm>
         <a:prstGeom prst="roundRect">
           <a:avLst>
@@ -9341,8 +9341,8 @@
         </a:p>
       </dsp:txBody>
       <dsp:txXfrm>
-        <a:off x="9839553" y="2362755"/>
-        <a:ext cx="455888" cy="297750"/>
+        <a:off x="9829127" y="2292088"/>
+        <a:ext cx="464261" cy="439085"/>
       </dsp:txXfrm>
     </dsp:sp>
   </dsp:spTree>
@@ -9364,8 +9364,8 @@
       </dsp:nvSpPr>
       <dsp:spPr>
         <a:xfrm>
-          <a:off x="4070057" y="1274125"/>
-          <a:ext cx="1355878" cy="375001"/>
+          <a:off x="4034759" y="1146126"/>
+          <a:ext cx="1440854" cy="465127"/>
         </a:xfrm>
         <a:prstGeom prst="roundRect">
           <a:avLst>
@@ -9437,8 +9437,8 @@
         </a:p>
       </dsp:txBody>
       <dsp:txXfrm>
-        <a:off x="4081040" y="1285108"/>
-        <a:ext cx="1333912" cy="353035"/>
+        <a:off x="4048382" y="1159749"/>
+        <a:ext cx="1413608" cy="437881"/>
       </dsp:txXfrm>
     </dsp:sp>
     <dsp:sp modelId="{CF43DD4A-05E7-43F5-B96B-B66C6C37830F}">
@@ -9448,8 +9448,8 @@
       </dsp:nvSpPr>
       <dsp:spPr>
         <a:xfrm>
-          <a:off x="1527826" y="1649127"/>
-          <a:ext cx="3220170" cy="150000"/>
+          <a:off x="1561809" y="1611253"/>
+          <a:ext cx="3193377" cy="101342"/>
         </a:xfrm>
         <a:custGeom>
           <a:avLst/>
@@ -9460,16 +9460,16 @@
           <a:pathLst>
             <a:path>
               <a:moveTo>
-                <a:pt x="3220170" y="0"/>
+                <a:pt x="3193377" y="0"/>
               </a:moveTo>
               <a:lnTo>
-                <a:pt x="3220170" y="75000"/>
+                <a:pt x="3193377" y="50671"/>
               </a:lnTo>
               <a:lnTo>
-                <a:pt x="0" y="75000"/>
+                <a:pt x="0" y="50671"/>
               </a:lnTo>
               <a:lnTo>
-                <a:pt x="0" y="150000"/>
+                <a:pt x="0" y="101342"/>
               </a:lnTo>
             </a:path>
           </a:pathLst>
@@ -9509,8 +9509,8 @@
       </dsp:nvSpPr>
       <dsp:spPr>
         <a:xfrm>
-          <a:off x="898903" y="1799127"/>
-          <a:ext cx="1257845" cy="375001"/>
+          <a:off x="893471" y="1712596"/>
+          <a:ext cx="1336675" cy="465127"/>
         </a:xfrm>
         <a:prstGeom prst="roundRect">
           <a:avLst>
@@ -9582,8 +9582,8 @@
         </a:p>
       </dsp:txBody>
       <dsp:txXfrm>
-        <a:off x="909886" y="1810110"/>
-        <a:ext cx="1235879" cy="353035"/>
+        <a:off x="907094" y="1726219"/>
+        <a:ext cx="1309429" cy="437881"/>
       </dsp:txXfrm>
     </dsp:sp>
     <dsp:sp modelId="{717119B4-C882-4A47-B70F-FE796E243F9D}">
@@ -9593,8 +9593,8 @@
       </dsp:nvSpPr>
       <dsp:spPr>
         <a:xfrm>
-          <a:off x="508658" y="2174129"/>
-          <a:ext cx="1019167" cy="150000"/>
+          <a:off x="544084" y="2177724"/>
+          <a:ext cx="1017724" cy="101342"/>
         </a:xfrm>
         <a:custGeom>
           <a:avLst/>
@@ -9605,16 +9605,16 @@
           <a:pathLst>
             <a:path>
               <a:moveTo>
-                <a:pt x="1019167" y="0"/>
+                <a:pt x="1017724" y="0"/>
               </a:moveTo>
               <a:lnTo>
-                <a:pt x="1019167" y="75000"/>
+                <a:pt x="1017724" y="50671"/>
               </a:lnTo>
               <a:lnTo>
-                <a:pt x="0" y="75000"/>
+                <a:pt x="0" y="50671"/>
               </a:lnTo>
               <a:lnTo>
-                <a:pt x="0" y="150000"/>
+                <a:pt x="0" y="101342"/>
               </a:lnTo>
             </a:path>
           </a:pathLst>
@@ -9654,8 +9654,8 @@
       </dsp:nvSpPr>
       <dsp:spPr>
         <a:xfrm>
-          <a:off x="882" y="2324130"/>
-          <a:ext cx="1015553" cy="375001"/>
+          <a:off x="4485" y="2279067"/>
+          <a:ext cx="1079197" cy="465127"/>
         </a:xfrm>
         <a:prstGeom prst="roundRect">
           <a:avLst>
@@ -9732,8 +9732,8 @@
         </a:p>
       </dsp:txBody>
       <dsp:txXfrm>
-        <a:off x="11865" y="2335113"/>
-        <a:ext cx="993587" cy="353035"/>
+        <a:off x="18108" y="2292690"/>
+        <a:ext cx="1051951" cy="437881"/>
       </dsp:txXfrm>
     </dsp:sp>
     <dsp:sp modelId="{F808E1C0-13F3-4424-B32E-8873AF31C138}">
@@ -9743,8 +9743,8 @@
       </dsp:nvSpPr>
       <dsp:spPr>
         <a:xfrm>
-          <a:off x="1482106" y="2174129"/>
-          <a:ext cx="91440" cy="150000"/>
+          <a:off x="1516089" y="2177724"/>
+          <a:ext cx="91440" cy="101342"/>
         </a:xfrm>
         <a:custGeom>
           <a:avLst/>
@@ -9758,13 +9758,13 @@
                 <a:pt x="45720" y="0"/>
               </a:moveTo>
               <a:lnTo>
-                <a:pt x="45720" y="75000"/>
+                <a:pt x="45720" y="50671"/>
               </a:lnTo>
               <a:lnTo>
-                <a:pt x="124813" y="75000"/>
+                <a:pt x="129768" y="50671"/>
               </a:lnTo>
               <a:lnTo>
-                <a:pt x="124813" y="150000"/>
+                <a:pt x="129768" y="101342"/>
               </a:lnTo>
             </a:path>
           </a:pathLst>
@@ -9804,8 +9804,8 @@
       </dsp:nvSpPr>
       <dsp:spPr>
         <a:xfrm>
-          <a:off x="1185186" y="2324130"/>
-          <a:ext cx="843466" cy="375001"/>
+          <a:off x="1197694" y="2279067"/>
+          <a:ext cx="896328" cy="465127"/>
         </a:xfrm>
         <a:prstGeom prst="roundRect">
           <a:avLst>
@@ -9904,8 +9904,8 @@
         </a:p>
       </dsp:txBody>
       <dsp:txXfrm>
-        <a:off x="1196169" y="2335113"/>
-        <a:ext cx="821500" cy="353035"/>
+        <a:off x="1211317" y="2292690"/>
+        <a:ext cx="869082" cy="437881"/>
       </dsp:txXfrm>
     </dsp:sp>
     <dsp:sp modelId="{5C41A42A-C667-4104-B8AA-54CBDF33E7E6}">
@@ -9915,8 +9915,8 @@
       </dsp:nvSpPr>
       <dsp:spPr>
         <a:xfrm>
-          <a:off x="1527826" y="2174129"/>
-          <a:ext cx="1098260" cy="150000"/>
+          <a:off x="1561809" y="2177724"/>
+          <a:ext cx="1101773" cy="101342"/>
         </a:xfrm>
         <a:custGeom>
           <a:avLst/>
@@ -9930,13 +9930,13 @@
                 <a:pt x="0" y="0"/>
               </a:moveTo>
               <a:lnTo>
-                <a:pt x="0" y="75000"/>
+                <a:pt x="0" y="50671"/>
               </a:lnTo>
               <a:lnTo>
-                <a:pt x="1098260" y="75000"/>
+                <a:pt x="1101773" y="50671"/>
               </a:lnTo>
               <a:lnTo>
-                <a:pt x="1098260" y="150000"/>
+                <a:pt x="1101773" y="101342"/>
               </a:lnTo>
             </a:path>
           </a:pathLst>
@@ -9976,8 +9976,8 @@
       </dsp:nvSpPr>
       <dsp:spPr>
         <a:xfrm>
-          <a:off x="2197403" y="2324130"/>
-          <a:ext cx="857366" cy="375001"/>
+          <a:off x="2208032" y="2279067"/>
+          <a:ext cx="911100" cy="465127"/>
         </a:xfrm>
         <a:prstGeom prst="roundRect">
           <a:avLst>
@@ -10076,8 +10076,8 @@
         </a:p>
       </dsp:txBody>
       <dsp:txXfrm>
-        <a:off x="2208386" y="2335113"/>
-        <a:ext cx="835400" cy="353035"/>
+        <a:off x="2221655" y="2292690"/>
+        <a:ext cx="883854" cy="437881"/>
       </dsp:txXfrm>
     </dsp:sp>
     <dsp:sp modelId="{165CC70F-3070-41AC-A9D6-085C78856160}">
@@ -10087,8 +10087,8 @@
       </dsp:nvSpPr>
       <dsp:spPr>
         <a:xfrm>
-          <a:off x="4632983" y="1649127"/>
-          <a:ext cx="115013" cy="150000"/>
+          <a:off x="4619904" y="1611253"/>
+          <a:ext cx="91440" cy="101342"/>
         </a:xfrm>
         <a:custGeom>
           <a:avLst/>
@@ -10099,16 +10099,16 @@
           <a:pathLst>
             <a:path>
               <a:moveTo>
-                <a:pt x="115013" y="0"/>
+                <a:pt x="135282" y="0"/>
               </a:moveTo>
               <a:lnTo>
-                <a:pt x="115013" y="75000"/>
+                <a:pt x="135282" y="50671"/>
               </a:lnTo>
               <a:lnTo>
-                <a:pt x="0" y="75000"/>
+                <a:pt x="45720" y="50671"/>
               </a:lnTo>
               <a:lnTo>
-                <a:pt x="0" y="150000"/>
+                <a:pt x="45720" y="101342"/>
               </a:lnTo>
             </a:path>
           </a:pathLst>
@@ -10148,8 +10148,8 @@
       </dsp:nvSpPr>
       <dsp:spPr>
         <a:xfrm>
-          <a:off x="4072821" y="1799127"/>
-          <a:ext cx="1120325" cy="375001"/>
+          <a:off x="4070355" y="1712596"/>
+          <a:ext cx="1190536" cy="465127"/>
         </a:xfrm>
         <a:prstGeom prst="roundRect">
           <a:avLst>
@@ -10221,8 +10221,8 @@
         </a:p>
       </dsp:txBody>
       <dsp:txXfrm>
-        <a:off x="4083804" y="1810110"/>
-        <a:ext cx="1098359" cy="353035"/>
+        <a:off x="4083978" y="1726219"/>
+        <a:ext cx="1163290" cy="437881"/>
       </dsp:txXfrm>
     </dsp:sp>
     <dsp:sp modelId="{D2CBF229-4CCA-490F-9C4B-3F19E37A3636}">
@@ -10232,8 +10232,8 @@
       </dsp:nvSpPr>
       <dsp:spPr>
         <a:xfrm>
-          <a:off x="3759442" y="2174129"/>
-          <a:ext cx="873541" cy="150000"/>
+          <a:off x="3802653" y="2177724"/>
+          <a:ext cx="862970" cy="101342"/>
         </a:xfrm>
         <a:custGeom>
           <a:avLst/>
@@ -10244,16 +10244,16 @@
           <a:pathLst>
             <a:path>
               <a:moveTo>
-                <a:pt x="873541" y="0"/>
+                <a:pt x="862970" y="0"/>
               </a:moveTo>
               <a:lnTo>
-                <a:pt x="873541" y="75000"/>
+                <a:pt x="862970" y="50671"/>
               </a:lnTo>
               <a:lnTo>
-                <a:pt x="0" y="75000"/>
+                <a:pt x="0" y="50671"/>
               </a:lnTo>
               <a:lnTo>
-                <a:pt x="0" y="150000"/>
+                <a:pt x="0" y="101342"/>
               </a:lnTo>
             </a:path>
           </a:pathLst>
@@ -10293,8 +10293,8 @@
       </dsp:nvSpPr>
       <dsp:spPr>
         <a:xfrm>
-          <a:off x="3223521" y="2324130"/>
-          <a:ext cx="1071842" cy="375001"/>
+          <a:off x="3233143" y="2279067"/>
+          <a:ext cx="1139018" cy="465127"/>
         </a:xfrm>
         <a:prstGeom prst="roundRect">
           <a:avLst>
@@ -10387,8 +10387,8 @@
         </a:p>
       </dsp:txBody>
       <dsp:txXfrm>
-        <a:off x="3234504" y="2335113"/>
-        <a:ext cx="1049876" cy="353035"/>
+        <a:off x="3246766" y="2292690"/>
+        <a:ext cx="1111772" cy="437881"/>
       </dsp:txXfrm>
     </dsp:sp>
     <dsp:sp modelId="{3EE2552C-2E93-49F9-ABAC-4A3E3435936F}">
@@ -10398,8 +10398,8 @@
       </dsp:nvSpPr>
       <dsp:spPr>
         <a:xfrm>
-          <a:off x="3713722" y="2699131"/>
-          <a:ext cx="91440" cy="150000"/>
+          <a:off x="3756933" y="2744194"/>
+          <a:ext cx="91440" cy="101342"/>
         </a:xfrm>
         <a:custGeom>
           <a:avLst/>
@@ -10413,7 +10413,7 @@
                 <a:pt x="45720" y="0"/>
               </a:moveTo>
               <a:lnTo>
-                <a:pt x="45720" y="150000"/>
+                <a:pt x="45720" y="101342"/>
               </a:lnTo>
             </a:path>
           </a:pathLst>
@@ -10453,8 +10453,8 @@
       </dsp:nvSpPr>
       <dsp:spPr>
         <a:xfrm>
-          <a:off x="3478191" y="2849132"/>
-          <a:ext cx="562502" cy="375001"/>
+          <a:off x="3503776" y="2845537"/>
+          <a:ext cx="597753" cy="465127"/>
         </a:xfrm>
         <a:prstGeom prst="roundRect">
           <a:avLst>
@@ -10531,8 +10531,8 @@
         </a:p>
       </dsp:txBody>
       <dsp:txXfrm>
-        <a:off x="3489174" y="2860115"/>
-        <a:ext cx="540536" cy="353035"/>
+        <a:off x="3517399" y="2859160"/>
+        <a:ext cx="570507" cy="437881"/>
       </dsp:txXfrm>
     </dsp:sp>
     <dsp:sp modelId="{FE4D33B2-8546-46C9-A049-AC93D5F7114F}">
@@ -10542,8 +10542,8 @@
       </dsp:nvSpPr>
       <dsp:spPr>
         <a:xfrm>
-          <a:off x="4632983" y="2174129"/>
-          <a:ext cx="254670" cy="150000"/>
+          <a:off x="4665624" y="2177724"/>
+          <a:ext cx="270632" cy="101342"/>
         </a:xfrm>
         <a:custGeom>
           <a:avLst/>
@@ -10557,13 +10557,13 @@
                 <a:pt x="0" y="0"/>
               </a:moveTo>
               <a:lnTo>
-                <a:pt x="0" y="75000"/>
+                <a:pt x="0" y="50671"/>
               </a:lnTo>
               <a:lnTo>
-                <a:pt x="254670" y="75000"/>
+                <a:pt x="270632" y="50671"/>
               </a:lnTo>
               <a:lnTo>
-                <a:pt x="254670" y="150000"/>
+                <a:pt x="270632" y="101342"/>
               </a:lnTo>
             </a:path>
           </a:pathLst>
@@ -10603,8 +10603,8 @@
       </dsp:nvSpPr>
       <dsp:spPr>
         <a:xfrm>
-          <a:off x="4464114" y="2324130"/>
-          <a:ext cx="847078" cy="375001"/>
+          <a:off x="4486173" y="2279067"/>
+          <a:ext cx="900166" cy="465127"/>
         </a:xfrm>
         <a:prstGeom prst="roundRect">
           <a:avLst>
@@ -10689,8 +10689,8 @@
         </a:p>
       </dsp:txBody>
       <dsp:txXfrm>
-        <a:off x="4475097" y="2335113"/>
-        <a:ext cx="825112" cy="353035"/>
+        <a:off x="4499796" y="2292690"/>
+        <a:ext cx="872920" cy="437881"/>
       </dsp:txXfrm>
     </dsp:sp>
     <dsp:sp modelId="{85905866-D691-4771-803C-1AF6D95BEC27}">
@@ -10700,8 +10700,8 @@
       </dsp:nvSpPr>
       <dsp:spPr>
         <a:xfrm>
-          <a:off x="4841933" y="2699131"/>
-          <a:ext cx="91440" cy="150000"/>
+          <a:off x="4890536" y="2744194"/>
+          <a:ext cx="91440" cy="101342"/>
         </a:xfrm>
         <a:custGeom>
           <a:avLst/>
@@ -10715,7 +10715,7 @@
                 <a:pt x="45720" y="0"/>
               </a:moveTo>
               <a:lnTo>
-                <a:pt x="45720" y="150000"/>
+                <a:pt x="45720" y="101342"/>
               </a:lnTo>
             </a:path>
           </a:pathLst>
@@ -10755,8 +10755,8 @@
       </dsp:nvSpPr>
       <dsp:spPr>
         <a:xfrm>
-          <a:off x="4606402" y="2849132"/>
-          <a:ext cx="562502" cy="375001"/>
+          <a:off x="4637379" y="2845537"/>
+          <a:ext cx="597753" cy="465127"/>
         </a:xfrm>
         <a:prstGeom prst="roundRect">
           <a:avLst>
@@ -10849,8 +10849,8 @@
         </a:p>
       </dsp:txBody>
       <dsp:txXfrm>
-        <a:off x="4617385" y="2860115"/>
-        <a:ext cx="540536" cy="353035"/>
+        <a:off x="4651002" y="2859160"/>
+        <a:ext cx="570507" cy="437881"/>
       </dsp:txXfrm>
     </dsp:sp>
     <dsp:sp modelId="{1EEBB945-63FD-4B24-B63C-597318D74212}">
@@ -10860,8 +10860,8 @@
       </dsp:nvSpPr>
       <dsp:spPr>
         <a:xfrm>
-          <a:off x="4632983" y="2174129"/>
-          <a:ext cx="1128211" cy="150000"/>
+          <a:off x="4665624" y="2177724"/>
+          <a:ext cx="1133603" cy="101342"/>
         </a:xfrm>
         <a:custGeom>
           <a:avLst/>
@@ -10875,13 +10875,13 @@
                 <a:pt x="0" y="0"/>
               </a:moveTo>
               <a:lnTo>
-                <a:pt x="0" y="75000"/>
+                <a:pt x="0" y="50671"/>
               </a:lnTo>
               <a:lnTo>
-                <a:pt x="1128211" y="75000"/>
+                <a:pt x="1133603" y="50671"/>
               </a:lnTo>
               <a:lnTo>
-                <a:pt x="1128211" y="150000"/>
+                <a:pt x="1133603" y="101342"/>
               </a:lnTo>
             </a:path>
           </a:pathLst>
@@ -10921,8 +10921,8 @@
       </dsp:nvSpPr>
       <dsp:spPr>
         <a:xfrm>
-          <a:off x="5479943" y="2324130"/>
-          <a:ext cx="562502" cy="375001"/>
+          <a:off x="5500350" y="2279067"/>
+          <a:ext cx="597753" cy="465127"/>
         </a:xfrm>
         <a:prstGeom prst="roundRect">
           <a:avLst>
@@ -10999,8 +10999,8 @@
         </a:p>
       </dsp:txBody>
       <dsp:txXfrm>
-        <a:off x="5490926" y="2335113"/>
-        <a:ext cx="540536" cy="353035"/>
+        <a:off x="5513973" y="2292690"/>
+        <a:ext cx="570507" cy="437881"/>
       </dsp:txXfrm>
     </dsp:sp>
     <dsp:sp modelId="{04088FE9-F1BD-4A14-B048-5F6B403C8434}">
@@ -11010,8 +11010,8 @@
       </dsp:nvSpPr>
       <dsp:spPr>
         <a:xfrm>
-          <a:off x="5715474" y="2699131"/>
-          <a:ext cx="91440" cy="150000"/>
+          <a:off x="5753507" y="2744194"/>
+          <a:ext cx="91440" cy="101342"/>
         </a:xfrm>
         <a:custGeom>
           <a:avLst/>
@@ -11025,7 +11025,7 @@
                 <a:pt x="45720" y="0"/>
               </a:moveTo>
               <a:lnTo>
-                <a:pt x="45720" y="150000"/>
+                <a:pt x="45720" y="101342"/>
               </a:lnTo>
             </a:path>
           </a:pathLst>
@@ -11065,8 +11065,8 @@
       </dsp:nvSpPr>
       <dsp:spPr>
         <a:xfrm>
-          <a:off x="5479943" y="2849132"/>
-          <a:ext cx="562502" cy="375001"/>
+          <a:off x="5500350" y="2845537"/>
+          <a:ext cx="597753" cy="465127"/>
         </a:xfrm>
         <a:prstGeom prst="roundRect">
           <a:avLst>
@@ -11159,8 +11159,8 @@
         </a:p>
       </dsp:txBody>
       <dsp:txXfrm>
-        <a:off x="5490926" y="2860115"/>
-        <a:ext cx="540536" cy="353035"/>
+        <a:off x="5513973" y="2859160"/>
+        <a:ext cx="570507" cy="437881"/>
       </dsp:txXfrm>
     </dsp:sp>
     <dsp:sp modelId="{CDF6BB19-8B28-4C1C-BD9F-01E9F9EFECB8}">
@@ -11170,8 +11170,8 @@
       </dsp:nvSpPr>
       <dsp:spPr>
         <a:xfrm>
-          <a:off x="4747997" y="1649127"/>
-          <a:ext cx="3567842" cy="150000"/>
+          <a:off x="4755186" y="1611253"/>
+          <a:ext cx="3562838" cy="101342"/>
         </a:xfrm>
         <a:custGeom>
           <a:avLst/>
@@ -11185,13 +11185,13 @@
                 <a:pt x="0" y="0"/>
               </a:moveTo>
               <a:lnTo>
-                <a:pt x="0" y="75000"/>
+                <a:pt x="0" y="50671"/>
               </a:lnTo>
               <a:lnTo>
-                <a:pt x="3567842" y="75000"/>
+                <a:pt x="3562838" y="50671"/>
               </a:lnTo>
               <a:lnTo>
-                <a:pt x="3567842" y="150000"/>
+                <a:pt x="3562838" y="101342"/>
               </a:lnTo>
             </a:path>
           </a:pathLst>
@@ -11231,8 +11231,8 @@
       </dsp:nvSpPr>
       <dsp:spPr>
         <a:xfrm>
-          <a:off x="8034588" y="1799127"/>
-          <a:ext cx="562502" cy="375001"/>
+          <a:off x="8019148" y="1712596"/>
+          <a:ext cx="597753" cy="465127"/>
         </a:xfrm>
         <a:prstGeom prst="roundRect">
           <a:avLst>
@@ -11309,8 +11309,8 @@
         </a:p>
       </dsp:txBody>
       <dsp:txXfrm>
-        <a:off x="8045571" y="1810110"/>
-        <a:ext cx="540536" cy="353035"/>
+        <a:off x="8032771" y="1726219"/>
+        <a:ext cx="570507" cy="437881"/>
       </dsp:txXfrm>
     </dsp:sp>
     <dsp:sp modelId="{C4EB4996-2AA4-435D-AD34-E55D70EB8238}">
@@ -11320,8 +11320,8 @@
       </dsp:nvSpPr>
       <dsp:spPr>
         <a:xfrm>
-          <a:off x="6710457" y="2174129"/>
-          <a:ext cx="1605382" cy="150000"/>
+          <a:off x="6742664" y="2177724"/>
+          <a:ext cx="1575360" cy="101342"/>
         </a:xfrm>
         <a:custGeom>
           <a:avLst/>
@@ -11332,16 +11332,16 @@
           <a:pathLst>
             <a:path>
               <a:moveTo>
-                <a:pt x="1605382" y="0"/>
+                <a:pt x="1575360" y="0"/>
               </a:moveTo>
               <a:lnTo>
-                <a:pt x="1605382" y="75000"/>
+                <a:pt x="1575360" y="50671"/>
               </a:lnTo>
               <a:lnTo>
-                <a:pt x="0" y="75000"/>
+                <a:pt x="0" y="50671"/>
               </a:lnTo>
               <a:lnTo>
-                <a:pt x="0" y="150000"/>
+                <a:pt x="0" y="101342"/>
               </a:lnTo>
             </a:path>
           </a:pathLst>
@@ -11381,8 +11381,8 @@
       </dsp:nvSpPr>
       <dsp:spPr>
         <a:xfrm>
-          <a:off x="6323790" y="2324130"/>
-          <a:ext cx="773334" cy="375001"/>
+          <a:off x="6331765" y="2279067"/>
+          <a:ext cx="821799" cy="465127"/>
         </a:xfrm>
         <a:prstGeom prst="roundRect">
           <a:avLst>
@@ -11454,8 +11454,8 @@
         </a:p>
       </dsp:txBody>
       <dsp:txXfrm>
-        <a:off x="6334773" y="2335113"/>
-        <a:ext cx="751368" cy="353035"/>
+        <a:off x="6345388" y="2292690"/>
+        <a:ext cx="794553" cy="437881"/>
       </dsp:txXfrm>
     </dsp:sp>
     <dsp:sp modelId="{5DDA2121-42E6-48DA-A6CE-578C02420C5A}">
@@ -11465,8 +11465,8 @@
       </dsp:nvSpPr>
       <dsp:spPr>
         <a:xfrm>
-          <a:off x="6664737" y="2699131"/>
-          <a:ext cx="91440" cy="150000"/>
+          <a:off x="6696944" y="2744194"/>
+          <a:ext cx="91440" cy="101342"/>
         </a:xfrm>
         <a:custGeom>
           <a:avLst/>
@@ -11480,7 +11480,7 @@
                 <a:pt x="45720" y="0"/>
               </a:moveTo>
               <a:lnTo>
-                <a:pt x="45720" y="150000"/>
+                <a:pt x="45720" y="101342"/>
               </a:lnTo>
             </a:path>
           </a:pathLst>
@@ -11520,8 +11520,8 @@
       </dsp:nvSpPr>
       <dsp:spPr>
         <a:xfrm>
-          <a:off x="6316860" y="2849132"/>
-          <a:ext cx="787194" cy="375001"/>
+          <a:off x="6324400" y="2845537"/>
+          <a:ext cx="836529" cy="465127"/>
         </a:xfrm>
         <a:prstGeom prst="roundRect">
           <a:avLst>
@@ -11593,8 +11593,8 @@
         </a:p>
       </dsp:txBody>
       <dsp:txXfrm>
-        <a:off x="6327843" y="2860115"/>
-        <a:ext cx="765228" cy="353035"/>
+        <a:off x="6338023" y="2859160"/>
+        <a:ext cx="809283" cy="437881"/>
       </dsp:txXfrm>
     </dsp:sp>
     <dsp:sp modelId="{A50ACD74-835C-4190-982B-765670D097E3}">
@@ -11604,8 +11604,8 @@
       </dsp:nvSpPr>
       <dsp:spPr>
         <a:xfrm>
-          <a:off x="6664737" y="3224134"/>
-          <a:ext cx="91440" cy="150000"/>
+          <a:off x="6696944" y="3310665"/>
+          <a:ext cx="91440" cy="101342"/>
         </a:xfrm>
         <a:custGeom>
           <a:avLst/>
@@ -11619,7 +11619,7 @@
                 <a:pt x="45720" y="0"/>
               </a:moveTo>
               <a:lnTo>
-                <a:pt x="45720" y="150000"/>
+                <a:pt x="45720" y="101342"/>
               </a:lnTo>
             </a:path>
           </a:pathLst>
@@ -11659,8 +11659,8 @@
       </dsp:nvSpPr>
       <dsp:spPr>
         <a:xfrm>
-          <a:off x="6211196" y="3374134"/>
-          <a:ext cx="998520" cy="375001"/>
+          <a:off x="6212114" y="3412008"/>
+          <a:ext cx="1061100" cy="465127"/>
         </a:xfrm>
         <a:prstGeom prst="roundRect">
           <a:avLst>
@@ -11732,8 +11732,8 @@
         </a:p>
       </dsp:txBody>
       <dsp:txXfrm>
-        <a:off x="6222179" y="3385117"/>
-        <a:ext cx="976554" cy="353035"/>
+        <a:off x="6225737" y="3425631"/>
+        <a:ext cx="1033854" cy="437881"/>
       </dsp:txXfrm>
     </dsp:sp>
     <dsp:sp modelId="{64C5707C-3740-439D-9B9E-5F859BBA2E6E}">
@@ -11743,8 +11743,8 @@
       </dsp:nvSpPr>
       <dsp:spPr>
         <a:xfrm>
-          <a:off x="7554056" y="2174129"/>
-          <a:ext cx="761783" cy="150000"/>
+          <a:off x="7573817" y="2177724"/>
+          <a:ext cx="744207" cy="101342"/>
         </a:xfrm>
         <a:custGeom>
           <a:avLst/>
@@ -11755,16 +11755,16 @@
           <a:pathLst>
             <a:path>
               <a:moveTo>
-                <a:pt x="761783" y="0"/>
+                <a:pt x="744207" y="0"/>
               </a:moveTo>
               <a:lnTo>
-                <a:pt x="761783" y="75000"/>
+                <a:pt x="744207" y="50671"/>
               </a:lnTo>
               <a:lnTo>
-                <a:pt x="0" y="75000"/>
+                <a:pt x="0" y="50671"/>
               </a:lnTo>
               <a:lnTo>
-                <a:pt x="0" y="150000"/>
+                <a:pt x="0" y="101342"/>
               </a:lnTo>
             </a:path>
           </a:pathLst>
@@ -11804,8 +11804,8 @@
       </dsp:nvSpPr>
       <dsp:spPr>
         <a:xfrm>
-          <a:off x="7272805" y="2324130"/>
-          <a:ext cx="562502" cy="375001"/>
+          <a:off x="7274940" y="2279067"/>
+          <a:ext cx="597753" cy="465127"/>
         </a:xfrm>
         <a:prstGeom prst="roundRect">
           <a:avLst>
@@ -11877,8 +11877,8 @@
         </a:p>
       </dsp:txBody>
       <dsp:txXfrm>
-        <a:off x="7283788" y="2335113"/>
-        <a:ext cx="540536" cy="353035"/>
+        <a:off x="7288563" y="2292690"/>
+        <a:ext cx="570507" cy="437881"/>
       </dsp:txXfrm>
     </dsp:sp>
     <dsp:sp modelId="{D41C5868-FB53-4818-BFD5-A0F87247D228}">
@@ -11888,8 +11888,8 @@
       </dsp:nvSpPr>
       <dsp:spPr>
         <a:xfrm>
-          <a:off x="7508336" y="2699131"/>
-          <a:ext cx="91440" cy="150000"/>
+          <a:off x="7528097" y="2744194"/>
+          <a:ext cx="91440" cy="101342"/>
         </a:xfrm>
         <a:custGeom>
           <a:avLst/>
@@ -11903,7 +11903,7 @@
                 <a:pt x="45720" y="0"/>
               </a:moveTo>
               <a:lnTo>
-                <a:pt x="45720" y="150000"/>
+                <a:pt x="45720" y="101342"/>
               </a:lnTo>
             </a:path>
           </a:pathLst>
@@ -11943,8 +11943,8 @@
       </dsp:nvSpPr>
       <dsp:spPr>
         <a:xfrm>
-          <a:off x="7272805" y="2849132"/>
-          <a:ext cx="562502" cy="375001"/>
+          <a:off x="7274940" y="2845537"/>
+          <a:ext cx="597753" cy="465127"/>
         </a:xfrm>
         <a:prstGeom prst="roundRect">
           <a:avLst>
@@ -12021,8 +12021,8 @@
         </a:p>
       </dsp:txBody>
       <dsp:txXfrm>
-        <a:off x="7283788" y="2860115"/>
-        <a:ext cx="540536" cy="353035"/>
+        <a:off x="7288563" y="2859160"/>
+        <a:ext cx="570507" cy="437881"/>
       </dsp:txXfrm>
     </dsp:sp>
     <dsp:sp modelId="{020F8FAA-BDC5-4DDF-9CEF-504B75F1394A}">
@@ -12032,8 +12032,8 @@
       </dsp:nvSpPr>
       <dsp:spPr>
         <a:xfrm>
-          <a:off x="8315839" y="2174129"/>
-          <a:ext cx="108880" cy="150000"/>
+          <a:off x="8318025" y="2177724"/>
+          <a:ext cx="115705" cy="101342"/>
         </a:xfrm>
         <a:custGeom>
           <a:avLst/>
@@ -12047,13 +12047,13 @@
                 <a:pt x="0" y="0"/>
               </a:moveTo>
               <a:lnTo>
-                <a:pt x="0" y="75000"/>
+                <a:pt x="0" y="50671"/>
               </a:lnTo>
               <a:lnTo>
-                <a:pt x="108880" y="75000"/>
+                <a:pt x="115705" y="50671"/>
               </a:lnTo>
               <a:lnTo>
-                <a:pt x="108880" y="150000"/>
+                <a:pt x="115705" y="101342"/>
               </a:lnTo>
             </a:path>
           </a:pathLst>
@@ -12093,8 +12093,8 @@
       </dsp:nvSpPr>
       <dsp:spPr>
         <a:xfrm>
-          <a:off x="8004058" y="2324130"/>
-          <a:ext cx="841323" cy="375001"/>
+          <a:off x="7986704" y="2279067"/>
+          <a:ext cx="894051" cy="465127"/>
         </a:xfrm>
         <a:prstGeom prst="roundRect">
           <a:avLst>
@@ -12166,8 +12166,8 @@
         </a:p>
       </dsp:txBody>
       <dsp:txXfrm>
-        <a:off x="8015041" y="2335113"/>
-        <a:ext cx="819357" cy="353035"/>
+        <a:off x="8000327" y="2292690"/>
+        <a:ext cx="866805" cy="437881"/>
       </dsp:txXfrm>
     </dsp:sp>
     <dsp:sp modelId="{01EB7F82-3EB0-4CBF-92B8-596A36AE562B}">
@@ -12177,8 +12177,8 @@
       </dsp:nvSpPr>
       <dsp:spPr>
         <a:xfrm>
-          <a:off x="8379000" y="2699131"/>
-          <a:ext cx="91440" cy="150000"/>
+          <a:off x="8388010" y="2744194"/>
+          <a:ext cx="91440" cy="101342"/>
         </a:xfrm>
         <a:custGeom>
           <a:avLst/>
@@ -12192,7 +12192,7 @@
                 <a:pt x="45720" y="0"/>
               </a:moveTo>
               <a:lnTo>
-                <a:pt x="45720" y="150000"/>
+                <a:pt x="45720" y="101342"/>
               </a:lnTo>
             </a:path>
           </a:pathLst>
@@ -12232,8 +12232,8 @@
       </dsp:nvSpPr>
       <dsp:spPr>
         <a:xfrm>
-          <a:off x="8143469" y="2849132"/>
-          <a:ext cx="562502" cy="375001"/>
+          <a:off x="8134853" y="2845537"/>
+          <a:ext cx="597753" cy="465127"/>
         </a:xfrm>
         <a:prstGeom prst="roundRect">
           <a:avLst>
@@ -12310,8 +12310,8 @@
         </a:p>
       </dsp:txBody>
       <dsp:txXfrm>
-        <a:off x="8154452" y="2860115"/>
-        <a:ext cx="540536" cy="353035"/>
+        <a:off x="8148476" y="2859160"/>
+        <a:ext cx="570507" cy="437881"/>
       </dsp:txXfrm>
     </dsp:sp>
     <dsp:sp modelId="{439B323C-2D6A-4620-A452-C4B3AB935BF9}">
@@ -12321,8 +12321,8 @@
       </dsp:nvSpPr>
       <dsp:spPr>
         <a:xfrm>
-          <a:off x="8315839" y="2174129"/>
-          <a:ext cx="979544" cy="150000"/>
+          <a:off x="8318025" y="2177724"/>
+          <a:ext cx="975618" cy="101342"/>
         </a:xfrm>
         <a:custGeom>
           <a:avLst/>
@@ -12336,13 +12336,13 @@
                 <a:pt x="0" y="0"/>
               </a:moveTo>
               <a:lnTo>
-                <a:pt x="0" y="75000"/>
+                <a:pt x="0" y="50671"/>
               </a:lnTo>
               <a:lnTo>
-                <a:pt x="979544" y="75000"/>
+                <a:pt x="975618" y="50671"/>
               </a:lnTo>
               <a:lnTo>
-                <a:pt x="979544" y="150000"/>
+                <a:pt x="975618" y="101342"/>
               </a:lnTo>
             </a:path>
           </a:pathLst>
@@ -12382,8 +12382,8 @@
       </dsp:nvSpPr>
       <dsp:spPr>
         <a:xfrm>
-          <a:off x="9014132" y="2324130"/>
-          <a:ext cx="562502" cy="375001"/>
+          <a:off x="8994767" y="2279067"/>
+          <a:ext cx="597753" cy="465127"/>
         </a:xfrm>
         <a:prstGeom prst="roundRect">
           <a:avLst>
@@ -12455,8 +12455,8 @@
         </a:p>
       </dsp:txBody>
       <dsp:txXfrm>
-        <a:off x="9025115" y="2335113"/>
-        <a:ext cx="540536" cy="353035"/>
+        <a:off x="9008390" y="2292690"/>
+        <a:ext cx="570507" cy="437881"/>
       </dsp:txXfrm>
     </dsp:sp>
     <dsp:sp modelId="{29609F51-31F6-4ADE-964B-F9D1524B410D}">
@@ -12466,8 +12466,8 @@
       </dsp:nvSpPr>
       <dsp:spPr>
         <a:xfrm>
-          <a:off x="9249664" y="2699131"/>
-          <a:ext cx="91440" cy="150000"/>
+          <a:off x="9247924" y="2744194"/>
+          <a:ext cx="91440" cy="101342"/>
         </a:xfrm>
         <a:custGeom>
           <a:avLst/>
@@ -12481,7 +12481,7 @@
                 <a:pt x="45720" y="0"/>
               </a:moveTo>
               <a:lnTo>
-                <a:pt x="45720" y="150000"/>
+                <a:pt x="45720" y="101342"/>
               </a:lnTo>
             </a:path>
           </a:pathLst>
@@ -12521,8 +12521,8 @@
       </dsp:nvSpPr>
       <dsp:spPr>
         <a:xfrm>
-          <a:off x="9014132" y="2849132"/>
-          <a:ext cx="562502" cy="375001"/>
+          <a:off x="8994767" y="2845537"/>
+          <a:ext cx="597753" cy="465127"/>
         </a:xfrm>
         <a:prstGeom prst="roundRect">
           <a:avLst>
@@ -12599,8 +12599,8 @@
         </a:p>
       </dsp:txBody>
       <dsp:txXfrm>
-        <a:off x="9025115" y="2860115"/>
-        <a:ext cx="540536" cy="353035"/>
+        <a:off x="9008390" y="2859160"/>
+        <a:ext cx="570507" cy="437881"/>
       </dsp:txXfrm>
     </dsp:sp>
     <dsp:sp modelId="{C2705960-6B5A-4F87-9557-FD073F6C5372}">
@@ -12610,8 +12610,8 @@
       </dsp:nvSpPr>
       <dsp:spPr>
         <a:xfrm>
-          <a:off x="8315839" y="2174129"/>
-          <a:ext cx="1710797" cy="150000"/>
+          <a:off x="8318025" y="2177724"/>
+          <a:ext cx="1687383" cy="101342"/>
         </a:xfrm>
         <a:custGeom>
           <a:avLst/>
@@ -12625,13 +12625,13 @@
                 <a:pt x="0" y="0"/>
               </a:moveTo>
               <a:lnTo>
-                <a:pt x="0" y="75000"/>
+                <a:pt x="0" y="50671"/>
               </a:lnTo>
               <a:lnTo>
-                <a:pt x="1710797" y="75000"/>
+                <a:pt x="1687383" y="50671"/>
               </a:lnTo>
               <a:lnTo>
-                <a:pt x="1710797" y="150000"/>
+                <a:pt x="1687383" y="101342"/>
               </a:lnTo>
             </a:path>
           </a:pathLst>
@@ -12671,8 +12671,8 @@
       </dsp:nvSpPr>
       <dsp:spPr>
         <a:xfrm>
-          <a:off x="9745386" y="2324130"/>
-          <a:ext cx="562502" cy="375001"/>
+          <a:off x="9706531" y="2279067"/>
+          <a:ext cx="597753" cy="465127"/>
         </a:xfrm>
         <a:prstGeom prst="roundRect">
           <a:avLst>
@@ -12765,8 +12765,8 @@
         </a:p>
       </dsp:txBody>
       <dsp:txXfrm>
-        <a:off x="9756369" y="2335113"/>
-        <a:ext cx="540536" cy="353035"/>
+        <a:off x="9720154" y="2292690"/>
+        <a:ext cx="570507" cy="437881"/>
       </dsp:txXfrm>
     </dsp:sp>
   </dsp:spTree>
@@ -21298,7 +21298,7 @@
           <p:nvPr>
             <p:extLst>
               <p:ext uri="{D42A27DB-BD31-4B8C-83A1-F6EECF244321}">
-                <p14:modId xmlns:p14="http://schemas.microsoft.com/office/powerpoint/2010/main" val="146663280"/>
+                <p14:modId xmlns:p14="http://schemas.microsoft.com/office/powerpoint/2010/main" val="1132925695"/>
               </p:ext>
             </p:extLst>
           </p:nvPr>
@@ -21733,7 +21733,7 @@
           <p:nvPr>
             <p:extLst>
               <p:ext uri="{D42A27DB-BD31-4B8C-83A1-F6EECF244321}">
-                <p14:modId xmlns:p14="http://schemas.microsoft.com/office/powerpoint/2010/main" val="19320933"/>
+                <p14:modId xmlns:p14="http://schemas.microsoft.com/office/powerpoint/2010/main" val="3815456420"/>
               </p:ext>
             </p:extLst>
           </p:nvPr>

--- a/嵌入式影像處理1212進度報告.pptx
+++ b/嵌入式影像處理1212進度報告.pptx
@@ -21281,7 +21281,25 @@
               <a:rPr lang="en-US" altLang="zh-TW" dirty="0"/>
               <a:t>breakdown</a:t>
             </a:r>
-            <a:endParaRPr lang="zh-TW" altLang="en-US" dirty="0"/>
+            <a:r>
+              <a:rPr lang="en-US" altLang="zh-TW" dirty="0">
+                <a:solidFill>
+                  <a:srgbClr val="FF0000"/>
+                </a:solidFill>
+                <a:highlight>
+                  <a:srgbClr val="FFFF00"/>
+                </a:highlight>
+              </a:rPr>
+              <a:t>(2024/12/05)</a:t>
+            </a:r>
+            <a:endParaRPr lang="zh-TW" altLang="en-US" dirty="0">
+              <a:solidFill>
+                <a:srgbClr val="FF0000"/>
+              </a:solidFill>
+              <a:highlight>
+                <a:srgbClr val="FFFF00"/>
+              </a:highlight>
+            </a:endParaRPr>
           </a:p>
         </p:txBody>
       </p:sp>
@@ -21370,6 +21388,18 @@
               <a:rPr lang="zh-TW" altLang="en-US" dirty="0"/>
               <a:t> 架構圖</a:t>
             </a:r>
+            <a:r>
+              <a:rPr lang="en-US" altLang="zh-TW" dirty="0">
+                <a:solidFill>
+                  <a:srgbClr val="FF0000"/>
+                </a:solidFill>
+                <a:highlight>
+                  <a:srgbClr val="FFFF00"/>
+                </a:highlight>
+              </a:rPr>
+              <a:t>(2024/12/05)</a:t>
+            </a:r>
+            <a:endParaRPr lang="zh-TW" altLang="en-US" dirty="0"/>
           </a:p>
         </p:txBody>
       </p:sp>
@@ -21716,6 +21746,17 @@
               <a:rPr lang="en-US" altLang="zh-TW" dirty="0"/>
               <a:t>breakdown</a:t>
             </a:r>
+            <a:r>
+              <a:rPr lang="en-US" altLang="zh-TW" dirty="0">
+                <a:solidFill>
+                  <a:srgbClr val="FF0000"/>
+                </a:solidFill>
+                <a:highlight>
+                  <a:srgbClr val="FFFF00"/>
+                </a:highlight>
+              </a:rPr>
+              <a:t> (2024/12/12)</a:t>
+            </a:r>
             <a:endParaRPr lang="zh-TW" altLang="en-US" dirty="0"/>
           </a:p>
         </p:txBody>
@@ -21805,6 +21846,18 @@
               <a:rPr lang="zh-TW" altLang="en-US" dirty="0"/>
               <a:t> 架構圖</a:t>
             </a:r>
+            <a:r>
+              <a:rPr lang="en-US" altLang="zh-TW">
+                <a:solidFill>
+                  <a:srgbClr val="FF0000"/>
+                </a:solidFill>
+                <a:highlight>
+                  <a:srgbClr val="FFFF00"/>
+                </a:highlight>
+              </a:rPr>
+              <a:t>(2024/12/12)</a:t>
+            </a:r>
+            <a:endParaRPr lang="zh-TW" altLang="en-US" dirty="0"/>
           </a:p>
         </p:txBody>
       </p:sp>

--- a/嵌入式影像處理1212進度報告.pptx
+++ b/嵌入式影像處理1212進度報告.pptx
@@ -5,10 +5,10 @@
     <p:sldMasterId id="2147483648" r:id="rId1"/>
   </p:sldMasterIdLst>
   <p:notesMasterIdLst>
-    <p:notesMasterId r:id="rId9"/>
+    <p:notesMasterId r:id="rId13"/>
   </p:notesMasterIdLst>
   <p:handoutMasterIdLst>
-    <p:handoutMasterId r:id="rId10"/>
+    <p:handoutMasterId r:id="rId14"/>
   </p:handoutMasterIdLst>
   <p:sldIdLst>
     <p:sldId id="259" r:id="rId2"/>
@@ -18,6 +18,10 @@
     <p:sldId id="1259" r:id="rId6"/>
     <p:sldId id="1257" r:id="rId7"/>
     <p:sldId id="1256" r:id="rId8"/>
+    <p:sldId id="1260" r:id="rId9"/>
+    <p:sldId id="1262" r:id="rId10"/>
+    <p:sldId id="1264" r:id="rId11"/>
+    <p:sldId id="1261" r:id="rId12"/>
   </p:sldIdLst>
   <p:sldSz cx="12192000" cy="6858000"/>
   <p:notesSz cx="6858000" cy="9144000"/>
@@ -19885,6 +19889,1460 @@
 </p:sld>
 </file>
 
+<file path=ppt/slides/slide10.xml><?xml version="1.0" encoding="utf-8"?>
+<p:sld xmlns:a="http://schemas.openxmlformats.org/drawingml/2006/main" xmlns:r="http://schemas.openxmlformats.org/officeDocument/2006/relationships" xmlns:p="http://schemas.openxmlformats.org/presentationml/2006/main">
+  <p:cSld>
+    <p:spTree>
+      <p:nvGrpSpPr>
+        <p:cNvPr id="1" name=""/>
+        <p:cNvGrpSpPr/>
+        <p:nvPr/>
+      </p:nvGrpSpPr>
+      <p:grpSpPr>
+        <a:xfrm>
+          <a:off x="0" y="0"/>
+          <a:ext cx="0" cy="0"/>
+          <a:chOff x="0" y="0"/>
+          <a:chExt cx="0" cy="0"/>
+        </a:xfrm>
+      </p:grpSpPr>
+      <p:sp>
+        <p:nvSpPr>
+          <p:cNvPr id="4" name="標題 3"/>
+          <p:cNvSpPr>
+            <a:spLocks noGrp="1"/>
+          </p:cNvSpPr>
+          <p:nvPr>
+            <p:ph type="title"/>
+          </p:nvPr>
+        </p:nvSpPr>
+        <p:spPr/>
+        <p:txBody>
+          <a:bodyPr/>
+          <a:lstStyle/>
+          <a:p>
+            <a:r>
+              <a:rPr lang="zh-TW" altLang="en-US" dirty="0"/>
+              <a:t>系統分析 </a:t>
+            </a:r>
+            <a:r>
+              <a:rPr lang="en-US" altLang="zh-TW" dirty="0"/>
+              <a:t>–</a:t>
+            </a:r>
+            <a:r>
+              <a:rPr lang="zh-TW" altLang="en-US" dirty="0"/>
+              <a:t> </a:t>
+            </a:r>
+            <a:r>
+              <a:rPr lang="en-US" altLang="zh-TW" dirty="0"/>
+              <a:t>API</a:t>
+            </a:r>
+            <a:r>
+              <a:rPr lang="en-US" altLang="zh-TW" dirty="0">
+                <a:solidFill>
+                  <a:srgbClr val="FF0000"/>
+                </a:solidFill>
+                <a:highlight>
+                  <a:srgbClr val="FFFF00"/>
+                </a:highlight>
+              </a:rPr>
+              <a:t>(2024/12/12)</a:t>
+            </a:r>
+            <a:endParaRPr lang="zh-TW" altLang="en-US" dirty="0"/>
+          </a:p>
+        </p:txBody>
+      </p:sp>
+      <p:graphicFrame>
+        <p:nvGraphicFramePr>
+          <p:cNvPr id="2" name="表格 1">
+            <a:extLst>
+              <a:ext uri="{FF2B5EF4-FFF2-40B4-BE49-F238E27FC236}">
+                <a16:creationId xmlns:a16="http://schemas.microsoft.com/office/drawing/2014/main" id="{85BA4C2F-261D-453D-A25B-13D39BD3CD42}"/>
+              </a:ext>
+            </a:extLst>
+          </p:cNvPr>
+          <p:cNvGraphicFramePr>
+            <a:graphicFrameLocks noGrp="1"/>
+          </p:cNvGraphicFramePr>
+          <p:nvPr/>
+        </p:nvGraphicFramePr>
+        <p:xfrm>
+          <a:off x="2032000" y="4033318"/>
+          <a:ext cx="8128000" cy="2123440"/>
+        </p:xfrm>
+        <a:graphic>
+          <a:graphicData uri="http://schemas.openxmlformats.org/drawingml/2006/table">
+            <a:tbl>
+              <a:tblPr firstRow="1" bandRow="1">
+                <a:tableStyleId>{5C22544A-7EE6-4342-B048-85BDC9FD1C3A}</a:tableStyleId>
+              </a:tblPr>
+              <a:tblGrid>
+                <a:gridCol w="4064000">
+                  <a:extLst>
+                    <a:ext uri="{9D8B030D-6E8A-4147-A177-3AD203B41FA5}">
+                      <a16:colId xmlns:a16="http://schemas.microsoft.com/office/drawing/2014/main" val="65457947"/>
+                    </a:ext>
+                  </a:extLst>
+                </a:gridCol>
+                <a:gridCol w="4064000">
+                  <a:extLst>
+                    <a:ext uri="{9D8B030D-6E8A-4147-A177-3AD203B41FA5}">
+                      <a16:colId xmlns:a16="http://schemas.microsoft.com/office/drawing/2014/main" val="1560695292"/>
+                    </a:ext>
+                  </a:extLst>
+                </a:gridCol>
+              </a:tblGrid>
+              <a:tr h="370840">
+                <a:tc>
+                  <a:txBody>
+                    <a:bodyPr/>
+                    <a:lstStyle/>
+                    <a:p>
+                      <a:endParaRPr lang="zh-TW" altLang="en-US" dirty="0">
+                        <a:latin typeface="Times New Roman" panose="02020603050405020304" pitchFamily="18" charset="0"/>
+                        <a:ea typeface="標楷體" panose="03000509000000000000" pitchFamily="65" charset="-120"/>
+                        <a:cs typeface="Times New Roman" panose="02020603050405020304" pitchFamily="18" charset="0"/>
+                      </a:endParaRPr>
+                    </a:p>
+                  </a:txBody>
+                  <a:tcPr/>
+                </a:tc>
+                <a:tc>
+                  <a:txBody>
+                    <a:bodyPr/>
+                    <a:lstStyle/>
+                    <a:p>
+                      <a:pPr marL="0" marR="0" lvl="0" indent="0" algn="l" defTabSz="914400" rtl="0" eaLnBrk="1" fontAlgn="auto" latinLnBrk="0" hangingPunct="1">
+                        <a:lnSpc>
+                          <a:spcPct val="100000"/>
+                        </a:lnSpc>
+                        <a:spcBef>
+                          <a:spcPts val="0"/>
+                        </a:spcBef>
+                        <a:spcAft>
+                          <a:spcPts val="0"/>
+                        </a:spcAft>
+                        <a:buClrTx/>
+                        <a:buSzTx/>
+                        <a:buFontTx/>
+                        <a:buNone/>
+                        <a:tabLst/>
+                        <a:defRPr/>
+                      </a:pPr>
+                      <a:r>
+                        <a:rPr lang="en-US" altLang="zh-TW" dirty="0" err="1">
+                          <a:latin typeface="Times New Roman" panose="02020603050405020304" pitchFamily="18" charset="0"/>
+                          <a:ea typeface="標楷體" panose="03000509000000000000" pitchFamily="65" charset="-120"/>
+                          <a:cs typeface="Times New Roman" panose="02020603050405020304" pitchFamily="18" charset="0"/>
+                        </a:rPr>
+                        <a:t>Resize_image</a:t>
+                      </a:r>
+                      <a:endParaRPr lang="zh-TW" altLang="en-US" dirty="0">
+                        <a:latin typeface="Times New Roman" panose="02020603050405020304" pitchFamily="18" charset="0"/>
+                        <a:ea typeface="標楷體" panose="03000509000000000000" pitchFamily="65" charset="-120"/>
+                        <a:cs typeface="Times New Roman" panose="02020603050405020304" pitchFamily="18" charset="0"/>
+                      </a:endParaRPr>
+                    </a:p>
+                  </a:txBody>
+                  <a:tcPr/>
+                </a:tc>
+                <a:extLst>
+                  <a:ext uri="{0D108BD9-81ED-4DB2-BD59-A6C34878D82A}">
+                    <a16:rowId xmlns:a16="http://schemas.microsoft.com/office/drawing/2014/main" val="1404366953"/>
+                  </a:ext>
+                </a:extLst>
+              </a:tr>
+              <a:tr h="370840">
+                <a:tc>
+                  <a:txBody>
+                    <a:bodyPr/>
+                    <a:lstStyle/>
+                    <a:p>
+                      <a:r>
+                        <a:rPr lang="en-US" altLang="zh-TW" dirty="0">
+                          <a:latin typeface="Times New Roman" panose="02020603050405020304" pitchFamily="18" charset="0"/>
+                          <a:ea typeface="標楷體" panose="03000509000000000000" pitchFamily="65" charset="-120"/>
+                          <a:cs typeface="Times New Roman" panose="02020603050405020304" pitchFamily="18" charset="0"/>
+                        </a:rPr>
+                        <a:t>Input:</a:t>
+                      </a:r>
+                      <a:endParaRPr lang="zh-TW" altLang="en-US" dirty="0">
+                        <a:latin typeface="Times New Roman" panose="02020603050405020304" pitchFamily="18" charset="0"/>
+                        <a:ea typeface="標楷體" panose="03000509000000000000" pitchFamily="65" charset="-120"/>
+                        <a:cs typeface="Times New Roman" panose="02020603050405020304" pitchFamily="18" charset="0"/>
+                      </a:endParaRPr>
+                    </a:p>
+                  </a:txBody>
+                  <a:tcPr/>
+                </a:tc>
+                <a:tc>
+                  <a:txBody>
+                    <a:bodyPr/>
+                    <a:lstStyle/>
+                    <a:p>
+                      <a:r>
+                        <a:rPr lang="en-US" altLang="zh-TW" dirty="0">
+                          <a:latin typeface="Times New Roman" panose="02020603050405020304" pitchFamily="18" charset="0"/>
+                          <a:ea typeface="標楷體" panose="03000509000000000000" pitchFamily="65" charset="-120"/>
+                          <a:cs typeface="Times New Roman" panose="02020603050405020304" pitchFamily="18" charset="0"/>
+                        </a:rPr>
+                        <a:t>5150</a:t>
+                      </a:r>
+                      <a:r>
+                        <a:rPr lang="zh-TW" altLang="en-US" dirty="0">
+                          <a:latin typeface="Times New Roman" panose="02020603050405020304" pitchFamily="18" charset="0"/>
+                          <a:ea typeface="標楷體" panose="03000509000000000000" pitchFamily="65" charset="-120"/>
+                          <a:cs typeface="Times New Roman" panose="02020603050405020304" pitchFamily="18" charset="0"/>
+                        </a:rPr>
+                        <a:t>輸入影像</a:t>
+                      </a:r>
+                    </a:p>
+                  </a:txBody>
+                  <a:tcPr/>
+                </a:tc>
+                <a:extLst>
+                  <a:ext uri="{0D108BD9-81ED-4DB2-BD59-A6C34878D82A}">
+                    <a16:rowId xmlns:a16="http://schemas.microsoft.com/office/drawing/2014/main" val="2398650068"/>
+                  </a:ext>
+                </a:extLst>
+              </a:tr>
+              <a:tr h="370840">
+                <a:tc>
+                  <a:txBody>
+                    <a:bodyPr/>
+                    <a:lstStyle/>
+                    <a:p>
+                      <a:r>
+                        <a:rPr lang="en-US" altLang="zh-TW" dirty="0">
+                          <a:latin typeface="Times New Roman" panose="02020603050405020304" pitchFamily="18" charset="0"/>
+                          <a:ea typeface="標楷體" panose="03000509000000000000" pitchFamily="65" charset="-120"/>
+                          <a:cs typeface="Times New Roman" panose="02020603050405020304" pitchFamily="18" charset="0"/>
+                        </a:rPr>
+                        <a:t>Output:</a:t>
+                      </a:r>
+                      <a:endParaRPr lang="zh-TW" altLang="en-US" dirty="0">
+                        <a:latin typeface="Times New Roman" panose="02020603050405020304" pitchFamily="18" charset="0"/>
+                        <a:ea typeface="標楷體" panose="03000509000000000000" pitchFamily="65" charset="-120"/>
+                        <a:cs typeface="Times New Roman" panose="02020603050405020304" pitchFamily="18" charset="0"/>
+                      </a:endParaRPr>
+                    </a:p>
+                  </a:txBody>
+                  <a:tcPr/>
+                </a:tc>
+                <a:tc>
+                  <a:txBody>
+                    <a:bodyPr/>
+                    <a:lstStyle/>
+                    <a:p>
+                      <a:r>
+                        <a:rPr lang="zh-TW" altLang="en-US" dirty="0">
+                          <a:latin typeface="Times New Roman" panose="02020603050405020304" pitchFamily="18" charset="0"/>
+                          <a:ea typeface="標楷體" panose="03000509000000000000" pitchFamily="65" charset="-120"/>
+                          <a:cs typeface="Times New Roman" panose="02020603050405020304" pitchFamily="18" charset="0"/>
+                        </a:rPr>
+                        <a:t>五組</a:t>
+                      </a:r>
+                      <a:r>
+                        <a:rPr lang="en-US" altLang="zh-TW" dirty="0">
+                          <a:latin typeface="Times New Roman" panose="02020603050405020304" pitchFamily="18" charset="0"/>
+                          <a:ea typeface="標楷體" panose="03000509000000000000" pitchFamily="65" charset="-120"/>
+                          <a:cs typeface="Times New Roman" panose="02020603050405020304" pitchFamily="18" charset="0"/>
+                        </a:rPr>
+                        <a:t>1:2</a:t>
+                      </a:r>
+                      <a:r>
+                        <a:rPr lang="zh-TW" altLang="en-US" dirty="0">
+                          <a:latin typeface="Times New Roman" panose="02020603050405020304" pitchFamily="18" charset="0"/>
+                          <a:ea typeface="標楷體" panose="03000509000000000000" pitchFamily="65" charset="-120"/>
+                          <a:cs typeface="Times New Roman" panose="02020603050405020304" pitchFamily="18" charset="0"/>
+                        </a:rPr>
+                        <a:t>影像 </a:t>
+                      </a:r>
+                      <a:r>
+                        <a:rPr lang="en-US" altLang="zh-TW" dirty="0">
+                          <a:latin typeface="Times New Roman" panose="02020603050405020304" pitchFamily="18" charset="0"/>
+                          <a:ea typeface="標楷體" panose="03000509000000000000" pitchFamily="65" charset="-120"/>
+                          <a:cs typeface="Times New Roman" panose="02020603050405020304" pitchFamily="18" charset="0"/>
+                        </a:rPr>
+                        <a:t>(</a:t>
+                      </a:r>
+                      <a:r>
+                        <a:rPr lang="zh-TW" altLang="en-US" dirty="0">
+                          <a:latin typeface="Times New Roman" panose="02020603050405020304" pitchFamily="18" charset="0"/>
+                          <a:ea typeface="標楷體" panose="03000509000000000000" pitchFamily="65" charset="-120"/>
+                          <a:cs typeface="Times New Roman" panose="02020603050405020304" pitchFamily="18" charset="0"/>
+                        </a:rPr>
+                        <a:t>例</a:t>
+                      </a:r>
+                      <a:r>
+                        <a:rPr lang="en-US" altLang="zh-TW" dirty="0">
+                          <a:latin typeface="Times New Roman" panose="02020603050405020304" pitchFamily="18" charset="0"/>
+                          <a:ea typeface="標楷體" panose="03000509000000000000" pitchFamily="65" charset="-120"/>
+                          <a:cs typeface="Times New Roman" panose="02020603050405020304" pitchFamily="18" charset="0"/>
+                        </a:rPr>
+                        <a:t>:64</a:t>
+                      </a:r>
+                      <a:r>
+                        <a:rPr lang="zh-TW" altLang="en-US" dirty="0">
+                          <a:latin typeface="Times New Roman" panose="02020603050405020304" pitchFamily="18" charset="0"/>
+                          <a:ea typeface="標楷體" panose="03000509000000000000" pitchFamily="65" charset="-120"/>
+                          <a:cs typeface="Times New Roman" panose="02020603050405020304" pitchFamily="18" charset="0"/>
+                        </a:rPr>
+                        <a:t>*</a:t>
+                      </a:r>
+                      <a:r>
+                        <a:rPr lang="en-US" altLang="zh-TW" dirty="0">
+                          <a:latin typeface="Times New Roman" panose="02020603050405020304" pitchFamily="18" charset="0"/>
+                          <a:ea typeface="標楷體" panose="03000509000000000000" pitchFamily="65" charset="-120"/>
+                          <a:cs typeface="Times New Roman" panose="02020603050405020304" pitchFamily="18" charset="0"/>
+                        </a:rPr>
+                        <a:t>128)</a:t>
+                      </a:r>
+                      <a:endParaRPr lang="zh-TW" altLang="en-US" dirty="0">
+                        <a:latin typeface="Times New Roman" panose="02020603050405020304" pitchFamily="18" charset="0"/>
+                        <a:ea typeface="標楷體" panose="03000509000000000000" pitchFamily="65" charset="-120"/>
+                        <a:cs typeface="Times New Roman" panose="02020603050405020304" pitchFamily="18" charset="0"/>
+                      </a:endParaRPr>
+                    </a:p>
+                  </a:txBody>
+                  <a:tcPr/>
+                </a:tc>
+                <a:extLst>
+                  <a:ext uri="{0D108BD9-81ED-4DB2-BD59-A6C34878D82A}">
+                    <a16:rowId xmlns:a16="http://schemas.microsoft.com/office/drawing/2014/main" val="2653937211"/>
+                  </a:ext>
+                </a:extLst>
+              </a:tr>
+              <a:tr h="370840">
+                <a:tc>
+                  <a:txBody>
+                    <a:bodyPr/>
+                    <a:lstStyle/>
+                    <a:p>
+                      <a:r>
+                        <a:rPr lang="en-US" altLang="zh-TW" dirty="0">
+                          <a:latin typeface="Times New Roman" panose="02020603050405020304" pitchFamily="18" charset="0"/>
+                          <a:ea typeface="標楷體" panose="03000509000000000000" pitchFamily="65" charset="-120"/>
+                          <a:cs typeface="Times New Roman" panose="02020603050405020304" pitchFamily="18" charset="0"/>
+                        </a:rPr>
+                        <a:t>Parameters:</a:t>
+                      </a:r>
+                      <a:endParaRPr lang="zh-TW" altLang="en-US" dirty="0">
+                        <a:latin typeface="Times New Roman" panose="02020603050405020304" pitchFamily="18" charset="0"/>
+                        <a:ea typeface="標楷體" panose="03000509000000000000" pitchFamily="65" charset="-120"/>
+                        <a:cs typeface="Times New Roman" panose="02020603050405020304" pitchFamily="18" charset="0"/>
+                      </a:endParaRPr>
+                    </a:p>
+                  </a:txBody>
+                  <a:tcPr/>
+                </a:tc>
+                <a:tc>
+                  <a:txBody>
+                    <a:bodyPr/>
+                    <a:lstStyle/>
+                    <a:p>
+                      <a:endParaRPr lang="zh-TW" altLang="en-US" dirty="0">
+                        <a:latin typeface="Times New Roman" panose="02020603050405020304" pitchFamily="18" charset="0"/>
+                        <a:ea typeface="標楷體" panose="03000509000000000000" pitchFamily="65" charset="-120"/>
+                        <a:cs typeface="Times New Roman" panose="02020603050405020304" pitchFamily="18" charset="0"/>
+                      </a:endParaRPr>
+                    </a:p>
+                  </a:txBody>
+                  <a:tcPr/>
+                </a:tc>
+                <a:extLst>
+                  <a:ext uri="{0D108BD9-81ED-4DB2-BD59-A6C34878D82A}">
+                    <a16:rowId xmlns:a16="http://schemas.microsoft.com/office/drawing/2014/main" val="2758747889"/>
+                  </a:ext>
+                </a:extLst>
+              </a:tr>
+              <a:tr h="370840">
+                <a:tc>
+                  <a:txBody>
+                    <a:bodyPr/>
+                    <a:lstStyle/>
+                    <a:p>
+                      <a:r>
+                        <a:rPr lang="en-US" altLang="zh-TW" dirty="0">
+                          <a:latin typeface="Times New Roman" panose="02020603050405020304" pitchFamily="18" charset="0"/>
+                          <a:ea typeface="標楷體" panose="03000509000000000000" pitchFamily="65" charset="-120"/>
+                          <a:cs typeface="Times New Roman" panose="02020603050405020304" pitchFamily="18" charset="0"/>
+                        </a:rPr>
+                        <a:t>Method:</a:t>
+                      </a:r>
+                      <a:endParaRPr lang="zh-TW" altLang="en-US" dirty="0">
+                        <a:latin typeface="Times New Roman" panose="02020603050405020304" pitchFamily="18" charset="0"/>
+                        <a:ea typeface="標楷體" panose="03000509000000000000" pitchFamily="65" charset="-120"/>
+                        <a:cs typeface="Times New Roman" panose="02020603050405020304" pitchFamily="18" charset="0"/>
+                      </a:endParaRPr>
+                    </a:p>
+                  </a:txBody>
+                  <a:tcPr/>
+                </a:tc>
+                <a:tc>
+                  <a:txBody>
+                    <a:bodyPr/>
+                    <a:lstStyle/>
+                    <a:p>
+                      <a:r>
+                        <a:rPr lang="zh-TW" altLang="en-US" dirty="0">
+                          <a:latin typeface="Times New Roman" panose="02020603050405020304" pitchFamily="18" charset="0"/>
+                          <a:ea typeface="標楷體" panose="03000509000000000000" pitchFamily="65" charset="-120"/>
+                          <a:cs typeface="Times New Roman" panose="02020603050405020304" pitchFamily="18" charset="0"/>
+                        </a:rPr>
+                        <a:t>利用內插法，算出兩張放大、縮小跟原圖相差的倍數</a:t>
+                      </a:r>
+                    </a:p>
+                  </a:txBody>
+                  <a:tcPr/>
+                </a:tc>
+                <a:extLst>
+                  <a:ext uri="{0D108BD9-81ED-4DB2-BD59-A6C34878D82A}">
+                    <a16:rowId xmlns:a16="http://schemas.microsoft.com/office/drawing/2014/main" val="3474680297"/>
+                  </a:ext>
+                </a:extLst>
+              </a:tr>
+            </a:tbl>
+          </a:graphicData>
+        </a:graphic>
+      </p:graphicFrame>
+      <p:graphicFrame>
+        <p:nvGraphicFramePr>
+          <p:cNvPr id="3" name="表格 2">
+            <a:extLst>
+              <a:ext uri="{FF2B5EF4-FFF2-40B4-BE49-F238E27FC236}">
+                <a16:creationId xmlns:a16="http://schemas.microsoft.com/office/drawing/2014/main" id="{5CD035D7-B5D7-4368-9A0A-2A1D27FFDE2E}"/>
+              </a:ext>
+            </a:extLst>
+          </p:cNvPr>
+          <p:cNvGraphicFramePr>
+            <a:graphicFrameLocks noGrp="1"/>
+          </p:cNvGraphicFramePr>
+          <p:nvPr/>
+        </p:nvGraphicFramePr>
+        <p:xfrm>
+          <a:off x="2032000" y="1497501"/>
+          <a:ext cx="8128000" cy="2123440"/>
+        </p:xfrm>
+        <a:graphic>
+          <a:graphicData uri="http://schemas.openxmlformats.org/drawingml/2006/table">
+            <a:tbl>
+              <a:tblPr firstRow="1" bandRow="1">
+                <a:tableStyleId>{5C22544A-7EE6-4342-B048-85BDC9FD1C3A}</a:tableStyleId>
+              </a:tblPr>
+              <a:tblGrid>
+                <a:gridCol w="4064000">
+                  <a:extLst>
+                    <a:ext uri="{9D8B030D-6E8A-4147-A177-3AD203B41FA5}">
+                      <a16:colId xmlns:a16="http://schemas.microsoft.com/office/drawing/2014/main" val="1947069483"/>
+                    </a:ext>
+                  </a:extLst>
+                </a:gridCol>
+                <a:gridCol w="4064000">
+                  <a:extLst>
+                    <a:ext uri="{9D8B030D-6E8A-4147-A177-3AD203B41FA5}">
+                      <a16:colId xmlns:a16="http://schemas.microsoft.com/office/drawing/2014/main" val="3956803572"/>
+                    </a:ext>
+                  </a:extLst>
+                </a:gridCol>
+              </a:tblGrid>
+              <a:tr h="370840">
+                <a:tc>
+                  <a:txBody>
+                    <a:bodyPr/>
+                    <a:lstStyle/>
+                    <a:p>
+                      <a:endParaRPr lang="zh-TW" altLang="en-US" dirty="0">
+                        <a:latin typeface="Times New Roman" panose="02020603050405020304" pitchFamily="18" charset="0"/>
+                        <a:ea typeface="標楷體" panose="03000509000000000000" pitchFamily="65" charset="-120"/>
+                        <a:cs typeface="Times New Roman" panose="02020603050405020304" pitchFamily="18" charset="0"/>
+                      </a:endParaRPr>
+                    </a:p>
+                  </a:txBody>
+                  <a:tcPr/>
+                </a:tc>
+                <a:tc>
+                  <a:txBody>
+                    <a:bodyPr/>
+                    <a:lstStyle/>
+                    <a:p>
+                      <a:pPr marL="0" marR="0" lvl="0" indent="0" algn="l" defTabSz="914400" rtl="0" eaLnBrk="1" fontAlgn="auto" latinLnBrk="0" hangingPunct="1">
+                        <a:lnSpc>
+                          <a:spcPct val="100000"/>
+                        </a:lnSpc>
+                        <a:spcBef>
+                          <a:spcPts val="0"/>
+                        </a:spcBef>
+                        <a:spcAft>
+                          <a:spcPts val="0"/>
+                        </a:spcAft>
+                        <a:buClrTx/>
+                        <a:buSzTx/>
+                        <a:buFontTx/>
+                        <a:buNone/>
+                        <a:tabLst/>
+                        <a:defRPr/>
+                      </a:pPr>
+                      <a:r>
+                        <a:rPr lang="en-US" altLang="zh-TW" dirty="0">
+                          <a:latin typeface="Times New Roman" panose="02020603050405020304" pitchFamily="18" charset="0"/>
+                          <a:ea typeface="標楷體" panose="03000509000000000000" pitchFamily="65" charset="-120"/>
+                          <a:cs typeface="Times New Roman" panose="02020603050405020304" pitchFamily="18" charset="0"/>
+                        </a:rPr>
+                        <a:t>HOG</a:t>
+                      </a:r>
+                      <a:endParaRPr lang="zh-TW" altLang="en-US" dirty="0">
+                        <a:latin typeface="Times New Roman" panose="02020603050405020304" pitchFamily="18" charset="0"/>
+                        <a:ea typeface="標楷體" panose="03000509000000000000" pitchFamily="65" charset="-120"/>
+                        <a:cs typeface="Times New Roman" panose="02020603050405020304" pitchFamily="18" charset="0"/>
+                      </a:endParaRPr>
+                    </a:p>
+                  </a:txBody>
+                  <a:tcPr/>
+                </a:tc>
+                <a:extLst>
+                  <a:ext uri="{0D108BD9-81ED-4DB2-BD59-A6C34878D82A}">
+                    <a16:rowId xmlns:a16="http://schemas.microsoft.com/office/drawing/2014/main" val="653442009"/>
+                  </a:ext>
+                </a:extLst>
+              </a:tr>
+              <a:tr h="370840">
+                <a:tc>
+                  <a:txBody>
+                    <a:bodyPr/>
+                    <a:lstStyle/>
+                    <a:p>
+                      <a:r>
+                        <a:rPr lang="en-US" altLang="zh-TW" dirty="0">
+                          <a:latin typeface="Times New Roman" panose="02020603050405020304" pitchFamily="18" charset="0"/>
+                          <a:ea typeface="標楷體" panose="03000509000000000000" pitchFamily="65" charset="-120"/>
+                          <a:cs typeface="Times New Roman" panose="02020603050405020304" pitchFamily="18" charset="0"/>
+                        </a:rPr>
+                        <a:t>Input:</a:t>
+                      </a:r>
+                      <a:endParaRPr lang="zh-TW" altLang="en-US" dirty="0">
+                        <a:latin typeface="Times New Roman" panose="02020603050405020304" pitchFamily="18" charset="0"/>
+                        <a:ea typeface="標楷體" panose="03000509000000000000" pitchFamily="65" charset="-120"/>
+                        <a:cs typeface="Times New Roman" panose="02020603050405020304" pitchFamily="18" charset="0"/>
+                      </a:endParaRPr>
+                    </a:p>
+                  </a:txBody>
+                  <a:tcPr/>
+                </a:tc>
+                <a:tc>
+                  <a:txBody>
+                    <a:bodyPr/>
+                    <a:lstStyle/>
+                    <a:p>
+                      <a:r>
+                        <a:rPr lang="en-US" altLang="zh-TW" dirty="0">
+                          <a:latin typeface="Times New Roman" panose="02020603050405020304" pitchFamily="18" charset="0"/>
+                          <a:ea typeface="標楷體" panose="03000509000000000000" pitchFamily="65" charset="-120"/>
+                          <a:cs typeface="Times New Roman" panose="02020603050405020304" pitchFamily="18" charset="0"/>
+                        </a:rPr>
+                        <a:t>5150</a:t>
+                      </a:r>
+                      <a:r>
+                        <a:rPr lang="zh-TW" altLang="en-US" dirty="0">
+                          <a:latin typeface="Times New Roman" panose="02020603050405020304" pitchFamily="18" charset="0"/>
+                          <a:ea typeface="標楷體" panose="03000509000000000000" pitchFamily="65" charset="-120"/>
+                          <a:cs typeface="Times New Roman" panose="02020603050405020304" pitchFamily="18" charset="0"/>
+                        </a:rPr>
+                        <a:t>輸入影像</a:t>
+                      </a:r>
+                    </a:p>
+                  </a:txBody>
+                  <a:tcPr/>
+                </a:tc>
+                <a:extLst>
+                  <a:ext uri="{0D108BD9-81ED-4DB2-BD59-A6C34878D82A}">
+                    <a16:rowId xmlns:a16="http://schemas.microsoft.com/office/drawing/2014/main" val="3726895147"/>
+                  </a:ext>
+                </a:extLst>
+              </a:tr>
+              <a:tr h="370840">
+                <a:tc>
+                  <a:txBody>
+                    <a:bodyPr/>
+                    <a:lstStyle/>
+                    <a:p>
+                      <a:r>
+                        <a:rPr lang="en-US" altLang="zh-TW" dirty="0">
+                          <a:latin typeface="Times New Roman" panose="02020603050405020304" pitchFamily="18" charset="0"/>
+                          <a:ea typeface="標楷體" panose="03000509000000000000" pitchFamily="65" charset="-120"/>
+                          <a:cs typeface="Times New Roman" panose="02020603050405020304" pitchFamily="18" charset="0"/>
+                        </a:rPr>
+                        <a:t>Output:</a:t>
+                      </a:r>
+                      <a:endParaRPr lang="zh-TW" altLang="en-US" dirty="0">
+                        <a:latin typeface="Times New Roman" panose="02020603050405020304" pitchFamily="18" charset="0"/>
+                        <a:ea typeface="標楷體" panose="03000509000000000000" pitchFamily="65" charset="-120"/>
+                        <a:cs typeface="Times New Roman" panose="02020603050405020304" pitchFamily="18" charset="0"/>
+                      </a:endParaRPr>
+                    </a:p>
+                  </a:txBody>
+                  <a:tcPr/>
+                </a:tc>
+                <a:tc>
+                  <a:txBody>
+                    <a:bodyPr/>
+                    <a:lstStyle/>
+                    <a:p>
+                      <a:r>
+                        <a:rPr lang="zh-TW" altLang="en-US" dirty="0">
+                          <a:latin typeface="Times New Roman" panose="02020603050405020304" pitchFamily="18" charset="0"/>
+                          <a:ea typeface="標楷體" panose="03000509000000000000" pitchFamily="65" charset="-120"/>
+                          <a:cs typeface="Times New Roman" panose="02020603050405020304" pitchFamily="18" charset="0"/>
+                        </a:rPr>
+                        <a:t>五組</a:t>
+                      </a:r>
+                      <a:r>
+                        <a:rPr lang="en-US" altLang="zh-TW" dirty="0">
+                          <a:latin typeface="Times New Roman" panose="02020603050405020304" pitchFamily="18" charset="0"/>
+                          <a:ea typeface="標楷體" panose="03000509000000000000" pitchFamily="65" charset="-120"/>
+                          <a:cs typeface="Times New Roman" panose="02020603050405020304" pitchFamily="18" charset="0"/>
+                        </a:rPr>
+                        <a:t>1:2</a:t>
+                      </a:r>
+                      <a:r>
+                        <a:rPr lang="zh-TW" altLang="en-US" dirty="0">
+                          <a:latin typeface="Times New Roman" panose="02020603050405020304" pitchFamily="18" charset="0"/>
+                          <a:ea typeface="標楷體" panose="03000509000000000000" pitchFamily="65" charset="-120"/>
+                          <a:cs typeface="Times New Roman" panose="02020603050405020304" pitchFamily="18" charset="0"/>
+                        </a:rPr>
+                        <a:t>影像 </a:t>
+                      </a:r>
+                      <a:r>
+                        <a:rPr lang="en-US" altLang="zh-TW" dirty="0">
+                          <a:latin typeface="Times New Roman" panose="02020603050405020304" pitchFamily="18" charset="0"/>
+                          <a:ea typeface="標楷體" panose="03000509000000000000" pitchFamily="65" charset="-120"/>
+                          <a:cs typeface="Times New Roman" panose="02020603050405020304" pitchFamily="18" charset="0"/>
+                        </a:rPr>
+                        <a:t>(</a:t>
+                      </a:r>
+                      <a:r>
+                        <a:rPr lang="zh-TW" altLang="en-US" dirty="0">
+                          <a:latin typeface="Times New Roman" panose="02020603050405020304" pitchFamily="18" charset="0"/>
+                          <a:ea typeface="標楷體" panose="03000509000000000000" pitchFamily="65" charset="-120"/>
+                          <a:cs typeface="Times New Roman" panose="02020603050405020304" pitchFamily="18" charset="0"/>
+                        </a:rPr>
+                        <a:t>例</a:t>
+                      </a:r>
+                      <a:r>
+                        <a:rPr lang="en-US" altLang="zh-TW" dirty="0">
+                          <a:latin typeface="Times New Roman" panose="02020603050405020304" pitchFamily="18" charset="0"/>
+                          <a:ea typeface="標楷體" panose="03000509000000000000" pitchFamily="65" charset="-120"/>
+                          <a:cs typeface="Times New Roman" panose="02020603050405020304" pitchFamily="18" charset="0"/>
+                        </a:rPr>
+                        <a:t>:64</a:t>
+                      </a:r>
+                      <a:r>
+                        <a:rPr lang="zh-TW" altLang="en-US" dirty="0">
+                          <a:latin typeface="Times New Roman" panose="02020603050405020304" pitchFamily="18" charset="0"/>
+                          <a:ea typeface="標楷體" panose="03000509000000000000" pitchFamily="65" charset="-120"/>
+                          <a:cs typeface="Times New Roman" panose="02020603050405020304" pitchFamily="18" charset="0"/>
+                        </a:rPr>
+                        <a:t>*</a:t>
+                      </a:r>
+                      <a:r>
+                        <a:rPr lang="en-US" altLang="zh-TW" dirty="0">
+                          <a:latin typeface="Times New Roman" panose="02020603050405020304" pitchFamily="18" charset="0"/>
+                          <a:ea typeface="標楷體" panose="03000509000000000000" pitchFamily="65" charset="-120"/>
+                          <a:cs typeface="Times New Roman" panose="02020603050405020304" pitchFamily="18" charset="0"/>
+                        </a:rPr>
+                        <a:t>128)</a:t>
+                      </a:r>
+                      <a:endParaRPr lang="zh-TW" altLang="en-US" dirty="0">
+                        <a:latin typeface="Times New Roman" panose="02020603050405020304" pitchFamily="18" charset="0"/>
+                        <a:ea typeface="標楷體" panose="03000509000000000000" pitchFamily="65" charset="-120"/>
+                        <a:cs typeface="Times New Roman" panose="02020603050405020304" pitchFamily="18" charset="0"/>
+                      </a:endParaRPr>
+                    </a:p>
+                  </a:txBody>
+                  <a:tcPr/>
+                </a:tc>
+                <a:extLst>
+                  <a:ext uri="{0D108BD9-81ED-4DB2-BD59-A6C34878D82A}">
+                    <a16:rowId xmlns:a16="http://schemas.microsoft.com/office/drawing/2014/main" val="4144795178"/>
+                  </a:ext>
+                </a:extLst>
+              </a:tr>
+              <a:tr h="370840">
+                <a:tc>
+                  <a:txBody>
+                    <a:bodyPr/>
+                    <a:lstStyle/>
+                    <a:p>
+                      <a:r>
+                        <a:rPr lang="en-US" altLang="zh-TW" dirty="0">
+                          <a:latin typeface="Times New Roman" panose="02020603050405020304" pitchFamily="18" charset="0"/>
+                          <a:ea typeface="標楷體" panose="03000509000000000000" pitchFamily="65" charset="-120"/>
+                          <a:cs typeface="Times New Roman" panose="02020603050405020304" pitchFamily="18" charset="0"/>
+                        </a:rPr>
+                        <a:t>Parameters:</a:t>
+                      </a:r>
+                      <a:endParaRPr lang="zh-TW" altLang="en-US" dirty="0">
+                        <a:latin typeface="Times New Roman" panose="02020603050405020304" pitchFamily="18" charset="0"/>
+                        <a:ea typeface="標楷體" panose="03000509000000000000" pitchFamily="65" charset="-120"/>
+                        <a:cs typeface="Times New Roman" panose="02020603050405020304" pitchFamily="18" charset="0"/>
+                      </a:endParaRPr>
+                    </a:p>
+                  </a:txBody>
+                  <a:tcPr/>
+                </a:tc>
+                <a:tc>
+                  <a:txBody>
+                    <a:bodyPr/>
+                    <a:lstStyle/>
+                    <a:p>
+                      <a:endParaRPr lang="zh-TW" altLang="en-US" dirty="0">
+                        <a:latin typeface="Times New Roman" panose="02020603050405020304" pitchFamily="18" charset="0"/>
+                        <a:ea typeface="標楷體" panose="03000509000000000000" pitchFamily="65" charset="-120"/>
+                        <a:cs typeface="Times New Roman" panose="02020603050405020304" pitchFamily="18" charset="0"/>
+                      </a:endParaRPr>
+                    </a:p>
+                  </a:txBody>
+                  <a:tcPr/>
+                </a:tc>
+                <a:extLst>
+                  <a:ext uri="{0D108BD9-81ED-4DB2-BD59-A6C34878D82A}">
+                    <a16:rowId xmlns:a16="http://schemas.microsoft.com/office/drawing/2014/main" val="2500576698"/>
+                  </a:ext>
+                </a:extLst>
+              </a:tr>
+              <a:tr h="370840">
+                <a:tc>
+                  <a:txBody>
+                    <a:bodyPr/>
+                    <a:lstStyle/>
+                    <a:p>
+                      <a:r>
+                        <a:rPr lang="en-US" altLang="zh-TW" dirty="0">
+                          <a:latin typeface="Times New Roman" panose="02020603050405020304" pitchFamily="18" charset="0"/>
+                          <a:ea typeface="標楷體" panose="03000509000000000000" pitchFamily="65" charset="-120"/>
+                          <a:cs typeface="Times New Roman" panose="02020603050405020304" pitchFamily="18" charset="0"/>
+                        </a:rPr>
+                        <a:t>Method:</a:t>
+                      </a:r>
+                      <a:endParaRPr lang="zh-TW" altLang="en-US" dirty="0">
+                        <a:latin typeface="Times New Roman" panose="02020603050405020304" pitchFamily="18" charset="0"/>
+                        <a:ea typeface="標楷體" panose="03000509000000000000" pitchFamily="65" charset="-120"/>
+                        <a:cs typeface="Times New Roman" panose="02020603050405020304" pitchFamily="18" charset="0"/>
+                      </a:endParaRPr>
+                    </a:p>
+                  </a:txBody>
+                  <a:tcPr/>
+                </a:tc>
+                <a:tc>
+                  <a:txBody>
+                    <a:bodyPr/>
+                    <a:lstStyle/>
+                    <a:p>
+                      <a:r>
+                        <a:rPr lang="zh-TW" altLang="en-US" dirty="0">
+                          <a:latin typeface="Times New Roman" panose="02020603050405020304" pitchFamily="18" charset="0"/>
+                          <a:ea typeface="標楷體" panose="03000509000000000000" pitchFamily="65" charset="-120"/>
+                          <a:cs typeface="Times New Roman" panose="02020603050405020304" pitchFamily="18" charset="0"/>
+                        </a:rPr>
+                        <a:t>利用內插法，算出兩張放大、縮小跟原圖相差的倍數</a:t>
+                      </a:r>
+                    </a:p>
+                  </a:txBody>
+                  <a:tcPr/>
+                </a:tc>
+                <a:extLst>
+                  <a:ext uri="{0D108BD9-81ED-4DB2-BD59-A6C34878D82A}">
+                    <a16:rowId xmlns:a16="http://schemas.microsoft.com/office/drawing/2014/main" val="216353938"/>
+                  </a:ext>
+                </a:extLst>
+              </a:tr>
+            </a:tbl>
+          </a:graphicData>
+        </a:graphic>
+      </p:graphicFrame>
+    </p:spTree>
+    <p:extLst>
+      <p:ext uri="{BB962C8B-B14F-4D97-AF65-F5344CB8AC3E}">
+        <p14:creationId xmlns:p14="http://schemas.microsoft.com/office/powerpoint/2010/main" val="3013650865"/>
+      </p:ext>
+    </p:extLst>
+  </p:cSld>
+  <p:clrMapOvr>
+    <a:masterClrMapping/>
+  </p:clrMapOvr>
+</p:sld>
+</file>
+
+<file path=ppt/slides/slide11.xml><?xml version="1.0" encoding="utf-8"?>
+<p:sld xmlns:a="http://schemas.openxmlformats.org/drawingml/2006/main" xmlns:r="http://schemas.openxmlformats.org/officeDocument/2006/relationships" xmlns:p="http://schemas.openxmlformats.org/presentationml/2006/main">
+  <p:cSld>
+    <p:spTree>
+      <p:nvGrpSpPr>
+        <p:cNvPr id="1" name=""/>
+        <p:cNvGrpSpPr/>
+        <p:nvPr/>
+      </p:nvGrpSpPr>
+      <p:grpSpPr>
+        <a:xfrm>
+          <a:off x="0" y="0"/>
+          <a:ext cx="0" cy="0"/>
+          <a:chOff x="0" y="0"/>
+          <a:chExt cx="0" cy="0"/>
+        </a:xfrm>
+      </p:grpSpPr>
+      <p:sp>
+        <p:nvSpPr>
+          <p:cNvPr id="4" name="標題 3"/>
+          <p:cNvSpPr>
+            <a:spLocks noGrp="1"/>
+          </p:cNvSpPr>
+          <p:nvPr>
+            <p:ph type="title"/>
+          </p:nvPr>
+        </p:nvSpPr>
+        <p:spPr/>
+        <p:txBody>
+          <a:bodyPr/>
+          <a:lstStyle/>
+          <a:p>
+            <a:r>
+              <a:rPr lang="zh-TW" altLang="en-US" dirty="0"/>
+              <a:t>系統分析 </a:t>
+            </a:r>
+            <a:r>
+              <a:rPr lang="en-US" altLang="zh-TW" dirty="0"/>
+              <a:t>–</a:t>
+            </a:r>
+            <a:r>
+              <a:rPr lang="zh-TW" altLang="en-US" dirty="0"/>
+              <a:t> </a:t>
+            </a:r>
+            <a:r>
+              <a:rPr lang="en-US" altLang="zh-TW" dirty="0"/>
+              <a:t>API</a:t>
+            </a:r>
+            <a:r>
+              <a:rPr lang="en-US" altLang="zh-TW" dirty="0">
+                <a:solidFill>
+                  <a:srgbClr val="FF0000"/>
+                </a:solidFill>
+                <a:highlight>
+                  <a:srgbClr val="FFFF00"/>
+                </a:highlight>
+              </a:rPr>
+              <a:t>(2024/12/12)</a:t>
+            </a:r>
+            <a:endParaRPr lang="zh-TW" altLang="en-US" dirty="0"/>
+          </a:p>
+        </p:txBody>
+      </p:sp>
+      <p:graphicFrame>
+        <p:nvGraphicFramePr>
+          <p:cNvPr id="2" name="表格 1">
+            <a:extLst>
+              <a:ext uri="{FF2B5EF4-FFF2-40B4-BE49-F238E27FC236}">
+                <a16:creationId xmlns:a16="http://schemas.microsoft.com/office/drawing/2014/main" id="{85BA4C2F-261D-453D-A25B-13D39BD3CD42}"/>
+              </a:ext>
+            </a:extLst>
+          </p:cNvPr>
+          <p:cNvGraphicFramePr>
+            <a:graphicFrameLocks noGrp="1"/>
+          </p:cNvGraphicFramePr>
+          <p:nvPr>
+            <p:extLst>
+              <p:ext uri="{D42A27DB-BD31-4B8C-83A1-F6EECF244321}">
+                <p14:modId xmlns:p14="http://schemas.microsoft.com/office/powerpoint/2010/main" val="1905113266"/>
+              </p:ext>
+            </p:extLst>
+          </p:nvPr>
+        </p:nvGraphicFramePr>
+        <p:xfrm>
+          <a:off x="2032000" y="4033318"/>
+          <a:ext cx="8128000" cy="1854200"/>
+        </p:xfrm>
+        <a:graphic>
+          <a:graphicData uri="http://schemas.openxmlformats.org/drawingml/2006/table">
+            <a:tbl>
+              <a:tblPr firstRow="1" bandRow="1">
+                <a:tableStyleId>{5C22544A-7EE6-4342-B048-85BDC9FD1C3A}</a:tableStyleId>
+              </a:tblPr>
+              <a:tblGrid>
+                <a:gridCol w="4064000">
+                  <a:extLst>
+                    <a:ext uri="{9D8B030D-6E8A-4147-A177-3AD203B41FA5}">
+                      <a16:colId xmlns:a16="http://schemas.microsoft.com/office/drawing/2014/main" val="65457947"/>
+                    </a:ext>
+                  </a:extLst>
+                </a:gridCol>
+                <a:gridCol w="4064000">
+                  <a:extLst>
+                    <a:ext uri="{9D8B030D-6E8A-4147-A177-3AD203B41FA5}">
+                      <a16:colId xmlns:a16="http://schemas.microsoft.com/office/drawing/2014/main" val="1560695292"/>
+                    </a:ext>
+                  </a:extLst>
+                </a:gridCol>
+              </a:tblGrid>
+              <a:tr h="370840">
+                <a:tc>
+                  <a:txBody>
+                    <a:bodyPr/>
+                    <a:lstStyle/>
+                    <a:p>
+                      <a:endParaRPr lang="zh-TW" altLang="en-US" dirty="0">
+                        <a:latin typeface="Times New Roman" panose="02020603050405020304" pitchFamily="18" charset="0"/>
+                        <a:ea typeface="標楷體" panose="03000509000000000000" pitchFamily="65" charset="-120"/>
+                        <a:cs typeface="Times New Roman" panose="02020603050405020304" pitchFamily="18" charset="0"/>
+                      </a:endParaRPr>
+                    </a:p>
+                  </a:txBody>
+                  <a:tcPr/>
+                </a:tc>
+                <a:tc>
+                  <a:txBody>
+                    <a:bodyPr/>
+                    <a:lstStyle/>
+                    <a:p>
+                      <a:pPr marL="0" marR="0" lvl="0" indent="0" algn="l" defTabSz="914400" rtl="0" eaLnBrk="1" fontAlgn="auto" latinLnBrk="0" hangingPunct="1">
+                        <a:lnSpc>
+                          <a:spcPct val="100000"/>
+                        </a:lnSpc>
+                        <a:spcBef>
+                          <a:spcPts val="0"/>
+                        </a:spcBef>
+                        <a:spcAft>
+                          <a:spcPts val="0"/>
+                        </a:spcAft>
+                        <a:buClrTx/>
+                        <a:buSzTx/>
+                        <a:buFontTx/>
+                        <a:buNone/>
+                        <a:tabLst/>
+                        <a:defRPr/>
+                      </a:pPr>
+                      <a:r>
+                        <a:rPr lang="en-US" altLang="zh-TW" dirty="0">
+                          <a:latin typeface="Times New Roman" panose="02020603050405020304" pitchFamily="18" charset="0"/>
+                          <a:ea typeface="標楷體" panose="03000509000000000000" pitchFamily="65" charset="-120"/>
+                          <a:cs typeface="Times New Roman" panose="02020603050405020304" pitchFamily="18" charset="0"/>
+                        </a:rPr>
+                        <a:t>SVM</a:t>
+                      </a:r>
+                      <a:endParaRPr lang="zh-TW" altLang="en-US" dirty="0">
+                        <a:latin typeface="Times New Roman" panose="02020603050405020304" pitchFamily="18" charset="0"/>
+                        <a:ea typeface="標楷體" panose="03000509000000000000" pitchFamily="65" charset="-120"/>
+                        <a:cs typeface="Times New Roman" panose="02020603050405020304" pitchFamily="18" charset="0"/>
+                      </a:endParaRPr>
+                    </a:p>
+                  </a:txBody>
+                  <a:tcPr/>
+                </a:tc>
+                <a:extLst>
+                  <a:ext uri="{0D108BD9-81ED-4DB2-BD59-A6C34878D82A}">
+                    <a16:rowId xmlns:a16="http://schemas.microsoft.com/office/drawing/2014/main" val="1404366953"/>
+                  </a:ext>
+                </a:extLst>
+              </a:tr>
+              <a:tr h="370840">
+                <a:tc>
+                  <a:txBody>
+                    <a:bodyPr/>
+                    <a:lstStyle/>
+                    <a:p>
+                      <a:r>
+                        <a:rPr lang="en-US" altLang="zh-TW" dirty="0">
+                          <a:latin typeface="Times New Roman" panose="02020603050405020304" pitchFamily="18" charset="0"/>
+                          <a:ea typeface="標楷體" panose="03000509000000000000" pitchFamily="65" charset="-120"/>
+                          <a:cs typeface="Times New Roman" panose="02020603050405020304" pitchFamily="18" charset="0"/>
+                        </a:rPr>
+                        <a:t>Input:</a:t>
+                      </a:r>
+                      <a:endParaRPr lang="zh-TW" altLang="en-US" dirty="0">
+                        <a:latin typeface="Times New Roman" panose="02020603050405020304" pitchFamily="18" charset="0"/>
+                        <a:ea typeface="標楷體" panose="03000509000000000000" pitchFamily="65" charset="-120"/>
+                        <a:cs typeface="Times New Roman" panose="02020603050405020304" pitchFamily="18" charset="0"/>
+                      </a:endParaRPr>
+                    </a:p>
+                  </a:txBody>
+                  <a:tcPr/>
+                </a:tc>
+                <a:tc>
+                  <a:txBody>
+                    <a:bodyPr/>
+                    <a:lstStyle/>
+                    <a:p>
+                      <a:endParaRPr lang="zh-TW" altLang="en-US" dirty="0">
+                        <a:latin typeface="Times New Roman" panose="02020603050405020304" pitchFamily="18" charset="0"/>
+                        <a:ea typeface="標楷體" panose="03000509000000000000" pitchFamily="65" charset="-120"/>
+                        <a:cs typeface="Times New Roman" panose="02020603050405020304" pitchFamily="18" charset="0"/>
+                      </a:endParaRPr>
+                    </a:p>
+                  </a:txBody>
+                  <a:tcPr/>
+                </a:tc>
+                <a:extLst>
+                  <a:ext uri="{0D108BD9-81ED-4DB2-BD59-A6C34878D82A}">
+                    <a16:rowId xmlns:a16="http://schemas.microsoft.com/office/drawing/2014/main" val="2398650068"/>
+                  </a:ext>
+                </a:extLst>
+              </a:tr>
+              <a:tr h="370840">
+                <a:tc>
+                  <a:txBody>
+                    <a:bodyPr/>
+                    <a:lstStyle/>
+                    <a:p>
+                      <a:r>
+                        <a:rPr lang="en-US" altLang="zh-TW" dirty="0">
+                          <a:latin typeface="Times New Roman" panose="02020603050405020304" pitchFamily="18" charset="0"/>
+                          <a:ea typeface="標楷體" panose="03000509000000000000" pitchFamily="65" charset="-120"/>
+                          <a:cs typeface="Times New Roman" panose="02020603050405020304" pitchFamily="18" charset="0"/>
+                        </a:rPr>
+                        <a:t>Output:</a:t>
+                      </a:r>
+                      <a:endParaRPr lang="zh-TW" altLang="en-US" dirty="0">
+                        <a:latin typeface="Times New Roman" panose="02020603050405020304" pitchFamily="18" charset="0"/>
+                        <a:ea typeface="標楷體" panose="03000509000000000000" pitchFamily="65" charset="-120"/>
+                        <a:cs typeface="Times New Roman" panose="02020603050405020304" pitchFamily="18" charset="0"/>
+                      </a:endParaRPr>
+                    </a:p>
+                  </a:txBody>
+                  <a:tcPr/>
+                </a:tc>
+                <a:tc>
+                  <a:txBody>
+                    <a:bodyPr/>
+                    <a:lstStyle/>
+                    <a:p>
+                      <a:endParaRPr lang="zh-TW" altLang="en-US" dirty="0">
+                        <a:latin typeface="Times New Roman" panose="02020603050405020304" pitchFamily="18" charset="0"/>
+                        <a:ea typeface="標楷體" panose="03000509000000000000" pitchFamily="65" charset="-120"/>
+                        <a:cs typeface="Times New Roman" panose="02020603050405020304" pitchFamily="18" charset="0"/>
+                      </a:endParaRPr>
+                    </a:p>
+                  </a:txBody>
+                  <a:tcPr/>
+                </a:tc>
+                <a:extLst>
+                  <a:ext uri="{0D108BD9-81ED-4DB2-BD59-A6C34878D82A}">
+                    <a16:rowId xmlns:a16="http://schemas.microsoft.com/office/drawing/2014/main" val="2653937211"/>
+                  </a:ext>
+                </a:extLst>
+              </a:tr>
+              <a:tr h="370840">
+                <a:tc>
+                  <a:txBody>
+                    <a:bodyPr/>
+                    <a:lstStyle/>
+                    <a:p>
+                      <a:r>
+                        <a:rPr lang="en-US" altLang="zh-TW" dirty="0">
+                          <a:latin typeface="Times New Roman" panose="02020603050405020304" pitchFamily="18" charset="0"/>
+                          <a:ea typeface="標楷體" panose="03000509000000000000" pitchFamily="65" charset="-120"/>
+                          <a:cs typeface="Times New Roman" panose="02020603050405020304" pitchFamily="18" charset="0"/>
+                        </a:rPr>
+                        <a:t>Parameters:</a:t>
+                      </a:r>
+                      <a:endParaRPr lang="zh-TW" altLang="en-US" dirty="0">
+                        <a:latin typeface="Times New Roman" panose="02020603050405020304" pitchFamily="18" charset="0"/>
+                        <a:ea typeface="標楷體" panose="03000509000000000000" pitchFamily="65" charset="-120"/>
+                        <a:cs typeface="Times New Roman" panose="02020603050405020304" pitchFamily="18" charset="0"/>
+                      </a:endParaRPr>
+                    </a:p>
+                  </a:txBody>
+                  <a:tcPr/>
+                </a:tc>
+                <a:tc>
+                  <a:txBody>
+                    <a:bodyPr/>
+                    <a:lstStyle/>
+                    <a:p>
+                      <a:endParaRPr lang="zh-TW" altLang="en-US" dirty="0">
+                        <a:latin typeface="Times New Roman" panose="02020603050405020304" pitchFamily="18" charset="0"/>
+                        <a:ea typeface="標楷體" panose="03000509000000000000" pitchFamily="65" charset="-120"/>
+                        <a:cs typeface="Times New Roman" panose="02020603050405020304" pitchFamily="18" charset="0"/>
+                      </a:endParaRPr>
+                    </a:p>
+                  </a:txBody>
+                  <a:tcPr/>
+                </a:tc>
+                <a:extLst>
+                  <a:ext uri="{0D108BD9-81ED-4DB2-BD59-A6C34878D82A}">
+                    <a16:rowId xmlns:a16="http://schemas.microsoft.com/office/drawing/2014/main" val="2758747889"/>
+                  </a:ext>
+                </a:extLst>
+              </a:tr>
+              <a:tr h="370840">
+                <a:tc>
+                  <a:txBody>
+                    <a:bodyPr/>
+                    <a:lstStyle/>
+                    <a:p>
+                      <a:r>
+                        <a:rPr lang="en-US" altLang="zh-TW" dirty="0">
+                          <a:latin typeface="Times New Roman" panose="02020603050405020304" pitchFamily="18" charset="0"/>
+                          <a:ea typeface="標楷體" panose="03000509000000000000" pitchFamily="65" charset="-120"/>
+                          <a:cs typeface="Times New Roman" panose="02020603050405020304" pitchFamily="18" charset="0"/>
+                        </a:rPr>
+                        <a:t>Method:</a:t>
+                      </a:r>
+                      <a:endParaRPr lang="zh-TW" altLang="en-US" dirty="0">
+                        <a:latin typeface="Times New Roman" panose="02020603050405020304" pitchFamily="18" charset="0"/>
+                        <a:ea typeface="標楷體" panose="03000509000000000000" pitchFamily="65" charset="-120"/>
+                        <a:cs typeface="Times New Roman" panose="02020603050405020304" pitchFamily="18" charset="0"/>
+                      </a:endParaRPr>
+                    </a:p>
+                  </a:txBody>
+                  <a:tcPr/>
+                </a:tc>
+                <a:tc>
+                  <a:txBody>
+                    <a:bodyPr/>
+                    <a:lstStyle/>
+                    <a:p>
+                      <a:endParaRPr lang="zh-TW" altLang="en-US" dirty="0">
+                        <a:latin typeface="Times New Roman" panose="02020603050405020304" pitchFamily="18" charset="0"/>
+                        <a:ea typeface="標楷體" panose="03000509000000000000" pitchFamily="65" charset="-120"/>
+                        <a:cs typeface="Times New Roman" panose="02020603050405020304" pitchFamily="18" charset="0"/>
+                      </a:endParaRPr>
+                    </a:p>
+                  </a:txBody>
+                  <a:tcPr/>
+                </a:tc>
+                <a:extLst>
+                  <a:ext uri="{0D108BD9-81ED-4DB2-BD59-A6C34878D82A}">
+                    <a16:rowId xmlns:a16="http://schemas.microsoft.com/office/drawing/2014/main" val="3474680297"/>
+                  </a:ext>
+                </a:extLst>
+              </a:tr>
+            </a:tbl>
+          </a:graphicData>
+        </a:graphic>
+      </p:graphicFrame>
+      <p:graphicFrame>
+        <p:nvGraphicFramePr>
+          <p:cNvPr id="3" name="表格 2">
+            <a:extLst>
+              <a:ext uri="{FF2B5EF4-FFF2-40B4-BE49-F238E27FC236}">
+                <a16:creationId xmlns:a16="http://schemas.microsoft.com/office/drawing/2014/main" id="{5CD035D7-B5D7-4368-9A0A-2A1D27FFDE2E}"/>
+              </a:ext>
+            </a:extLst>
+          </p:cNvPr>
+          <p:cNvGraphicFramePr>
+            <a:graphicFrameLocks noGrp="1"/>
+          </p:cNvGraphicFramePr>
+          <p:nvPr>
+            <p:extLst>
+              <p:ext uri="{D42A27DB-BD31-4B8C-83A1-F6EECF244321}">
+                <p14:modId xmlns:p14="http://schemas.microsoft.com/office/powerpoint/2010/main" val="3010671945"/>
+              </p:ext>
+            </p:extLst>
+          </p:nvPr>
+        </p:nvGraphicFramePr>
+        <p:xfrm>
+          <a:off x="2032000" y="1497501"/>
+          <a:ext cx="8128000" cy="1854200"/>
+        </p:xfrm>
+        <a:graphic>
+          <a:graphicData uri="http://schemas.openxmlformats.org/drawingml/2006/table">
+            <a:tbl>
+              <a:tblPr firstRow="1" bandRow="1">
+                <a:tableStyleId>{5C22544A-7EE6-4342-B048-85BDC9FD1C3A}</a:tableStyleId>
+              </a:tblPr>
+              <a:tblGrid>
+                <a:gridCol w="4064000">
+                  <a:extLst>
+                    <a:ext uri="{9D8B030D-6E8A-4147-A177-3AD203B41FA5}">
+                      <a16:colId xmlns:a16="http://schemas.microsoft.com/office/drawing/2014/main" val="1947069483"/>
+                    </a:ext>
+                  </a:extLst>
+                </a:gridCol>
+                <a:gridCol w="4064000">
+                  <a:extLst>
+                    <a:ext uri="{9D8B030D-6E8A-4147-A177-3AD203B41FA5}">
+                      <a16:colId xmlns:a16="http://schemas.microsoft.com/office/drawing/2014/main" val="3956803572"/>
+                    </a:ext>
+                  </a:extLst>
+                </a:gridCol>
+              </a:tblGrid>
+              <a:tr h="370840">
+                <a:tc>
+                  <a:txBody>
+                    <a:bodyPr/>
+                    <a:lstStyle/>
+                    <a:p>
+                      <a:endParaRPr lang="zh-TW" altLang="en-US" dirty="0">
+                        <a:latin typeface="Times New Roman" panose="02020603050405020304" pitchFamily="18" charset="0"/>
+                        <a:ea typeface="標楷體" panose="03000509000000000000" pitchFamily="65" charset="-120"/>
+                        <a:cs typeface="Times New Roman" panose="02020603050405020304" pitchFamily="18" charset="0"/>
+                      </a:endParaRPr>
+                    </a:p>
+                  </a:txBody>
+                  <a:tcPr/>
+                </a:tc>
+                <a:tc>
+                  <a:txBody>
+                    <a:bodyPr/>
+                    <a:lstStyle/>
+                    <a:p>
+                      <a:pPr marL="0" marR="0" lvl="0" indent="0" algn="l" defTabSz="914400" rtl="0" eaLnBrk="1" fontAlgn="auto" latinLnBrk="0" hangingPunct="1">
+                        <a:lnSpc>
+                          <a:spcPct val="100000"/>
+                        </a:lnSpc>
+                        <a:spcBef>
+                          <a:spcPts val="0"/>
+                        </a:spcBef>
+                        <a:spcAft>
+                          <a:spcPts val="0"/>
+                        </a:spcAft>
+                        <a:buClrTx/>
+                        <a:buSzTx/>
+                        <a:buFontTx/>
+                        <a:buNone/>
+                        <a:tabLst/>
+                        <a:defRPr/>
+                      </a:pPr>
+                      <a:r>
+                        <a:rPr lang="en-US" altLang="zh-TW" dirty="0">
+                          <a:latin typeface="Times New Roman" panose="02020603050405020304" pitchFamily="18" charset="0"/>
+                          <a:ea typeface="標楷體" panose="03000509000000000000" pitchFamily="65" charset="-120"/>
+                          <a:cs typeface="Times New Roman" panose="02020603050405020304" pitchFamily="18" charset="0"/>
+                        </a:rPr>
+                        <a:t>HOG</a:t>
+                      </a:r>
+                      <a:endParaRPr lang="zh-TW" altLang="en-US" dirty="0">
+                        <a:latin typeface="Times New Roman" panose="02020603050405020304" pitchFamily="18" charset="0"/>
+                        <a:ea typeface="標楷體" panose="03000509000000000000" pitchFamily="65" charset="-120"/>
+                        <a:cs typeface="Times New Roman" panose="02020603050405020304" pitchFamily="18" charset="0"/>
+                      </a:endParaRPr>
+                    </a:p>
+                  </a:txBody>
+                  <a:tcPr/>
+                </a:tc>
+                <a:extLst>
+                  <a:ext uri="{0D108BD9-81ED-4DB2-BD59-A6C34878D82A}">
+                    <a16:rowId xmlns:a16="http://schemas.microsoft.com/office/drawing/2014/main" val="653442009"/>
+                  </a:ext>
+                </a:extLst>
+              </a:tr>
+              <a:tr h="370840">
+                <a:tc>
+                  <a:txBody>
+                    <a:bodyPr/>
+                    <a:lstStyle/>
+                    <a:p>
+                      <a:r>
+                        <a:rPr lang="en-US" altLang="zh-TW" dirty="0">
+                          <a:latin typeface="Times New Roman" panose="02020603050405020304" pitchFamily="18" charset="0"/>
+                          <a:ea typeface="標楷體" panose="03000509000000000000" pitchFamily="65" charset="-120"/>
+                          <a:cs typeface="Times New Roman" panose="02020603050405020304" pitchFamily="18" charset="0"/>
+                        </a:rPr>
+                        <a:t>Input:</a:t>
+                      </a:r>
+                      <a:endParaRPr lang="zh-TW" altLang="en-US" dirty="0">
+                        <a:latin typeface="Times New Roman" panose="02020603050405020304" pitchFamily="18" charset="0"/>
+                        <a:ea typeface="標楷體" panose="03000509000000000000" pitchFamily="65" charset="-120"/>
+                        <a:cs typeface="Times New Roman" panose="02020603050405020304" pitchFamily="18" charset="0"/>
+                      </a:endParaRPr>
+                    </a:p>
+                  </a:txBody>
+                  <a:tcPr/>
+                </a:tc>
+                <a:tc>
+                  <a:txBody>
+                    <a:bodyPr/>
+                    <a:lstStyle/>
+                    <a:p>
+                      <a:r>
+                        <a:rPr lang="en-US" altLang="zh-TW" dirty="0">
+                          <a:latin typeface="Times New Roman" panose="02020603050405020304" pitchFamily="18" charset="0"/>
+                          <a:ea typeface="標楷體" panose="03000509000000000000" pitchFamily="65" charset="-120"/>
+                          <a:cs typeface="Times New Roman" panose="02020603050405020304" pitchFamily="18" charset="0"/>
+                        </a:rPr>
+                        <a:t>DDR</a:t>
+                      </a:r>
+                      <a:r>
+                        <a:rPr lang="zh-TW" altLang="en-US" dirty="0">
+                          <a:latin typeface="Times New Roman" panose="02020603050405020304" pitchFamily="18" charset="0"/>
+                          <a:ea typeface="標楷體" panose="03000509000000000000" pitchFamily="65" charset="-120"/>
+                          <a:cs typeface="Times New Roman" panose="02020603050405020304" pitchFamily="18" charset="0"/>
+                        </a:rPr>
+                        <a:t>儲存的五組</a:t>
+                      </a:r>
+                      <a:r>
+                        <a:rPr lang="en-US" altLang="zh-TW" dirty="0">
+                          <a:latin typeface="Times New Roman" panose="02020603050405020304" pitchFamily="18" charset="0"/>
+                          <a:ea typeface="標楷體" panose="03000509000000000000" pitchFamily="65" charset="-120"/>
+                          <a:cs typeface="Times New Roman" panose="02020603050405020304" pitchFamily="18" charset="0"/>
+                        </a:rPr>
+                        <a:t>1:2</a:t>
+                      </a:r>
+                      <a:r>
+                        <a:rPr lang="zh-TW" altLang="en-US" dirty="0">
+                          <a:latin typeface="Times New Roman" panose="02020603050405020304" pitchFamily="18" charset="0"/>
+                          <a:ea typeface="標楷體" panose="03000509000000000000" pitchFamily="65" charset="-120"/>
+                          <a:cs typeface="Times New Roman" panose="02020603050405020304" pitchFamily="18" charset="0"/>
+                        </a:rPr>
+                        <a:t>影像</a:t>
+                      </a:r>
+                    </a:p>
+                  </a:txBody>
+                  <a:tcPr/>
+                </a:tc>
+                <a:extLst>
+                  <a:ext uri="{0D108BD9-81ED-4DB2-BD59-A6C34878D82A}">
+                    <a16:rowId xmlns:a16="http://schemas.microsoft.com/office/drawing/2014/main" val="3726895147"/>
+                  </a:ext>
+                </a:extLst>
+              </a:tr>
+              <a:tr h="370840">
+                <a:tc>
+                  <a:txBody>
+                    <a:bodyPr/>
+                    <a:lstStyle/>
+                    <a:p>
+                      <a:r>
+                        <a:rPr lang="en-US" altLang="zh-TW" dirty="0">
+                          <a:latin typeface="Times New Roman" panose="02020603050405020304" pitchFamily="18" charset="0"/>
+                          <a:ea typeface="標楷體" panose="03000509000000000000" pitchFamily="65" charset="-120"/>
+                          <a:cs typeface="Times New Roman" panose="02020603050405020304" pitchFamily="18" charset="0"/>
+                        </a:rPr>
+                        <a:t>Output:</a:t>
+                      </a:r>
+                      <a:endParaRPr lang="zh-TW" altLang="en-US" dirty="0">
+                        <a:latin typeface="Times New Roman" panose="02020603050405020304" pitchFamily="18" charset="0"/>
+                        <a:ea typeface="標楷體" panose="03000509000000000000" pitchFamily="65" charset="-120"/>
+                        <a:cs typeface="Times New Roman" panose="02020603050405020304" pitchFamily="18" charset="0"/>
+                      </a:endParaRPr>
+                    </a:p>
+                  </a:txBody>
+                  <a:tcPr/>
+                </a:tc>
+                <a:tc>
+                  <a:txBody>
+                    <a:bodyPr/>
+                    <a:lstStyle/>
+                    <a:p>
+                      <a:r>
+                        <a:rPr lang="zh-TW" altLang="en-US" dirty="0">
+                          <a:latin typeface="Times New Roman" panose="02020603050405020304" pitchFamily="18" charset="0"/>
+                          <a:ea typeface="標楷體" panose="03000509000000000000" pitchFamily="65" charset="-120"/>
+                          <a:cs typeface="Times New Roman" panose="02020603050405020304" pitchFamily="18" charset="0"/>
+                        </a:rPr>
+                        <a:t>特徵向量</a:t>
+                      </a:r>
+                    </a:p>
+                  </a:txBody>
+                  <a:tcPr/>
+                </a:tc>
+                <a:extLst>
+                  <a:ext uri="{0D108BD9-81ED-4DB2-BD59-A6C34878D82A}">
+                    <a16:rowId xmlns:a16="http://schemas.microsoft.com/office/drawing/2014/main" val="4144795178"/>
+                  </a:ext>
+                </a:extLst>
+              </a:tr>
+              <a:tr h="370840">
+                <a:tc>
+                  <a:txBody>
+                    <a:bodyPr/>
+                    <a:lstStyle/>
+                    <a:p>
+                      <a:r>
+                        <a:rPr lang="en-US" altLang="zh-TW" dirty="0">
+                          <a:latin typeface="Times New Roman" panose="02020603050405020304" pitchFamily="18" charset="0"/>
+                          <a:ea typeface="標楷體" panose="03000509000000000000" pitchFamily="65" charset="-120"/>
+                          <a:cs typeface="Times New Roman" panose="02020603050405020304" pitchFamily="18" charset="0"/>
+                        </a:rPr>
+                        <a:t>Parameters:</a:t>
+                      </a:r>
+                      <a:endParaRPr lang="zh-TW" altLang="en-US" dirty="0">
+                        <a:latin typeface="Times New Roman" panose="02020603050405020304" pitchFamily="18" charset="0"/>
+                        <a:ea typeface="標楷體" panose="03000509000000000000" pitchFamily="65" charset="-120"/>
+                        <a:cs typeface="Times New Roman" panose="02020603050405020304" pitchFamily="18" charset="0"/>
+                      </a:endParaRPr>
+                    </a:p>
+                  </a:txBody>
+                  <a:tcPr/>
+                </a:tc>
+                <a:tc>
+                  <a:txBody>
+                    <a:bodyPr/>
+                    <a:lstStyle/>
+                    <a:p>
+                      <a:endParaRPr lang="zh-TW" altLang="en-US" dirty="0">
+                        <a:latin typeface="Times New Roman" panose="02020603050405020304" pitchFamily="18" charset="0"/>
+                        <a:ea typeface="標楷體" panose="03000509000000000000" pitchFamily="65" charset="-120"/>
+                        <a:cs typeface="Times New Roman" panose="02020603050405020304" pitchFamily="18" charset="0"/>
+                      </a:endParaRPr>
+                    </a:p>
+                  </a:txBody>
+                  <a:tcPr/>
+                </a:tc>
+                <a:extLst>
+                  <a:ext uri="{0D108BD9-81ED-4DB2-BD59-A6C34878D82A}">
+                    <a16:rowId xmlns:a16="http://schemas.microsoft.com/office/drawing/2014/main" val="2500576698"/>
+                  </a:ext>
+                </a:extLst>
+              </a:tr>
+              <a:tr h="370840">
+                <a:tc>
+                  <a:txBody>
+                    <a:bodyPr/>
+                    <a:lstStyle/>
+                    <a:p>
+                      <a:r>
+                        <a:rPr lang="en-US" altLang="zh-TW" dirty="0">
+                          <a:latin typeface="Times New Roman" panose="02020603050405020304" pitchFamily="18" charset="0"/>
+                          <a:ea typeface="標楷體" panose="03000509000000000000" pitchFamily="65" charset="-120"/>
+                          <a:cs typeface="Times New Roman" panose="02020603050405020304" pitchFamily="18" charset="0"/>
+                        </a:rPr>
+                        <a:t>Method:</a:t>
+                      </a:r>
+                      <a:endParaRPr lang="zh-TW" altLang="en-US" dirty="0">
+                        <a:latin typeface="Times New Roman" panose="02020603050405020304" pitchFamily="18" charset="0"/>
+                        <a:ea typeface="標楷體" panose="03000509000000000000" pitchFamily="65" charset="-120"/>
+                        <a:cs typeface="Times New Roman" panose="02020603050405020304" pitchFamily="18" charset="0"/>
+                      </a:endParaRPr>
+                    </a:p>
+                  </a:txBody>
+                  <a:tcPr/>
+                </a:tc>
+                <a:tc>
+                  <a:txBody>
+                    <a:bodyPr/>
+                    <a:lstStyle/>
+                    <a:p>
+                      <a:endParaRPr lang="zh-TW" altLang="en-US" dirty="0">
+                        <a:latin typeface="Times New Roman" panose="02020603050405020304" pitchFamily="18" charset="0"/>
+                        <a:ea typeface="標楷體" panose="03000509000000000000" pitchFamily="65" charset="-120"/>
+                        <a:cs typeface="Times New Roman" panose="02020603050405020304" pitchFamily="18" charset="0"/>
+                      </a:endParaRPr>
+                    </a:p>
+                  </a:txBody>
+                  <a:tcPr/>
+                </a:tc>
+                <a:extLst>
+                  <a:ext uri="{0D108BD9-81ED-4DB2-BD59-A6C34878D82A}">
+                    <a16:rowId xmlns:a16="http://schemas.microsoft.com/office/drawing/2014/main" val="216353938"/>
+                  </a:ext>
+                </a:extLst>
+              </a:tr>
+            </a:tbl>
+          </a:graphicData>
+        </a:graphic>
+      </p:graphicFrame>
+    </p:spTree>
+    <p:extLst>
+      <p:ext uri="{BB962C8B-B14F-4D97-AF65-F5344CB8AC3E}">
+        <p14:creationId xmlns:p14="http://schemas.microsoft.com/office/powerpoint/2010/main" val="2642127964"/>
+      </p:ext>
+    </p:extLst>
+  </p:cSld>
+  <p:clrMapOvr>
+    <a:masterClrMapping/>
+  </p:clrMapOvr>
+</p:sld>
+</file>
+
 <file path=ppt/slides/slide2.xml><?xml version="1.0" encoding="utf-8"?>
 <p:sld xmlns:a="http://schemas.openxmlformats.org/drawingml/2006/main" xmlns:r="http://schemas.openxmlformats.org/officeDocument/2006/relationships" xmlns:p="http://schemas.openxmlformats.org/presentationml/2006/main">
   <p:cSld>
@@ -22093,10 +23551,1713 @@
           </a:fontRef>
         </p:style>
       </p:cxnSp>
+      <p:sp>
+        <p:nvSpPr>
+          <p:cNvPr id="2" name="矩形 1">
+            <a:extLst>
+              <a:ext uri="{FF2B5EF4-FFF2-40B4-BE49-F238E27FC236}">
+                <a16:creationId xmlns:a16="http://schemas.microsoft.com/office/drawing/2014/main" id="{1FA891CF-0C5D-443F-8F5B-B8FB0A3B64D5}"/>
+              </a:ext>
+            </a:extLst>
+          </p:cNvPr>
+          <p:cNvSpPr/>
+          <p:nvPr/>
+        </p:nvSpPr>
+        <p:spPr>
+          <a:xfrm>
+            <a:off x="8967831" y="2146954"/>
+            <a:ext cx="896586" cy="394701"/>
+          </a:xfrm>
+          <a:prstGeom prst="rect">
+            <a:avLst/>
+          </a:prstGeom>
+          <a:solidFill>
+            <a:srgbClr val="FFFFFF"/>
+          </a:solidFill>
+          <a:ln>
+            <a:solidFill>
+              <a:schemeClr val="tx1"/>
+            </a:solidFill>
+          </a:ln>
+        </p:spPr>
+        <p:style>
+          <a:lnRef idx="2">
+            <a:schemeClr val="accent1">
+              <a:shade val="50000"/>
+            </a:schemeClr>
+          </a:lnRef>
+          <a:fillRef idx="1">
+            <a:schemeClr val="accent1"/>
+          </a:fillRef>
+          <a:effectRef idx="0">
+            <a:schemeClr val="accent1"/>
+          </a:effectRef>
+          <a:fontRef idx="minor">
+            <a:schemeClr val="lt1"/>
+          </a:fontRef>
+        </p:style>
+        <p:txBody>
+          <a:bodyPr rtlCol="0" anchor="ctr"/>
+          <a:lstStyle/>
+          <a:p>
+            <a:pPr algn="ctr"/>
+            <a:r>
+              <a:rPr lang="zh-TW" altLang="en-US" sz="1000" dirty="0">
+                <a:solidFill>
+                  <a:schemeClr val="tx1"/>
+                </a:solidFill>
+                <a:latin typeface="標楷體" panose="03000509000000000000" pitchFamily="65" charset="-120"/>
+                <a:ea typeface="標楷體" panose="03000509000000000000" pitchFamily="65" charset="-120"/>
+              </a:rPr>
+              <a:t>前後景分離</a:t>
+            </a:r>
+          </a:p>
+        </p:txBody>
+      </p:sp>
+      <p:sp>
+        <p:nvSpPr>
+          <p:cNvPr id="16" name="矩形 15">
+            <a:extLst>
+              <a:ext uri="{FF2B5EF4-FFF2-40B4-BE49-F238E27FC236}">
+                <a16:creationId xmlns:a16="http://schemas.microsoft.com/office/drawing/2014/main" id="{1EB3E1F2-4796-471E-8AF2-0FE7DC56DB82}"/>
+              </a:ext>
+            </a:extLst>
+          </p:cNvPr>
+          <p:cNvSpPr/>
+          <p:nvPr/>
+        </p:nvSpPr>
+        <p:spPr>
+          <a:xfrm>
+            <a:off x="2872812" y="4867654"/>
+            <a:ext cx="975287" cy="485392"/>
+          </a:xfrm>
+          <a:prstGeom prst="rect">
+            <a:avLst/>
+          </a:prstGeom>
+          <a:solidFill>
+            <a:srgbClr val="FFFFFF"/>
+          </a:solidFill>
+          <a:ln>
+            <a:solidFill>
+              <a:schemeClr val="tx1"/>
+            </a:solidFill>
+          </a:ln>
+        </p:spPr>
+        <p:style>
+          <a:lnRef idx="2">
+            <a:schemeClr val="accent1">
+              <a:shade val="50000"/>
+            </a:schemeClr>
+          </a:lnRef>
+          <a:fillRef idx="1">
+            <a:schemeClr val="accent1"/>
+          </a:fillRef>
+          <a:effectRef idx="0">
+            <a:schemeClr val="accent1"/>
+          </a:effectRef>
+          <a:fontRef idx="minor">
+            <a:schemeClr val="lt1"/>
+          </a:fontRef>
+        </p:style>
+        <p:txBody>
+          <a:bodyPr rtlCol="0" anchor="ctr"/>
+          <a:lstStyle/>
+          <a:p>
+            <a:pPr algn="ctr"/>
+            <a:r>
+              <a:rPr lang="en-US" altLang="zh-TW" sz="1000" dirty="0">
+                <a:solidFill>
+                  <a:schemeClr val="tx1"/>
+                </a:solidFill>
+                <a:latin typeface="Times New Roman" panose="02020603050405020304" pitchFamily="18" charset="0"/>
+                <a:ea typeface="標楷體" panose="03000509000000000000" pitchFamily="65" charset="-120"/>
+                <a:cs typeface="Times New Roman" panose="02020603050405020304" pitchFamily="18" charset="0"/>
+              </a:rPr>
+              <a:t>DDR</a:t>
+            </a:r>
+            <a:endParaRPr lang="zh-TW" altLang="en-US" sz="1000" dirty="0">
+              <a:solidFill>
+                <a:schemeClr val="tx1"/>
+              </a:solidFill>
+              <a:latin typeface="Times New Roman" panose="02020603050405020304" pitchFamily="18" charset="0"/>
+              <a:ea typeface="標楷體" panose="03000509000000000000" pitchFamily="65" charset="-120"/>
+              <a:cs typeface="Times New Roman" panose="02020603050405020304" pitchFamily="18" charset="0"/>
+            </a:endParaRPr>
+          </a:p>
+        </p:txBody>
+      </p:sp>
     </p:spTree>
     <p:extLst>
       <p:ext uri="{BB962C8B-B14F-4D97-AF65-F5344CB8AC3E}">
         <p14:creationId xmlns:p14="http://schemas.microsoft.com/office/powerpoint/2010/main" val="3649308563"/>
+      </p:ext>
+    </p:extLst>
+  </p:cSld>
+  <p:clrMapOvr>
+    <a:masterClrMapping/>
+  </p:clrMapOvr>
+</p:sld>
+</file>
+
+<file path=ppt/slides/slide8.xml><?xml version="1.0" encoding="utf-8"?>
+<p:sld xmlns:a="http://schemas.openxmlformats.org/drawingml/2006/main" xmlns:r="http://schemas.openxmlformats.org/officeDocument/2006/relationships" xmlns:p="http://schemas.openxmlformats.org/presentationml/2006/main">
+  <p:cSld>
+    <p:spTree>
+      <p:nvGrpSpPr>
+        <p:cNvPr id="1" name=""/>
+        <p:cNvGrpSpPr/>
+        <p:nvPr/>
+      </p:nvGrpSpPr>
+      <p:grpSpPr>
+        <a:xfrm>
+          <a:off x="0" y="0"/>
+          <a:ext cx="0" cy="0"/>
+          <a:chOff x="0" y="0"/>
+          <a:chExt cx="0" cy="0"/>
+        </a:xfrm>
+      </p:grpSpPr>
+      <p:sp>
+        <p:nvSpPr>
+          <p:cNvPr id="4" name="標題 3"/>
+          <p:cNvSpPr>
+            <a:spLocks noGrp="1"/>
+          </p:cNvSpPr>
+          <p:nvPr>
+            <p:ph type="title"/>
+          </p:nvPr>
+        </p:nvSpPr>
+        <p:spPr/>
+        <p:txBody>
+          <a:bodyPr/>
+          <a:lstStyle/>
+          <a:p>
+            <a:r>
+              <a:rPr lang="zh-TW" altLang="en-US" dirty="0"/>
+              <a:t>系統分析 </a:t>
+            </a:r>
+            <a:r>
+              <a:rPr lang="en-US" altLang="zh-TW" dirty="0"/>
+              <a:t>–</a:t>
+            </a:r>
+            <a:r>
+              <a:rPr lang="zh-TW" altLang="en-US" dirty="0"/>
+              <a:t> </a:t>
+            </a:r>
+            <a:r>
+              <a:rPr lang="en-US" altLang="zh-TW" dirty="0"/>
+              <a:t>API</a:t>
+            </a:r>
+            <a:r>
+              <a:rPr lang="en-US" altLang="zh-TW" dirty="0">
+                <a:solidFill>
+                  <a:srgbClr val="FF0000"/>
+                </a:solidFill>
+                <a:highlight>
+                  <a:srgbClr val="FFFF00"/>
+                </a:highlight>
+              </a:rPr>
+              <a:t>(2024/12/12)</a:t>
+            </a:r>
+            <a:endParaRPr lang="zh-TW" altLang="en-US" dirty="0"/>
+          </a:p>
+        </p:txBody>
+      </p:sp>
+      <p:graphicFrame>
+        <p:nvGraphicFramePr>
+          <p:cNvPr id="2" name="表格 1">
+            <a:extLst>
+              <a:ext uri="{FF2B5EF4-FFF2-40B4-BE49-F238E27FC236}">
+                <a16:creationId xmlns:a16="http://schemas.microsoft.com/office/drawing/2014/main" id="{85BA4C2F-261D-453D-A25B-13D39BD3CD42}"/>
+              </a:ext>
+            </a:extLst>
+          </p:cNvPr>
+          <p:cNvGraphicFramePr>
+            <a:graphicFrameLocks noGrp="1"/>
+          </p:cNvGraphicFramePr>
+          <p:nvPr>
+            <p:extLst>
+              <p:ext uri="{D42A27DB-BD31-4B8C-83A1-F6EECF244321}">
+                <p14:modId xmlns:p14="http://schemas.microsoft.com/office/powerpoint/2010/main" val="4058589117"/>
+              </p:ext>
+            </p:extLst>
+          </p:nvPr>
+        </p:nvGraphicFramePr>
+        <p:xfrm>
+          <a:off x="2032000" y="4033318"/>
+          <a:ext cx="8128000" cy="2123440"/>
+        </p:xfrm>
+        <a:graphic>
+          <a:graphicData uri="http://schemas.openxmlformats.org/drawingml/2006/table">
+            <a:tbl>
+              <a:tblPr firstRow="1" bandRow="1">
+                <a:tableStyleId>{5C22544A-7EE6-4342-B048-85BDC9FD1C3A}</a:tableStyleId>
+              </a:tblPr>
+              <a:tblGrid>
+                <a:gridCol w="4064000">
+                  <a:extLst>
+                    <a:ext uri="{9D8B030D-6E8A-4147-A177-3AD203B41FA5}">
+                      <a16:colId xmlns:a16="http://schemas.microsoft.com/office/drawing/2014/main" val="65457947"/>
+                    </a:ext>
+                  </a:extLst>
+                </a:gridCol>
+                <a:gridCol w="4064000">
+                  <a:extLst>
+                    <a:ext uri="{9D8B030D-6E8A-4147-A177-3AD203B41FA5}">
+                      <a16:colId xmlns:a16="http://schemas.microsoft.com/office/drawing/2014/main" val="1560695292"/>
+                    </a:ext>
+                  </a:extLst>
+                </a:gridCol>
+              </a:tblGrid>
+              <a:tr h="370840">
+                <a:tc>
+                  <a:txBody>
+                    <a:bodyPr/>
+                    <a:lstStyle/>
+                    <a:p>
+                      <a:endParaRPr lang="zh-TW" altLang="en-US" dirty="0">
+                        <a:latin typeface="Times New Roman" panose="02020603050405020304" pitchFamily="18" charset="0"/>
+                        <a:ea typeface="標楷體" panose="03000509000000000000" pitchFamily="65" charset="-120"/>
+                        <a:cs typeface="Times New Roman" panose="02020603050405020304" pitchFamily="18" charset="0"/>
+                      </a:endParaRPr>
+                    </a:p>
+                  </a:txBody>
+                  <a:tcPr/>
+                </a:tc>
+                <a:tc>
+                  <a:txBody>
+                    <a:bodyPr/>
+                    <a:lstStyle/>
+                    <a:p>
+                      <a:pPr marL="0" marR="0" lvl="0" indent="0" algn="l" defTabSz="914400" rtl="0" eaLnBrk="1" fontAlgn="auto" latinLnBrk="0" hangingPunct="1">
+                        <a:lnSpc>
+                          <a:spcPct val="100000"/>
+                        </a:lnSpc>
+                        <a:spcBef>
+                          <a:spcPts val="0"/>
+                        </a:spcBef>
+                        <a:spcAft>
+                          <a:spcPts val="0"/>
+                        </a:spcAft>
+                        <a:buClrTx/>
+                        <a:buSzTx/>
+                        <a:buFontTx/>
+                        <a:buNone/>
+                        <a:tabLst/>
+                        <a:defRPr/>
+                      </a:pPr>
+                      <a:r>
+                        <a:rPr lang="en-US" altLang="zh-TW" dirty="0">
+                          <a:latin typeface="Times New Roman" panose="02020603050405020304" pitchFamily="18" charset="0"/>
+                          <a:ea typeface="標楷體" panose="03000509000000000000" pitchFamily="65" charset="-120"/>
+                          <a:cs typeface="Times New Roman" panose="02020603050405020304" pitchFamily="18" charset="0"/>
+                        </a:rPr>
+                        <a:t>Receiver</a:t>
+                      </a:r>
+                      <a:endParaRPr lang="zh-TW" altLang="en-US" dirty="0">
+                        <a:latin typeface="Times New Roman" panose="02020603050405020304" pitchFamily="18" charset="0"/>
+                        <a:ea typeface="標楷體" panose="03000509000000000000" pitchFamily="65" charset="-120"/>
+                        <a:cs typeface="Times New Roman" panose="02020603050405020304" pitchFamily="18" charset="0"/>
+                      </a:endParaRPr>
+                    </a:p>
+                  </a:txBody>
+                  <a:tcPr/>
+                </a:tc>
+                <a:extLst>
+                  <a:ext uri="{0D108BD9-81ED-4DB2-BD59-A6C34878D82A}">
+                    <a16:rowId xmlns:a16="http://schemas.microsoft.com/office/drawing/2014/main" val="1404366953"/>
+                  </a:ext>
+                </a:extLst>
+              </a:tr>
+              <a:tr h="370840">
+                <a:tc>
+                  <a:txBody>
+                    <a:bodyPr/>
+                    <a:lstStyle/>
+                    <a:p>
+                      <a:r>
+                        <a:rPr lang="en-US" altLang="zh-TW" dirty="0">
+                          <a:latin typeface="Times New Roman" panose="02020603050405020304" pitchFamily="18" charset="0"/>
+                          <a:ea typeface="標楷體" panose="03000509000000000000" pitchFamily="65" charset="-120"/>
+                          <a:cs typeface="Times New Roman" panose="02020603050405020304" pitchFamily="18" charset="0"/>
+                        </a:rPr>
+                        <a:t>Input:</a:t>
+                      </a:r>
+                      <a:endParaRPr lang="zh-TW" altLang="en-US" dirty="0">
+                        <a:latin typeface="Times New Roman" panose="02020603050405020304" pitchFamily="18" charset="0"/>
+                        <a:ea typeface="標楷體" panose="03000509000000000000" pitchFamily="65" charset="-120"/>
+                        <a:cs typeface="Times New Roman" panose="02020603050405020304" pitchFamily="18" charset="0"/>
+                      </a:endParaRPr>
+                    </a:p>
+                  </a:txBody>
+                  <a:tcPr/>
+                </a:tc>
+                <a:tc>
+                  <a:txBody>
+                    <a:bodyPr/>
+                    <a:lstStyle/>
+                    <a:p>
+                      <a:r>
+                        <a:rPr lang="en-US" altLang="zh-TW" dirty="0">
+                          <a:latin typeface="Times New Roman" panose="02020603050405020304" pitchFamily="18" charset="0"/>
+                          <a:ea typeface="標楷體" panose="03000509000000000000" pitchFamily="65" charset="-120"/>
+                          <a:cs typeface="Times New Roman" panose="02020603050405020304" pitchFamily="18" charset="0"/>
+                        </a:rPr>
+                        <a:t>RX</a:t>
+                      </a:r>
+                      <a:r>
+                        <a:rPr lang="zh-TW" altLang="en-US" dirty="0">
+                          <a:latin typeface="Times New Roman" panose="02020603050405020304" pitchFamily="18" charset="0"/>
+                          <a:ea typeface="標楷體" panose="03000509000000000000" pitchFamily="65" charset="-120"/>
+                          <a:cs typeface="Times New Roman" panose="02020603050405020304" pitchFamily="18" charset="0"/>
+                        </a:rPr>
+                        <a:t>的</a:t>
+                      </a:r>
+                      <a:r>
+                        <a:rPr lang="en-US" altLang="zh-TW" dirty="0">
+                          <a:latin typeface="Times New Roman" panose="02020603050405020304" pitchFamily="18" charset="0"/>
+                          <a:ea typeface="標楷體" panose="03000509000000000000" pitchFamily="65" charset="-120"/>
+                          <a:cs typeface="Times New Roman" panose="02020603050405020304" pitchFamily="18" charset="0"/>
+                        </a:rPr>
+                        <a:t>FM</a:t>
+                      </a:r>
+                      <a:r>
+                        <a:rPr lang="zh-TW" altLang="en-US" dirty="0">
+                          <a:latin typeface="Times New Roman" panose="02020603050405020304" pitchFamily="18" charset="0"/>
+                          <a:ea typeface="標楷體" panose="03000509000000000000" pitchFamily="65" charset="-120"/>
+                          <a:cs typeface="Times New Roman" panose="02020603050405020304" pitchFamily="18" charset="0"/>
+                        </a:rPr>
+                        <a:t>訊號</a:t>
+                      </a:r>
+                    </a:p>
+                  </a:txBody>
+                  <a:tcPr/>
+                </a:tc>
+                <a:extLst>
+                  <a:ext uri="{0D108BD9-81ED-4DB2-BD59-A6C34878D82A}">
+                    <a16:rowId xmlns:a16="http://schemas.microsoft.com/office/drawing/2014/main" val="2398650068"/>
+                  </a:ext>
+                </a:extLst>
+              </a:tr>
+              <a:tr h="370840">
+                <a:tc>
+                  <a:txBody>
+                    <a:bodyPr/>
+                    <a:lstStyle/>
+                    <a:p>
+                      <a:r>
+                        <a:rPr lang="en-US" altLang="zh-TW" dirty="0">
+                          <a:latin typeface="Times New Roman" panose="02020603050405020304" pitchFamily="18" charset="0"/>
+                          <a:ea typeface="標楷體" panose="03000509000000000000" pitchFamily="65" charset="-120"/>
+                          <a:cs typeface="Times New Roman" panose="02020603050405020304" pitchFamily="18" charset="0"/>
+                        </a:rPr>
+                        <a:t>Output:</a:t>
+                      </a:r>
+                      <a:endParaRPr lang="zh-TW" altLang="en-US" dirty="0">
+                        <a:latin typeface="Times New Roman" panose="02020603050405020304" pitchFamily="18" charset="0"/>
+                        <a:ea typeface="標楷體" panose="03000509000000000000" pitchFamily="65" charset="-120"/>
+                        <a:cs typeface="Times New Roman" panose="02020603050405020304" pitchFamily="18" charset="0"/>
+                      </a:endParaRPr>
+                    </a:p>
+                  </a:txBody>
+                  <a:tcPr/>
+                </a:tc>
+                <a:tc>
+                  <a:txBody>
+                    <a:bodyPr/>
+                    <a:lstStyle/>
+                    <a:p>
+                      <a:r>
+                        <a:rPr lang="en-US" altLang="zh-TW" dirty="0">
+                          <a:latin typeface="Times New Roman" panose="02020603050405020304" pitchFamily="18" charset="0"/>
+                          <a:ea typeface="標楷體" panose="03000509000000000000" pitchFamily="65" charset="-120"/>
+                          <a:cs typeface="Times New Roman" panose="02020603050405020304" pitchFamily="18" charset="0"/>
+                        </a:rPr>
+                        <a:t>Video</a:t>
+                      </a:r>
+                      <a:r>
+                        <a:rPr lang="zh-TW" altLang="en-US" dirty="0">
+                          <a:latin typeface="Times New Roman" panose="02020603050405020304" pitchFamily="18" charset="0"/>
+                          <a:ea typeface="標楷體" panose="03000509000000000000" pitchFamily="65" charset="-120"/>
+                          <a:cs typeface="Times New Roman" panose="02020603050405020304" pitchFamily="18" charset="0"/>
+                        </a:rPr>
+                        <a:t>線到</a:t>
+                      </a:r>
+                      <a:r>
+                        <a:rPr lang="en-US" altLang="zh-TW" dirty="0">
+                          <a:latin typeface="Times New Roman" panose="02020603050405020304" pitchFamily="18" charset="0"/>
+                          <a:ea typeface="標楷體" panose="03000509000000000000" pitchFamily="65" charset="-120"/>
+                          <a:cs typeface="Times New Roman" panose="02020603050405020304" pitchFamily="18" charset="0"/>
+                        </a:rPr>
+                        <a:t>TVP5150</a:t>
+                      </a:r>
+                      <a:endParaRPr lang="zh-TW" altLang="en-US" dirty="0">
+                        <a:latin typeface="Times New Roman" panose="02020603050405020304" pitchFamily="18" charset="0"/>
+                        <a:ea typeface="標楷體" panose="03000509000000000000" pitchFamily="65" charset="-120"/>
+                        <a:cs typeface="Times New Roman" panose="02020603050405020304" pitchFamily="18" charset="0"/>
+                      </a:endParaRPr>
+                    </a:p>
+                  </a:txBody>
+                  <a:tcPr/>
+                </a:tc>
+                <a:extLst>
+                  <a:ext uri="{0D108BD9-81ED-4DB2-BD59-A6C34878D82A}">
+                    <a16:rowId xmlns:a16="http://schemas.microsoft.com/office/drawing/2014/main" val="2653937211"/>
+                  </a:ext>
+                </a:extLst>
+              </a:tr>
+              <a:tr h="370840">
+                <a:tc>
+                  <a:txBody>
+                    <a:bodyPr/>
+                    <a:lstStyle/>
+                    <a:p>
+                      <a:r>
+                        <a:rPr lang="en-US" altLang="zh-TW" dirty="0">
+                          <a:latin typeface="Times New Roman" panose="02020603050405020304" pitchFamily="18" charset="0"/>
+                          <a:ea typeface="標楷體" panose="03000509000000000000" pitchFamily="65" charset="-120"/>
+                          <a:cs typeface="Times New Roman" panose="02020603050405020304" pitchFamily="18" charset="0"/>
+                        </a:rPr>
+                        <a:t>Parameters:</a:t>
+                      </a:r>
+                      <a:endParaRPr lang="zh-TW" altLang="en-US" dirty="0">
+                        <a:latin typeface="Times New Roman" panose="02020603050405020304" pitchFamily="18" charset="0"/>
+                        <a:ea typeface="標楷體" panose="03000509000000000000" pitchFamily="65" charset="-120"/>
+                        <a:cs typeface="Times New Roman" panose="02020603050405020304" pitchFamily="18" charset="0"/>
+                      </a:endParaRPr>
+                    </a:p>
+                  </a:txBody>
+                  <a:tcPr/>
+                </a:tc>
+                <a:tc>
+                  <a:txBody>
+                    <a:bodyPr/>
+                    <a:lstStyle/>
+                    <a:p>
+                      <a:endParaRPr lang="zh-TW" altLang="en-US" dirty="0">
+                        <a:latin typeface="Times New Roman" panose="02020603050405020304" pitchFamily="18" charset="0"/>
+                        <a:ea typeface="標楷體" panose="03000509000000000000" pitchFamily="65" charset="-120"/>
+                        <a:cs typeface="Times New Roman" panose="02020603050405020304" pitchFamily="18" charset="0"/>
+                      </a:endParaRPr>
+                    </a:p>
+                  </a:txBody>
+                  <a:tcPr/>
+                </a:tc>
+                <a:extLst>
+                  <a:ext uri="{0D108BD9-81ED-4DB2-BD59-A6C34878D82A}">
+                    <a16:rowId xmlns:a16="http://schemas.microsoft.com/office/drawing/2014/main" val="2758747889"/>
+                  </a:ext>
+                </a:extLst>
+              </a:tr>
+              <a:tr h="370840">
+                <a:tc>
+                  <a:txBody>
+                    <a:bodyPr/>
+                    <a:lstStyle/>
+                    <a:p>
+                      <a:r>
+                        <a:rPr lang="en-US" altLang="zh-TW" dirty="0">
+                          <a:latin typeface="Times New Roman" panose="02020603050405020304" pitchFamily="18" charset="0"/>
+                          <a:ea typeface="標楷體" panose="03000509000000000000" pitchFamily="65" charset="-120"/>
+                          <a:cs typeface="Times New Roman" panose="02020603050405020304" pitchFamily="18" charset="0"/>
+                        </a:rPr>
+                        <a:t>Method:</a:t>
+                      </a:r>
+                      <a:endParaRPr lang="zh-TW" altLang="en-US" dirty="0">
+                        <a:latin typeface="Times New Roman" panose="02020603050405020304" pitchFamily="18" charset="0"/>
+                        <a:ea typeface="標楷體" panose="03000509000000000000" pitchFamily="65" charset="-120"/>
+                        <a:cs typeface="Times New Roman" panose="02020603050405020304" pitchFamily="18" charset="0"/>
+                      </a:endParaRPr>
+                    </a:p>
+                  </a:txBody>
+                  <a:tcPr/>
+                </a:tc>
+                <a:tc>
+                  <a:txBody>
+                    <a:bodyPr/>
+                    <a:lstStyle/>
+                    <a:p>
+                      <a:r>
+                        <a:rPr lang="zh-TW" altLang="en-US" dirty="0">
+                          <a:latin typeface="Times New Roman" panose="02020603050405020304" pitchFamily="18" charset="0"/>
+                          <a:ea typeface="標楷體" panose="03000509000000000000" pitchFamily="65" charset="-120"/>
+                          <a:cs typeface="Times New Roman" panose="02020603050405020304" pitchFamily="18" charset="0"/>
+                        </a:rPr>
+                        <a:t>將</a:t>
+                      </a:r>
+                      <a:r>
+                        <a:rPr lang="en-US" altLang="zh-TW" dirty="0">
+                          <a:latin typeface="Times New Roman" panose="02020603050405020304" pitchFamily="18" charset="0"/>
+                          <a:ea typeface="標楷體" panose="03000509000000000000" pitchFamily="65" charset="-120"/>
+                          <a:cs typeface="Times New Roman" panose="02020603050405020304" pitchFamily="18" charset="0"/>
+                        </a:rPr>
+                        <a:t>RX</a:t>
+                      </a:r>
+                      <a:r>
+                        <a:rPr lang="zh-TW" altLang="en-US" dirty="0">
+                          <a:latin typeface="Times New Roman" panose="02020603050405020304" pitchFamily="18" charset="0"/>
+                          <a:ea typeface="標楷體" panose="03000509000000000000" pitchFamily="65" charset="-120"/>
+                          <a:cs typeface="Times New Roman" panose="02020603050405020304" pitchFamily="18" charset="0"/>
+                        </a:rPr>
+                        <a:t>收到的訊號透過</a:t>
+                      </a:r>
+                      <a:r>
+                        <a:rPr lang="en-US" altLang="zh-TW" dirty="0">
+                          <a:latin typeface="Times New Roman" panose="02020603050405020304" pitchFamily="18" charset="0"/>
+                          <a:ea typeface="標楷體" panose="03000509000000000000" pitchFamily="65" charset="-120"/>
+                          <a:cs typeface="Times New Roman" panose="02020603050405020304" pitchFamily="18" charset="0"/>
+                        </a:rPr>
+                        <a:t>Video</a:t>
+                      </a:r>
+                      <a:r>
+                        <a:rPr lang="zh-TW" altLang="en-US" dirty="0">
+                          <a:latin typeface="Times New Roman" panose="02020603050405020304" pitchFamily="18" charset="0"/>
+                          <a:ea typeface="標楷體" panose="03000509000000000000" pitchFamily="65" charset="-120"/>
+                          <a:cs typeface="Times New Roman" panose="02020603050405020304" pitchFamily="18" charset="0"/>
+                        </a:rPr>
+                        <a:t>線，直接輸給</a:t>
+                      </a:r>
+                      <a:r>
+                        <a:rPr lang="en-US" altLang="zh-TW" dirty="0">
+                          <a:latin typeface="Times New Roman" panose="02020603050405020304" pitchFamily="18" charset="0"/>
+                          <a:ea typeface="標楷體" panose="03000509000000000000" pitchFamily="65" charset="-120"/>
+                          <a:cs typeface="Times New Roman" panose="02020603050405020304" pitchFamily="18" charset="0"/>
+                        </a:rPr>
+                        <a:t>TVP5150</a:t>
+                      </a:r>
+                      <a:endParaRPr lang="zh-TW" altLang="en-US" dirty="0">
+                        <a:latin typeface="Times New Roman" panose="02020603050405020304" pitchFamily="18" charset="0"/>
+                        <a:ea typeface="標楷體" panose="03000509000000000000" pitchFamily="65" charset="-120"/>
+                        <a:cs typeface="Times New Roman" panose="02020603050405020304" pitchFamily="18" charset="0"/>
+                      </a:endParaRPr>
+                    </a:p>
+                  </a:txBody>
+                  <a:tcPr/>
+                </a:tc>
+                <a:extLst>
+                  <a:ext uri="{0D108BD9-81ED-4DB2-BD59-A6C34878D82A}">
+                    <a16:rowId xmlns:a16="http://schemas.microsoft.com/office/drawing/2014/main" val="3474680297"/>
+                  </a:ext>
+                </a:extLst>
+              </a:tr>
+            </a:tbl>
+          </a:graphicData>
+        </a:graphic>
+      </p:graphicFrame>
+      <p:graphicFrame>
+        <p:nvGraphicFramePr>
+          <p:cNvPr id="10" name="表格 9">
+            <a:extLst>
+              <a:ext uri="{FF2B5EF4-FFF2-40B4-BE49-F238E27FC236}">
+                <a16:creationId xmlns:a16="http://schemas.microsoft.com/office/drawing/2014/main" id="{FF927E5F-18D5-473C-AFD8-5966B5843800}"/>
+              </a:ext>
+            </a:extLst>
+          </p:cNvPr>
+          <p:cNvGraphicFramePr>
+            <a:graphicFrameLocks noGrp="1"/>
+          </p:cNvGraphicFramePr>
+          <p:nvPr>
+            <p:extLst>
+              <p:ext uri="{D42A27DB-BD31-4B8C-83A1-F6EECF244321}">
+                <p14:modId xmlns:p14="http://schemas.microsoft.com/office/powerpoint/2010/main" val="2410878969"/>
+              </p:ext>
+            </p:extLst>
+          </p:nvPr>
+        </p:nvGraphicFramePr>
+        <p:xfrm>
+          <a:off x="2032000" y="1497501"/>
+          <a:ext cx="8128000" cy="2123440"/>
+        </p:xfrm>
+        <a:graphic>
+          <a:graphicData uri="http://schemas.openxmlformats.org/drawingml/2006/table">
+            <a:tbl>
+              <a:tblPr firstRow="1" bandRow="1">
+                <a:tableStyleId>{5C22544A-7EE6-4342-B048-85BDC9FD1C3A}</a:tableStyleId>
+              </a:tblPr>
+              <a:tblGrid>
+                <a:gridCol w="4064000">
+                  <a:extLst>
+                    <a:ext uri="{9D8B030D-6E8A-4147-A177-3AD203B41FA5}">
+                      <a16:colId xmlns:a16="http://schemas.microsoft.com/office/drawing/2014/main" val="65457947"/>
+                    </a:ext>
+                  </a:extLst>
+                </a:gridCol>
+                <a:gridCol w="4064000">
+                  <a:extLst>
+                    <a:ext uri="{9D8B030D-6E8A-4147-A177-3AD203B41FA5}">
+                      <a16:colId xmlns:a16="http://schemas.microsoft.com/office/drawing/2014/main" val="1560695292"/>
+                    </a:ext>
+                  </a:extLst>
+                </a:gridCol>
+              </a:tblGrid>
+              <a:tr h="370840">
+                <a:tc>
+                  <a:txBody>
+                    <a:bodyPr/>
+                    <a:lstStyle/>
+                    <a:p>
+                      <a:endParaRPr lang="zh-TW" altLang="en-US" dirty="0">
+                        <a:latin typeface="Times New Roman" panose="02020603050405020304" pitchFamily="18" charset="0"/>
+                        <a:ea typeface="標楷體" panose="03000509000000000000" pitchFamily="65" charset="-120"/>
+                        <a:cs typeface="Times New Roman" panose="02020603050405020304" pitchFamily="18" charset="0"/>
+                      </a:endParaRPr>
+                    </a:p>
+                  </a:txBody>
+                  <a:tcPr/>
+                </a:tc>
+                <a:tc>
+                  <a:txBody>
+                    <a:bodyPr/>
+                    <a:lstStyle/>
+                    <a:p>
+                      <a:pPr marL="0" marR="0" lvl="0" indent="0" algn="l" defTabSz="914400" rtl="0" eaLnBrk="1" fontAlgn="auto" latinLnBrk="0" hangingPunct="1">
+                        <a:lnSpc>
+                          <a:spcPct val="100000"/>
+                        </a:lnSpc>
+                        <a:spcBef>
+                          <a:spcPts val="0"/>
+                        </a:spcBef>
+                        <a:spcAft>
+                          <a:spcPts val="0"/>
+                        </a:spcAft>
+                        <a:buClrTx/>
+                        <a:buSzTx/>
+                        <a:buFontTx/>
+                        <a:buNone/>
+                        <a:tabLst/>
+                        <a:defRPr/>
+                      </a:pPr>
+                      <a:r>
+                        <a:rPr lang="en-US" altLang="zh-TW" dirty="0">
+                          <a:latin typeface="Times New Roman" panose="02020603050405020304" pitchFamily="18" charset="0"/>
+                          <a:ea typeface="標楷體" panose="03000509000000000000" pitchFamily="65" charset="-120"/>
+                          <a:cs typeface="Times New Roman" panose="02020603050405020304" pitchFamily="18" charset="0"/>
+                        </a:rPr>
+                        <a:t>Transmitter</a:t>
+                      </a:r>
+                      <a:endParaRPr lang="zh-TW" altLang="en-US" dirty="0">
+                        <a:latin typeface="Times New Roman" panose="02020603050405020304" pitchFamily="18" charset="0"/>
+                        <a:ea typeface="標楷體" panose="03000509000000000000" pitchFamily="65" charset="-120"/>
+                        <a:cs typeface="Times New Roman" panose="02020603050405020304" pitchFamily="18" charset="0"/>
+                      </a:endParaRPr>
+                    </a:p>
+                  </a:txBody>
+                  <a:tcPr/>
+                </a:tc>
+                <a:extLst>
+                  <a:ext uri="{0D108BD9-81ED-4DB2-BD59-A6C34878D82A}">
+                    <a16:rowId xmlns:a16="http://schemas.microsoft.com/office/drawing/2014/main" val="1404366953"/>
+                  </a:ext>
+                </a:extLst>
+              </a:tr>
+              <a:tr h="370840">
+                <a:tc>
+                  <a:txBody>
+                    <a:bodyPr/>
+                    <a:lstStyle/>
+                    <a:p>
+                      <a:r>
+                        <a:rPr lang="en-US" altLang="zh-TW" dirty="0">
+                          <a:latin typeface="Times New Roman" panose="02020603050405020304" pitchFamily="18" charset="0"/>
+                          <a:ea typeface="標楷體" panose="03000509000000000000" pitchFamily="65" charset="-120"/>
+                          <a:cs typeface="Times New Roman" panose="02020603050405020304" pitchFamily="18" charset="0"/>
+                        </a:rPr>
+                        <a:t>Input:</a:t>
+                      </a:r>
+                      <a:endParaRPr lang="zh-TW" altLang="en-US" dirty="0">
+                        <a:latin typeface="Times New Roman" panose="02020603050405020304" pitchFamily="18" charset="0"/>
+                        <a:ea typeface="標楷體" panose="03000509000000000000" pitchFamily="65" charset="-120"/>
+                        <a:cs typeface="Times New Roman" panose="02020603050405020304" pitchFamily="18" charset="0"/>
+                      </a:endParaRPr>
+                    </a:p>
+                  </a:txBody>
+                  <a:tcPr/>
+                </a:tc>
+                <a:tc>
+                  <a:txBody>
+                    <a:bodyPr/>
+                    <a:lstStyle/>
+                    <a:p>
+                      <a:r>
+                        <a:rPr lang="en-US" altLang="zh-TW" dirty="0">
+                          <a:latin typeface="Times New Roman" panose="02020603050405020304" pitchFamily="18" charset="0"/>
+                          <a:ea typeface="標楷體" panose="03000509000000000000" pitchFamily="65" charset="-120"/>
+                          <a:cs typeface="Times New Roman" panose="02020603050405020304" pitchFamily="18" charset="0"/>
+                        </a:rPr>
+                        <a:t>IP CAM </a:t>
+                      </a:r>
+                      <a:r>
+                        <a:rPr lang="zh-TW" altLang="en-US" dirty="0">
+                          <a:latin typeface="Times New Roman" panose="02020603050405020304" pitchFamily="18" charset="0"/>
+                          <a:ea typeface="標楷體" panose="03000509000000000000" pitchFamily="65" charset="-120"/>
+                          <a:cs typeface="Times New Roman" panose="02020603050405020304" pitchFamily="18" charset="0"/>
+                        </a:rPr>
+                        <a:t>影像</a:t>
+                      </a:r>
+                      <a:r>
+                        <a:rPr lang="en-US" altLang="zh-TW" dirty="0">
+                          <a:latin typeface="Times New Roman" panose="02020603050405020304" pitchFamily="18" charset="0"/>
+                          <a:ea typeface="標楷體" panose="03000509000000000000" pitchFamily="65" charset="-120"/>
+                          <a:cs typeface="Times New Roman" panose="02020603050405020304" pitchFamily="18" charset="0"/>
+                        </a:rPr>
+                        <a:t>(640</a:t>
+                      </a:r>
+                      <a:r>
+                        <a:rPr lang="zh-TW" altLang="en-US" dirty="0">
+                          <a:latin typeface="Times New Roman" panose="02020603050405020304" pitchFamily="18" charset="0"/>
+                          <a:ea typeface="標楷體" panose="03000509000000000000" pitchFamily="65" charset="-120"/>
+                          <a:cs typeface="Times New Roman" panose="02020603050405020304" pitchFamily="18" charset="0"/>
+                        </a:rPr>
+                        <a:t>*</a:t>
+                      </a:r>
+                      <a:r>
+                        <a:rPr lang="en-US" altLang="zh-TW" dirty="0">
+                          <a:latin typeface="Times New Roman" panose="02020603050405020304" pitchFamily="18" charset="0"/>
+                          <a:ea typeface="標楷體" panose="03000509000000000000" pitchFamily="65" charset="-120"/>
+                          <a:cs typeface="Times New Roman" panose="02020603050405020304" pitchFamily="18" charset="0"/>
+                        </a:rPr>
+                        <a:t>480)</a:t>
+                      </a:r>
+                      <a:endParaRPr lang="zh-TW" altLang="en-US" dirty="0">
+                        <a:latin typeface="Times New Roman" panose="02020603050405020304" pitchFamily="18" charset="0"/>
+                        <a:ea typeface="標楷體" panose="03000509000000000000" pitchFamily="65" charset="-120"/>
+                        <a:cs typeface="Times New Roman" panose="02020603050405020304" pitchFamily="18" charset="0"/>
+                      </a:endParaRPr>
+                    </a:p>
+                  </a:txBody>
+                  <a:tcPr/>
+                </a:tc>
+                <a:extLst>
+                  <a:ext uri="{0D108BD9-81ED-4DB2-BD59-A6C34878D82A}">
+                    <a16:rowId xmlns:a16="http://schemas.microsoft.com/office/drawing/2014/main" val="2398650068"/>
+                  </a:ext>
+                </a:extLst>
+              </a:tr>
+              <a:tr h="370840">
+                <a:tc>
+                  <a:txBody>
+                    <a:bodyPr/>
+                    <a:lstStyle/>
+                    <a:p>
+                      <a:r>
+                        <a:rPr lang="en-US" altLang="zh-TW" dirty="0">
+                          <a:latin typeface="Times New Roman" panose="02020603050405020304" pitchFamily="18" charset="0"/>
+                          <a:ea typeface="標楷體" panose="03000509000000000000" pitchFamily="65" charset="-120"/>
+                          <a:cs typeface="Times New Roman" panose="02020603050405020304" pitchFamily="18" charset="0"/>
+                        </a:rPr>
+                        <a:t>Output:</a:t>
+                      </a:r>
+                      <a:endParaRPr lang="zh-TW" altLang="en-US" dirty="0">
+                        <a:latin typeface="Times New Roman" panose="02020603050405020304" pitchFamily="18" charset="0"/>
+                        <a:ea typeface="標楷體" panose="03000509000000000000" pitchFamily="65" charset="-120"/>
+                        <a:cs typeface="Times New Roman" panose="02020603050405020304" pitchFamily="18" charset="0"/>
+                      </a:endParaRPr>
+                    </a:p>
+                  </a:txBody>
+                  <a:tcPr/>
+                </a:tc>
+                <a:tc>
+                  <a:txBody>
+                    <a:bodyPr/>
+                    <a:lstStyle/>
+                    <a:p>
+                      <a:r>
+                        <a:rPr lang="en-US" altLang="zh-TW" dirty="0">
+                          <a:latin typeface="Times New Roman" panose="02020603050405020304" pitchFamily="18" charset="0"/>
+                          <a:ea typeface="標楷體" panose="03000509000000000000" pitchFamily="65" charset="-120"/>
+                          <a:cs typeface="Times New Roman" panose="02020603050405020304" pitchFamily="18" charset="0"/>
+                        </a:rPr>
+                        <a:t>FM</a:t>
+                      </a:r>
+                      <a:r>
+                        <a:rPr lang="zh-TW" altLang="en-US" dirty="0">
+                          <a:latin typeface="Times New Roman" panose="02020603050405020304" pitchFamily="18" charset="0"/>
+                          <a:ea typeface="標楷體" panose="03000509000000000000" pitchFamily="65" charset="-120"/>
+                          <a:cs typeface="Times New Roman" panose="02020603050405020304" pitchFamily="18" charset="0"/>
+                        </a:rPr>
+                        <a:t>訊號 </a:t>
+                      </a:r>
+                      <a:r>
+                        <a:rPr lang="en-US" altLang="zh-TW" dirty="0">
+                          <a:latin typeface="Times New Roman" panose="02020603050405020304" pitchFamily="18" charset="0"/>
+                          <a:ea typeface="標楷體" panose="03000509000000000000" pitchFamily="65" charset="-120"/>
+                          <a:cs typeface="Times New Roman" panose="02020603050405020304" pitchFamily="18" charset="0"/>
+                        </a:rPr>
+                        <a:t>(2.4GHz)</a:t>
+                      </a:r>
+                      <a:endParaRPr lang="zh-TW" altLang="en-US" dirty="0">
+                        <a:latin typeface="Times New Roman" panose="02020603050405020304" pitchFamily="18" charset="0"/>
+                        <a:ea typeface="標楷體" panose="03000509000000000000" pitchFamily="65" charset="-120"/>
+                        <a:cs typeface="Times New Roman" panose="02020603050405020304" pitchFamily="18" charset="0"/>
+                      </a:endParaRPr>
+                    </a:p>
+                  </a:txBody>
+                  <a:tcPr/>
+                </a:tc>
+                <a:extLst>
+                  <a:ext uri="{0D108BD9-81ED-4DB2-BD59-A6C34878D82A}">
+                    <a16:rowId xmlns:a16="http://schemas.microsoft.com/office/drawing/2014/main" val="2653937211"/>
+                  </a:ext>
+                </a:extLst>
+              </a:tr>
+              <a:tr h="370840">
+                <a:tc>
+                  <a:txBody>
+                    <a:bodyPr/>
+                    <a:lstStyle/>
+                    <a:p>
+                      <a:r>
+                        <a:rPr lang="en-US" altLang="zh-TW" dirty="0">
+                          <a:latin typeface="Times New Roman" panose="02020603050405020304" pitchFamily="18" charset="0"/>
+                          <a:ea typeface="標楷體" panose="03000509000000000000" pitchFamily="65" charset="-120"/>
+                          <a:cs typeface="Times New Roman" panose="02020603050405020304" pitchFamily="18" charset="0"/>
+                        </a:rPr>
+                        <a:t>Parameters:</a:t>
+                      </a:r>
+                      <a:endParaRPr lang="zh-TW" altLang="en-US" dirty="0">
+                        <a:latin typeface="Times New Roman" panose="02020603050405020304" pitchFamily="18" charset="0"/>
+                        <a:ea typeface="標楷體" panose="03000509000000000000" pitchFamily="65" charset="-120"/>
+                        <a:cs typeface="Times New Roman" panose="02020603050405020304" pitchFamily="18" charset="0"/>
+                      </a:endParaRPr>
+                    </a:p>
+                  </a:txBody>
+                  <a:tcPr/>
+                </a:tc>
+                <a:tc>
+                  <a:txBody>
+                    <a:bodyPr/>
+                    <a:lstStyle/>
+                    <a:p>
+                      <a:endParaRPr lang="zh-TW" altLang="en-US" dirty="0">
+                        <a:latin typeface="Times New Roman" panose="02020603050405020304" pitchFamily="18" charset="0"/>
+                        <a:ea typeface="標楷體" panose="03000509000000000000" pitchFamily="65" charset="-120"/>
+                        <a:cs typeface="Times New Roman" panose="02020603050405020304" pitchFamily="18" charset="0"/>
+                      </a:endParaRPr>
+                    </a:p>
+                  </a:txBody>
+                  <a:tcPr/>
+                </a:tc>
+                <a:extLst>
+                  <a:ext uri="{0D108BD9-81ED-4DB2-BD59-A6C34878D82A}">
+                    <a16:rowId xmlns:a16="http://schemas.microsoft.com/office/drawing/2014/main" val="2758747889"/>
+                  </a:ext>
+                </a:extLst>
+              </a:tr>
+              <a:tr h="370840">
+                <a:tc>
+                  <a:txBody>
+                    <a:bodyPr/>
+                    <a:lstStyle/>
+                    <a:p>
+                      <a:r>
+                        <a:rPr lang="en-US" altLang="zh-TW" dirty="0">
+                          <a:latin typeface="Times New Roman" panose="02020603050405020304" pitchFamily="18" charset="0"/>
+                          <a:ea typeface="標楷體" panose="03000509000000000000" pitchFamily="65" charset="-120"/>
+                          <a:cs typeface="Times New Roman" panose="02020603050405020304" pitchFamily="18" charset="0"/>
+                        </a:rPr>
+                        <a:t>Method:</a:t>
+                      </a:r>
+                      <a:endParaRPr lang="zh-TW" altLang="en-US" dirty="0">
+                        <a:latin typeface="Times New Roman" panose="02020603050405020304" pitchFamily="18" charset="0"/>
+                        <a:ea typeface="標楷體" panose="03000509000000000000" pitchFamily="65" charset="-120"/>
+                        <a:cs typeface="Times New Roman" panose="02020603050405020304" pitchFamily="18" charset="0"/>
+                      </a:endParaRPr>
+                    </a:p>
+                  </a:txBody>
+                  <a:tcPr/>
+                </a:tc>
+                <a:tc>
+                  <a:txBody>
+                    <a:bodyPr/>
+                    <a:lstStyle/>
+                    <a:p>
+                      <a:r>
+                        <a:rPr lang="zh-TW" altLang="en-US" dirty="0">
+                          <a:latin typeface="Times New Roman" panose="02020603050405020304" pitchFamily="18" charset="0"/>
+                          <a:ea typeface="標楷體" panose="03000509000000000000" pitchFamily="65" charset="-120"/>
+                          <a:cs typeface="Times New Roman" panose="02020603050405020304" pitchFamily="18" charset="0"/>
+                        </a:rPr>
+                        <a:t>將</a:t>
+                      </a:r>
+                      <a:r>
+                        <a:rPr lang="en-US" altLang="zh-TW" dirty="0">
+                          <a:latin typeface="Times New Roman" panose="02020603050405020304" pitchFamily="18" charset="0"/>
+                          <a:ea typeface="標楷體" panose="03000509000000000000" pitchFamily="65" charset="-120"/>
+                          <a:cs typeface="Times New Roman" panose="02020603050405020304" pitchFamily="18" charset="0"/>
+                        </a:rPr>
+                        <a:t>IP CAM</a:t>
+                      </a:r>
+                      <a:r>
+                        <a:rPr lang="zh-TW" altLang="en-US" dirty="0">
+                          <a:latin typeface="Times New Roman" panose="02020603050405020304" pitchFamily="18" charset="0"/>
+                          <a:ea typeface="標楷體" panose="03000509000000000000" pitchFamily="65" charset="-120"/>
+                          <a:cs typeface="Times New Roman" panose="02020603050405020304" pitchFamily="18" charset="0"/>
+                        </a:rPr>
+                        <a:t>的影像透過</a:t>
+                      </a:r>
+                      <a:r>
+                        <a:rPr lang="en-US" altLang="zh-TW" dirty="0">
+                          <a:latin typeface="Times New Roman" panose="02020603050405020304" pitchFamily="18" charset="0"/>
+                          <a:ea typeface="標楷體" panose="03000509000000000000" pitchFamily="65" charset="-120"/>
+                          <a:cs typeface="Times New Roman" panose="02020603050405020304" pitchFamily="18" charset="0"/>
+                        </a:rPr>
+                        <a:t>Video</a:t>
+                      </a:r>
+                      <a:r>
+                        <a:rPr lang="zh-TW" altLang="en-US" dirty="0">
+                          <a:latin typeface="Times New Roman" panose="02020603050405020304" pitchFamily="18" charset="0"/>
+                          <a:ea typeface="標楷體" panose="03000509000000000000" pitchFamily="65" charset="-120"/>
+                          <a:cs typeface="Times New Roman" panose="02020603050405020304" pitchFamily="18" charset="0"/>
+                        </a:rPr>
+                        <a:t>線，給</a:t>
+                      </a:r>
+                      <a:r>
+                        <a:rPr lang="en-US" altLang="zh-TW" dirty="0">
+                          <a:latin typeface="Times New Roman" panose="02020603050405020304" pitchFamily="18" charset="0"/>
+                          <a:ea typeface="標楷體" panose="03000509000000000000" pitchFamily="65" charset="-120"/>
+                          <a:cs typeface="Times New Roman" panose="02020603050405020304" pitchFamily="18" charset="0"/>
+                        </a:rPr>
+                        <a:t>TX</a:t>
+                      </a:r>
+                      <a:r>
+                        <a:rPr lang="zh-TW" altLang="en-US" dirty="0">
+                          <a:latin typeface="Times New Roman" panose="02020603050405020304" pitchFamily="18" charset="0"/>
+                          <a:ea typeface="標楷體" panose="03000509000000000000" pitchFamily="65" charset="-120"/>
+                          <a:cs typeface="Times New Roman" panose="02020603050405020304" pitchFamily="18" charset="0"/>
+                        </a:rPr>
+                        <a:t>，在打出</a:t>
+                      </a:r>
+                      <a:r>
+                        <a:rPr lang="en-US" altLang="zh-TW" dirty="0">
+                          <a:latin typeface="Times New Roman" panose="02020603050405020304" pitchFamily="18" charset="0"/>
+                          <a:ea typeface="標楷體" panose="03000509000000000000" pitchFamily="65" charset="-120"/>
+                          <a:cs typeface="Times New Roman" panose="02020603050405020304" pitchFamily="18" charset="0"/>
+                        </a:rPr>
+                        <a:t>FM</a:t>
+                      </a:r>
+                      <a:r>
+                        <a:rPr lang="zh-TW" altLang="en-US" dirty="0">
+                          <a:latin typeface="Times New Roman" panose="02020603050405020304" pitchFamily="18" charset="0"/>
+                          <a:ea typeface="標楷體" panose="03000509000000000000" pitchFamily="65" charset="-120"/>
+                          <a:cs typeface="Times New Roman" panose="02020603050405020304" pitchFamily="18" charset="0"/>
+                        </a:rPr>
+                        <a:t>訊號到空氣中</a:t>
+                      </a:r>
+                    </a:p>
+                  </a:txBody>
+                  <a:tcPr/>
+                </a:tc>
+                <a:extLst>
+                  <a:ext uri="{0D108BD9-81ED-4DB2-BD59-A6C34878D82A}">
+                    <a16:rowId xmlns:a16="http://schemas.microsoft.com/office/drawing/2014/main" val="3474680297"/>
+                  </a:ext>
+                </a:extLst>
+              </a:tr>
+            </a:tbl>
+          </a:graphicData>
+        </a:graphic>
+      </p:graphicFrame>
+    </p:spTree>
+    <p:extLst>
+      <p:ext uri="{BB962C8B-B14F-4D97-AF65-F5344CB8AC3E}">
+        <p14:creationId xmlns:p14="http://schemas.microsoft.com/office/powerpoint/2010/main" val="2039960387"/>
+      </p:ext>
+    </p:extLst>
+  </p:cSld>
+  <p:clrMapOvr>
+    <a:masterClrMapping/>
+  </p:clrMapOvr>
+</p:sld>
+</file>
+
+<file path=ppt/slides/slide9.xml><?xml version="1.0" encoding="utf-8"?>
+<p:sld xmlns:a="http://schemas.openxmlformats.org/drawingml/2006/main" xmlns:r="http://schemas.openxmlformats.org/officeDocument/2006/relationships" xmlns:p="http://schemas.openxmlformats.org/presentationml/2006/main">
+  <p:cSld>
+    <p:spTree>
+      <p:nvGrpSpPr>
+        <p:cNvPr id="1" name=""/>
+        <p:cNvGrpSpPr/>
+        <p:nvPr/>
+      </p:nvGrpSpPr>
+      <p:grpSpPr>
+        <a:xfrm>
+          <a:off x="0" y="0"/>
+          <a:ext cx="0" cy="0"/>
+          <a:chOff x="0" y="0"/>
+          <a:chExt cx="0" cy="0"/>
+        </a:xfrm>
+      </p:grpSpPr>
+      <p:sp>
+        <p:nvSpPr>
+          <p:cNvPr id="4" name="標題 3"/>
+          <p:cNvSpPr>
+            <a:spLocks noGrp="1"/>
+          </p:cNvSpPr>
+          <p:nvPr>
+            <p:ph type="title"/>
+          </p:nvPr>
+        </p:nvSpPr>
+        <p:spPr/>
+        <p:txBody>
+          <a:bodyPr/>
+          <a:lstStyle/>
+          <a:p>
+            <a:r>
+              <a:rPr lang="zh-TW" altLang="en-US" dirty="0"/>
+              <a:t>系統分析 </a:t>
+            </a:r>
+            <a:r>
+              <a:rPr lang="en-US" altLang="zh-TW" dirty="0"/>
+              <a:t>–</a:t>
+            </a:r>
+            <a:r>
+              <a:rPr lang="zh-TW" altLang="en-US" dirty="0"/>
+              <a:t> </a:t>
+            </a:r>
+            <a:r>
+              <a:rPr lang="en-US" altLang="zh-TW" dirty="0"/>
+              <a:t>API</a:t>
+            </a:r>
+            <a:r>
+              <a:rPr lang="en-US" altLang="zh-TW" dirty="0">
+                <a:solidFill>
+                  <a:srgbClr val="FF0000"/>
+                </a:solidFill>
+                <a:highlight>
+                  <a:srgbClr val="FFFF00"/>
+                </a:highlight>
+              </a:rPr>
+              <a:t>(2024/12/12)</a:t>
+            </a:r>
+            <a:endParaRPr lang="zh-TW" altLang="en-US" dirty="0"/>
+          </a:p>
+        </p:txBody>
+      </p:sp>
+      <p:graphicFrame>
+        <p:nvGraphicFramePr>
+          <p:cNvPr id="2" name="表格 1">
+            <a:extLst>
+              <a:ext uri="{FF2B5EF4-FFF2-40B4-BE49-F238E27FC236}">
+                <a16:creationId xmlns:a16="http://schemas.microsoft.com/office/drawing/2014/main" id="{85BA4C2F-261D-453D-A25B-13D39BD3CD42}"/>
+              </a:ext>
+            </a:extLst>
+          </p:cNvPr>
+          <p:cNvGraphicFramePr>
+            <a:graphicFrameLocks noGrp="1"/>
+          </p:cNvGraphicFramePr>
+          <p:nvPr>
+            <p:extLst>
+              <p:ext uri="{D42A27DB-BD31-4B8C-83A1-F6EECF244321}">
+                <p14:modId xmlns:p14="http://schemas.microsoft.com/office/powerpoint/2010/main" val="1523042730"/>
+              </p:ext>
+            </p:extLst>
+          </p:nvPr>
+        </p:nvGraphicFramePr>
+        <p:xfrm>
+          <a:off x="2032000" y="4033318"/>
+          <a:ext cx="8128000" cy="1854200"/>
+        </p:xfrm>
+        <a:graphic>
+          <a:graphicData uri="http://schemas.openxmlformats.org/drawingml/2006/table">
+            <a:tbl>
+              <a:tblPr firstRow="1" bandRow="1">
+                <a:tableStyleId>{5C22544A-7EE6-4342-B048-85BDC9FD1C3A}</a:tableStyleId>
+              </a:tblPr>
+              <a:tblGrid>
+                <a:gridCol w="4064000">
+                  <a:extLst>
+                    <a:ext uri="{9D8B030D-6E8A-4147-A177-3AD203B41FA5}">
+                      <a16:colId xmlns:a16="http://schemas.microsoft.com/office/drawing/2014/main" val="65457947"/>
+                    </a:ext>
+                  </a:extLst>
+                </a:gridCol>
+                <a:gridCol w="4064000">
+                  <a:extLst>
+                    <a:ext uri="{9D8B030D-6E8A-4147-A177-3AD203B41FA5}">
+                      <a16:colId xmlns:a16="http://schemas.microsoft.com/office/drawing/2014/main" val="1560695292"/>
+                    </a:ext>
+                  </a:extLst>
+                </a:gridCol>
+              </a:tblGrid>
+              <a:tr h="370840">
+                <a:tc>
+                  <a:txBody>
+                    <a:bodyPr/>
+                    <a:lstStyle/>
+                    <a:p>
+                      <a:endParaRPr lang="zh-TW" altLang="en-US" dirty="0">
+                        <a:latin typeface="Times New Roman" panose="02020603050405020304" pitchFamily="18" charset="0"/>
+                        <a:ea typeface="標楷體" panose="03000509000000000000" pitchFamily="65" charset="-120"/>
+                        <a:cs typeface="Times New Roman" panose="02020603050405020304" pitchFamily="18" charset="0"/>
+                      </a:endParaRPr>
+                    </a:p>
+                  </a:txBody>
+                  <a:tcPr/>
+                </a:tc>
+                <a:tc>
+                  <a:txBody>
+                    <a:bodyPr/>
+                    <a:lstStyle/>
+                    <a:p>
+                      <a:pPr marL="0" marR="0" lvl="0" indent="0" algn="l" defTabSz="914400" rtl="0" eaLnBrk="1" fontAlgn="auto" latinLnBrk="0" hangingPunct="1">
+                        <a:lnSpc>
+                          <a:spcPct val="100000"/>
+                        </a:lnSpc>
+                        <a:spcBef>
+                          <a:spcPts val="0"/>
+                        </a:spcBef>
+                        <a:spcAft>
+                          <a:spcPts val="0"/>
+                        </a:spcAft>
+                        <a:buClrTx/>
+                        <a:buSzTx/>
+                        <a:buFontTx/>
+                        <a:buNone/>
+                        <a:tabLst/>
+                        <a:defRPr/>
+                      </a:pPr>
+                      <a:r>
+                        <a:rPr lang="en-US" altLang="zh-TW" dirty="0">
+                          <a:latin typeface="Times New Roman" panose="02020603050405020304" pitchFamily="18" charset="0"/>
+                          <a:ea typeface="標楷體" panose="03000509000000000000" pitchFamily="65" charset="-120"/>
+                          <a:cs typeface="Times New Roman" panose="02020603050405020304" pitchFamily="18" charset="0"/>
+                        </a:rPr>
+                        <a:t>Video out</a:t>
+                      </a:r>
+                      <a:endParaRPr lang="zh-TW" altLang="en-US" dirty="0">
+                        <a:latin typeface="Times New Roman" panose="02020603050405020304" pitchFamily="18" charset="0"/>
+                        <a:ea typeface="標楷體" panose="03000509000000000000" pitchFamily="65" charset="-120"/>
+                        <a:cs typeface="Times New Roman" panose="02020603050405020304" pitchFamily="18" charset="0"/>
+                      </a:endParaRPr>
+                    </a:p>
+                  </a:txBody>
+                  <a:tcPr/>
+                </a:tc>
+                <a:extLst>
+                  <a:ext uri="{0D108BD9-81ED-4DB2-BD59-A6C34878D82A}">
+                    <a16:rowId xmlns:a16="http://schemas.microsoft.com/office/drawing/2014/main" val="1404366953"/>
+                  </a:ext>
+                </a:extLst>
+              </a:tr>
+              <a:tr h="370840">
+                <a:tc>
+                  <a:txBody>
+                    <a:bodyPr/>
+                    <a:lstStyle/>
+                    <a:p>
+                      <a:r>
+                        <a:rPr lang="en-US" altLang="zh-TW" dirty="0">
+                          <a:latin typeface="Times New Roman" panose="02020603050405020304" pitchFamily="18" charset="0"/>
+                          <a:ea typeface="標楷體" panose="03000509000000000000" pitchFamily="65" charset="-120"/>
+                          <a:cs typeface="Times New Roman" panose="02020603050405020304" pitchFamily="18" charset="0"/>
+                        </a:rPr>
+                        <a:t>Input:</a:t>
+                      </a:r>
+                      <a:endParaRPr lang="zh-TW" altLang="en-US" dirty="0">
+                        <a:latin typeface="Times New Roman" panose="02020603050405020304" pitchFamily="18" charset="0"/>
+                        <a:ea typeface="標楷體" panose="03000509000000000000" pitchFamily="65" charset="-120"/>
+                        <a:cs typeface="Times New Roman" panose="02020603050405020304" pitchFamily="18" charset="0"/>
+                      </a:endParaRPr>
+                    </a:p>
+                  </a:txBody>
+                  <a:tcPr/>
+                </a:tc>
+                <a:tc>
+                  <a:txBody>
+                    <a:bodyPr/>
+                    <a:lstStyle/>
+                    <a:p>
+                      <a:pPr marL="0" marR="0" lvl="0" indent="0" algn="l" defTabSz="914400" rtl="0" eaLnBrk="1" fontAlgn="auto" latinLnBrk="0" hangingPunct="1">
+                        <a:lnSpc>
+                          <a:spcPct val="100000"/>
+                        </a:lnSpc>
+                        <a:spcBef>
+                          <a:spcPts val="0"/>
+                        </a:spcBef>
+                        <a:spcAft>
+                          <a:spcPts val="0"/>
+                        </a:spcAft>
+                        <a:buClrTx/>
+                        <a:buSzTx/>
+                        <a:buFontTx/>
+                        <a:buNone/>
+                        <a:tabLst/>
+                        <a:defRPr/>
+                      </a:pPr>
+                      <a:endParaRPr lang="zh-TW" altLang="en-US" dirty="0">
+                        <a:latin typeface="Times New Roman" panose="02020603050405020304" pitchFamily="18" charset="0"/>
+                        <a:ea typeface="標楷體" panose="03000509000000000000" pitchFamily="65" charset="-120"/>
+                        <a:cs typeface="Times New Roman" panose="02020603050405020304" pitchFamily="18" charset="0"/>
+                      </a:endParaRPr>
+                    </a:p>
+                  </a:txBody>
+                  <a:tcPr/>
+                </a:tc>
+                <a:extLst>
+                  <a:ext uri="{0D108BD9-81ED-4DB2-BD59-A6C34878D82A}">
+                    <a16:rowId xmlns:a16="http://schemas.microsoft.com/office/drawing/2014/main" val="2398650068"/>
+                  </a:ext>
+                </a:extLst>
+              </a:tr>
+              <a:tr h="370840">
+                <a:tc>
+                  <a:txBody>
+                    <a:bodyPr/>
+                    <a:lstStyle/>
+                    <a:p>
+                      <a:r>
+                        <a:rPr lang="en-US" altLang="zh-TW" dirty="0">
+                          <a:latin typeface="Times New Roman" panose="02020603050405020304" pitchFamily="18" charset="0"/>
+                          <a:ea typeface="標楷體" panose="03000509000000000000" pitchFamily="65" charset="-120"/>
+                          <a:cs typeface="Times New Roman" panose="02020603050405020304" pitchFamily="18" charset="0"/>
+                        </a:rPr>
+                        <a:t>Output:</a:t>
+                      </a:r>
+                      <a:endParaRPr lang="zh-TW" altLang="en-US" dirty="0">
+                        <a:latin typeface="Times New Roman" panose="02020603050405020304" pitchFamily="18" charset="0"/>
+                        <a:ea typeface="標楷體" panose="03000509000000000000" pitchFamily="65" charset="-120"/>
+                        <a:cs typeface="Times New Roman" panose="02020603050405020304" pitchFamily="18" charset="0"/>
+                      </a:endParaRPr>
+                    </a:p>
+                  </a:txBody>
+                  <a:tcPr/>
+                </a:tc>
+                <a:tc>
+                  <a:txBody>
+                    <a:bodyPr/>
+                    <a:lstStyle/>
+                    <a:p>
+                      <a:pPr marL="0" marR="0" lvl="0" indent="0" algn="l" defTabSz="914400" rtl="0" eaLnBrk="1" fontAlgn="auto" latinLnBrk="0" hangingPunct="1">
+                        <a:lnSpc>
+                          <a:spcPct val="100000"/>
+                        </a:lnSpc>
+                        <a:spcBef>
+                          <a:spcPts val="0"/>
+                        </a:spcBef>
+                        <a:spcAft>
+                          <a:spcPts val="0"/>
+                        </a:spcAft>
+                        <a:buClrTx/>
+                        <a:buSzTx/>
+                        <a:buFontTx/>
+                        <a:buNone/>
+                        <a:tabLst/>
+                        <a:defRPr/>
+                      </a:pPr>
+                      <a:r>
+                        <a:rPr lang="en-US" altLang="zh-TW" dirty="0">
+                          <a:latin typeface="Times New Roman" panose="02020603050405020304" pitchFamily="18" charset="0"/>
+                          <a:ea typeface="標楷體" panose="03000509000000000000" pitchFamily="65" charset="-120"/>
+                          <a:cs typeface="Times New Roman" panose="02020603050405020304" pitchFamily="18" charset="0"/>
+                        </a:rPr>
+                        <a:t>RGB (8,8,8bit)</a:t>
+                      </a:r>
+                      <a:endParaRPr lang="zh-TW" altLang="en-US" dirty="0">
+                        <a:latin typeface="Times New Roman" panose="02020603050405020304" pitchFamily="18" charset="0"/>
+                        <a:ea typeface="標楷體" panose="03000509000000000000" pitchFamily="65" charset="-120"/>
+                        <a:cs typeface="Times New Roman" panose="02020603050405020304" pitchFamily="18" charset="0"/>
+                      </a:endParaRPr>
+                    </a:p>
+                  </a:txBody>
+                  <a:tcPr/>
+                </a:tc>
+                <a:extLst>
+                  <a:ext uri="{0D108BD9-81ED-4DB2-BD59-A6C34878D82A}">
+                    <a16:rowId xmlns:a16="http://schemas.microsoft.com/office/drawing/2014/main" val="2653937211"/>
+                  </a:ext>
+                </a:extLst>
+              </a:tr>
+              <a:tr h="370840">
+                <a:tc>
+                  <a:txBody>
+                    <a:bodyPr/>
+                    <a:lstStyle/>
+                    <a:p>
+                      <a:r>
+                        <a:rPr lang="en-US" altLang="zh-TW" dirty="0">
+                          <a:latin typeface="Times New Roman" panose="02020603050405020304" pitchFamily="18" charset="0"/>
+                          <a:ea typeface="標楷體" panose="03000509000000000000" pitchFamily="65" charset="-120"/>
+                          <a:cs typeface="Times New Roman" panose="02020603050405020304" pitchFamily="18" charset="0"/>
+                        </a:rPr>
+                        <a:t>Parameters:</a:t>
+                      </a:r>
+                      <a:endParaRPr lang="zh-TW" altLang="en-US" dirty="0">
+                        <a:latin typeface="Times New Roman" panose="02020603050405020304" pitchFamily="18" charset="0"/>
+                        <a:ea typeface="標楷體" panose="03000509000000000000" pitchFamily="65" charset="-120"/>
+                        <a:cs typeface="Times New Roman" panose="02020603050405020304" pitchFamily="18" charset="0"/>
+                      </a:endParaRPr>
+                    </a:p>
+                  </a:txBody>
+                  <a:tcPr/>
+                </a:tc>
+                <a:tc>
+                  <a:txBody>
+                    <a:bodyPr/>
+                    <a:lstStyle/>
+                    <a:p>
+                      <a:endParaRPr lang="zh-TW" altLang="en-US" dirty="0">
+                        <a:latin typeface="Times New Roman" panose="02020603050405020304" pitchFamily="18" charset="0"/>
+                        <a:ea typeface="標楷體" panose="03000509000000000000" pitchFamily="65" charset="-120"/>
+                        <a:cs typeface="Times New Roman" panose="02020603050405020304" pitchFamily="18" charset="0"/>
+                      </a:endParaRPr>
+                    </a:p>
+                  </a:txBody>
+                  <a:tcPr/>
+                </a:tc>
+                <a:extLst>
+                  <a:ext uri="{0D108BD9-81ED-4DB2-BD59-A6C34878D82A}">
+                    <a16:rowId xmlns:a16="http://schemas.microsoft.com/office/drawing/2014/main" val="2758747889"/>
+                  </a:ext>
+                </a:extLst>
+              </a:tr>
+              <a:tr h="370840">
+                <a:tc>
+                  <a:txBody>
+                    <a:bodyPr/>
+                    <a:lstStyle/>
+                    <a:p>
+                      <a:r>
+                        <a:rPr lang="en-US" altLang="zh-TW" dirty="0">
+                          <a:latin typeface="Times New Roman" panose="02020603050405020304" pitchFamily="18" charset="0"/>
+                          <a:ea typeface="標楷體" panose="03000509000000000000" pitchFamily="65" charset="-120"/>
+                          <a:cs typeface="Times New Roman" panose="02020603050405020304" pitchFamily="18" charset="0"/>
+                        </a:rPr>
+                        <a:t>Method:</a:t>
+                      </a:r>
+                      <a:endParaRPr lang="zh-TW" altLang="en-US" dirty="0">
+                        <a:latin typeface="Times New Roman" panose="02020603050405020304" pitchFamily="18" charset="0"/>
+                        <a:ea typeface="標楷體" panose="03000509000000000000" pitchFamily="65" charset="-120"/>
+                        <a:cs typeface="Times New Roman" panose="02020603050405020304" pitchFamily="18" charset="0"/>
+                      </a:endParaRPr>
+                    </a:p>
+                  </a:txBody>
+                  <a:tcPr/>
+                </a:tc>
+                <a:tc>
+                  <a:txBody>
+                    <a:bodyPr/>
+                    <a:lstStyle/>
+                    <a:p>
+                      <a:endParaRPr lang="zh-TW" altLang="en-US" dirty="0">
+                        <a:latin typeface="Times New Roman" panose="02020603050405020304" pitchFamily="18" charset="0"/>
+                        <a:ea typeface="標楷體" panose="03000509000000000000" pitchFamily="65" charset="-120"/>
+                        <a:cs typeface="Times New Roman" panose="02020603050405020304" pitchFamily="18" charset="0"/>
+                      </a:endParaRPr>
+                    </a:p>
+                  </a:txBody>
+                  <a:tcPr/>
+                </a:tc>
+                <a:extLst>
+                  <a:ext uri="{0D108BD9-81ED-4DB2-BD59-A6C34878D82A}">
+                    <a16:rowId xmlns:a16="http://schemas.microsoft.com/office/drawing/2014/main" val="3474680297"/>
+                  </a:ext>
+                </a:extLst>
+              </a:tr>
+            </a:tbl>
+          </a:graphicData>
+        </a:graphic>
+      </p:graphicFrame>
+      <p:graphicFrame>
+        <p:nvGraphicFramePr>
+          <p:cNvPr id="10" name="表格 9">
+            <a:extLst>
+              <a:ext uri="{FF2B5EF4-FFF2-40B4-BE49-F238E27FC236}">
+                <a16:creationId xmlns:a16="http://schemas.microsoft.com/office/drawing/2014/main" id="{FF927E5F-18D5-473C-AFD8-5966B5843800}"/>
+              </a:ext>
+            </a:extLst>
+          </p:cNvPr>
+          <p:cNvGraphicFramePr>
+            <a:graphicFrameLocks noGrp="1"/>
+          </p:cNvGraphicFramePr>
+          <p:nvPr>
+            <p:extLst>
+              <p:ext uri="{D42A27DB-BD31-4B8C-83A1-F6EECF244321}">
+                <p14:modId xmlns:p14="http://schemas.microsoft.com/office/powerpoint/2010/main" val="3573894239"/>
+              </p:ext>
+            </p:extLst>
+          </p:nvPr>
+        </p:nvGraphicFramePr>
+        <p:xfrm>
+          <a:off x="2032000" y="1497501"/>
+          <a:ext cx="8128000" cy="1854200"/>
+        </p:xfrm>
+        <a:graphic>
+          <a:graphicData uri="http://schemas.openxmlformats.org/drawingml/2006/table">
+            <a:tbl>
+              <a:tblPr firstRow="1" bandRow="1">
+                <a:tableStyleId>{5C22544A-7EE6-4342-B048-85BDC9FD1C3A}</a:tableStyleId>
+              </a:tblPr>
+              <a:tblGrid>
+                <a:gridCol w="4064000">
+                  <a:extLst>
+                    <a:ext uri="{9D8B030D-6E8A-4147-A177-3AD203B41FA5}">
+                      <a16:colId xmlns:a16="http://schemas.microsoft.com/office/drawing/2014/main" val="65457947"/>
+                    </a:ext>
+                  </a:extLst>
+                </a:gridCol>
+                <a:gridCol w="4064000">
+                  <a:extLst>
+                    <a:ext uri="{9D8B030D-6E8A-4147-A177-3AD203B41FA5}">
+                      <a16:colId xmlns:a16="http://schemas.microsoft.com/office/drawing/2014/main" val="1560695292"/>
+                    </a:ext>
+                  </a:extLst>
+                </a:gridCol>
+              </a:tblGrid>
+              <a:tr h="370840">
+                <a:tc>
+                  <a:txBody>
+                    <a:bodyPr/>
+                    <a:lstStyle/>
+                    <a:p>
+                      <a:endParaRPr lang="zh-TW" altLang="en-US" dirty="0">
+                        <a:latin typeface="Times New Roman" panose="02020603050405020304" pitchFamily="18" charset="0"/>
+                        <a:ea typeface="標楷體" panose="03000509000000000000" pitchFamily="65" charset="-120"/>
+                        <a:cs typeface="Times New Roman" panose="02020603050405020304" pitchFamily="18" charset="0"/>
+                      </a:endParaRPr>
+                    </a:p>
+                  </a:txBody>
+                  <a:tcPr/>
+                </a:tc>
+                <a:tc>
+                  <a:txBody>
+                    <a:bodyPr/>
+                    <a:lstStyle/>
+                    <a:p>
+                      <a:pPr marL="0" marR="0" lvl="0" indent="0" algn="l" defTabSz="914400" rtl="0" eaLnBrk="1" fontAlgn="auto" latinLnBrk="0" hangingPunct="1">
+                        <a:lnSpc>
+                          <a:spcPct val="100000"/>
+                        </a:lnSpc>
+                        <a:spcBef>
+                          <a:spcPts val="0"/>
+                        </a:spcBef>
+                        <a:spcAft>
+                          <a:spcPts val="0"/>
+                        </a:spcAft>
+                        <a:buClrTx/>
+                        <a:buSzTx/>
+                        <a:buFontTx/>
+                        <a:buNone/>
+                        <a:tabLst/>
+                        <a:defRPr/>
+                      </a:pPr>
+                      <a:r>
+                        <a:rPr lang="zh-TW" altLang="en-US" dirty="0">
+                          <a:latin typeface="Times New Roman" panose="02020603050405020304" pitchFamily="18" charset="0"/>
+                          <a:ea typeface="標楷體" panose="03000509000000000000" pitchFamily="65" charset="-120"/>
+                          <a:cs typeface="Times New Roman" panose="02020603050405020304" pitchFamily="18" charset="0"/>
+                        </a:rPr>
+                        <a:t>解</a:t>
+                      </a:r>
+                      <a:r>
+                        <a:rPr lang="en-US" altLang="zh-TW" dirty="0">
+                          <a:latin typeface="Times New Roman" panose="02020603050405020304" pitchFamily="18" charset="0"/>
+                          <a:ea typeface="標楷體" panose="03000509000000000000" pitchFamily="65" charset="-120"/>
+                          <a:cs typeface="Times New Roman" panose="02020603050405020304" pitchFamily="18" charset="0"/>
+                        </a:rPr>
+                        <a:t>Video in</a:t>
+                      </a:r>
+                      <a:endParaRPr lang="zh-TW" altLang="en-US" dirty="0">
+                        <a:latin typeface="Times New Roman" panose="02020603050405020304" pitchFamily="18" charset="0"/>
+                        <a:ea typeface="標楷體" panose="03000509000000000000" pitchFamily="65" charset="-120"/>
+                        <a:cs typeface="Times New Roman" panose="02020603050405020304" pitchFamily="18" charset="0"/>
+                      </a:endParaRPr>
+                    </a:p>
+                  </a:txBody>
+                  <a:tcPr/>
+                </a:tc>
+                <a:extLst>
+                  <a:ext uri="{0D108BD9-81ED-4DB2-BD59-A6C34878D82A}">
+                    <a16:rowId xmlns:a16="http://schemas.microsoft.com/office/drawing/2014/main" val="1404366953"/>
+                  </a:ext>
+                </a:extLst>
+              </a:tr>
+              <a:tr h="370840">
+                <a:tc>
+                  <a:txBody>
+                    <a:bodyPr/>
+                    <a:lstStyle/>
+                    <a:p>
+                      <a:r>
+                        <a:rPr lang="en-US" altLang="zh-TW" dirty="0">
+                          <a:latin typeface="Times New Roman" panose="02020603050405020304" pitchFamily="18" charset="0"/>
+                          <a:ea typeface="標楷體" panose="03000509000000000000" pitchFamily="65" charset="-120"/>
+                          <a:cs typeface="Times New Roman" panose="02020603050405020304" pitchFamily="18" charset="0"/>
+                        </a:rPr>
+                        <a:t>Input:</a:t>
+                      </a:r>
+                      <a:endParaRPr lang="zh-TW" altLang="en-US" dirty="0">
+                        <a:latin typeface="Times New Roman" panose="02020603050405020304" pitchFamily="18" charset="0"/>
+                        <a:ea typeface="標楷體" panose="03000509000000000000" pitchFamily="65" charset="-120"/>
+                        <a:cs typeface="Times New Roman" panose="02020603050405020304" pitchFamily="18" charset="0"/>
+                      </a:endParaRPr>
+                    </a:p>
+                  </a:txBody>
+                  <a:tcPr/>
+                </a:tc>
+                <a:tc>
+                  <a:txBody>
+                    <a:bodyPr/>
+                    <a:lstStyle/>
+                    <a:p>
+                      <a:r>
+                        <a:rPr lang="en-US" altLang="zh-TW" dirty="0">
+                          <a:latin typeface="Times New Roman" panose="02020603050405020304" pitchFamily="18" charset="0"/>
+                          <a:ea typeface="標楷體" panose="03000509000000000000" pitchFamily="65" charset="-120"/>
+                          <a:cs typeface="Times New Roman" panose="02020603050405020304" pitchFamily="18" charset="0"/>
+                        </a:rPr>
+                        <a:t>RGB (8,8,8bit)</a:t>
+                      </a:r>
+                      <a:endParaRPr lang="zh-TW" altLang="en-US" dirty="0">
+                        <a:latin typeface="Times New Roman" panose="02020603050405020304" pitchFamily="18" charset="0"/>
+                        <a:ea typeface="標楷體" panose="03000509000000000000" pitchFamily="65" charset="-120"/>
+                        <a:cs typeface="Times New Roman" panose="02020603050405020304" pitchFamily="18" charset="0"/>
+                      </a:endParaRPr>
+                    </a:p>
+                  </a:txBody>
+                  <a:tcPr/>
+                </a:tc>
+                <a:extLst>
+                  <a:ext uri="{0D108BD9-81ED-4DB2-BD59-A6C34878D82A}">
+                    <a16:rowId xmlns:a16="http://schemas.microsoft.com/office/drawing/2014/main" val="2398650068"/>
+                  </a:ext>
+                </a:extLst>
+              </a:tr>
+              <a:tr h="370840">
+                <a:tc>
+                  <a:txBody>
+                    <a:bodyPr/>
+                    <a:lstStyle/>
+                    <a:p>
+                      <a:r>
+                        <a:rPr lang="en-US" altLang="zh-TW" dirty="0">
+                          <a:latin typeface="Times New Roman" panose="02020603050405020304" pitchFamily="18" charset="0"/>
+                          <a:ea typeface="標楷體" panose="03000509000000000000" pitchFamily="65" charset="-120"/>
+                          <a:cs typeface="Times New Roman" panose="02020603050405020304" pitchFamily="18" charset="0"/>
+                        </a:rPr>
+                        <a:t>Output:</a:t>
+                      </a:r>
+                      <a:endParaRPr lang="zh-TW" altLang="en-US" dirty="0">
+                        <a:latin typeface="Times New Roman" panose="02020603050405020304" pitchFamily="18" charset="0"/>
+                        <a:ea typeface="標楷體" panose="03000509000000000000" pitchFamily="65" charset="-120"/>
+                        <a:cs typeface="Times New Roman" panose="02020603050405020304" pitchFamily="18" charset="0"/>
+                      </a:endParaRPr>
+                    </a:p>
+                  </a:txBody>
+                  <a:tcPr/>
+                </a:tc>
+                <a:tc>
+                  <a:txBody>
+                    <a:bodyPr/>
+                    <a:lstStyle/>
+                    <a:p>
+                      <a:endParaRPr lang="zh-TW" altLang="en-US" dirty="0">
+                        <a:latin typeface="Times New Roman" panose="02020603050405020304" pitchFamily="18" charset="0"/>
+                        <a:ea typeface="標楷體" panose="03000509000000000000" pitchFamily="65" charset="-120"/>
+                        <a:cs typeface="Times New Roman" panose="02020603050405020304" pitchFamily="18" charset="0"/>
+                      </a:endParaRPr>
+                    </a:p>
+                  </a:txBody>
+                  <a:tcPr/>
+                </a:tc>
+                <a:extLst>
+                  <a:ext uri="{0D108BD9-81ED-4DB2-BD59-A6C34878D82A}">
+                    <a16:rowId xmlns:a16="http://schemas.microsoft.com/office/drawing/2014/main" val="2653937211"/>
+                  </a:ext>
+                </a:extLst>
+              </a:tr>
+              <a:tr h="370840">
+                <a:tc>
+                  <a:txBody>
+                    <a:bodyPr/>
+                    <a:lstStyle/>
+                    <a:p>
+                      <a:r>
+                        <a:rPr lang="en-US" altLang="zh-TW" dirty="0">
+                          <a:latin typeface="Times New Roman" panose="02020603050405020304" pitchFamily="18" charset="0"/>
+                          <a:ea typeface="標楷體" panose="03000509000000000000" pitchFamily="65" charset="-120"/>
+                          <a:cs typeface="Times New Roman" panose="02020603050405020304" pitchFamily="18" charset="0"/>
+                        </a:rPr>
+                        <a:t>Parameters:</a:t>
+                      </a:r>
+                      <a:endParaRPr lang="zh-TW" altLang="en-US" dirty="0">
+                        <a:latin typeface="Times New Roman" panose="02020603050405020304" pitchFamily="18" charset="0"/>
+                        <a:ea typeface="標楷體" panose="03000509000000000000" pitchFamily="65" charset="-120"/>
+                        <a:cs typeface="Times New Roman" panose="02020603050405020304" pitchFamily="18" charset="0"/>
+                      </a:endParaRPr>
+                    </a:p>
+                  </a:txBody>
+                  <a:tcPr/>
+                </a:tc>
+                <a:tc>
+                  <a:txBody>
+                    <a:bodyPr/>
+                    <a:lstStyle/>
+                    <a:p>
+                      <a:endParaRPr lang="zh-TW" altLang="en-US" dirty="0">
+                        <a:latin typeface="Times New Roman" panose="02020603050405020304" pitchFamily="18" charset="0"/>
+                        <a:ea typeface="標楷體" panose="03000509000000000000" pitchFamily="65" charset="-120"/>
+                        <a:cs typeface="Times New Roman" panose="02020603050405020304" pitchFamily="18" charset="0"/>
+                      </a:endParaRPr>
+                    </a:p>
+                  </a:txBody>
+                  <a:tcPr/>
+                </a:tc>
+                <a:extLst>
+                  <a:ext uri="{0D108BD9-81ED-4DB2-BD59-A6C34878D82A}">
+                    <a16:rowId xmlns:a16="http://schemas.microsoft.com/office/drawing/2014/main" val="2758747889"/>
+                  </a:ext>
+                </a:extLst>
+              </a:tr>
+              <a:tr h="370840">
+                <a:tc>
+                  <a:txBody>
+                    <a:bodyPr/>
+                    <a:lstStyle/>
+                    <a:p>
+                      <a:r>
+                        <a:rPr lang="en-US" altLang="zh-TW" dirty="0">
+                          <a:latin typeface="Times New Roman" panose="02020603050405020304" pitchFamily="18" charset="0"/>
+                          <a:ea typeface="標楷體" panose="03000509000000000000" pitchFamily="65" charset="-120"/>
+                          <a:cs typeface="Times New Roman" panose="02020603050405020304" pitchFamily="18" charset="0"/>
+                        </a:rPr>
+                        <a:t>Method:</a:t>
+                      </a:r>
+                      <a:endParaRPr lang="zh-TW" altLang="en-US" dirty="0">
+                        <a:latin typeface="Times New Roman" panose="02020603050405020304" pitchFamily="18" charset="0"/>
+                        <a:ea typeface="標楷體" panose="03000509000000000000" pitchFamily="65" charset="-120"/>
+                        <a:cs typeface="Times New Roman" panose="02020603050405020304" pitchFamily="18" charset="0"/>
+                      </a:endParaRPr>
+                    </a:p>
+                  </a:txBody>
+                  <a:tcPr/>
+                </a:tc>
+                <a:tc>
+                  <a:txBody>
+                    <a:bodyPr/>
+                    <a:lstStyle/>
+                    <a:p>
+                      <a:endParaRPr lang="zh-TW" altLang="en-US" dirty="0">
+                        <a:latin typeface="Times New Roman" panose="02020603050405020304" pitchFamily="18" charset="0"/>
+                        <a:ea typeface="標楷體" panose="03000509000000000000" pitchFamily="65" charset="-120"/>
+                        <a:cs typeface="Times New Roman" panose="02020603050405020304" pitchFamily="18" charset="0"/>
+                      </a:endParaRPr>
+                    </a:p>
+                  </a:txBody>
+                  <a:tcPr/>
+                </a:tc>
+                <a:extLst>
+                  <a:ext uri="{0D108BD9-81ED-4DB2-BD59-A6C34878D82A}">
+                    <a16:rowId xmlns:a16="http://schemas.microsoft.com/office/drawing/2014/main" val="3474680297"/>
+                  </a:ext>
+                </a:extLst>
+              </a:tr>
+            </a:tbl>
+          </a:graphicData>
+        </a:graphic>
+      </p:graphicFrame>
+    </p:spTree>
+    <p:extLst>
+      <p:ext uri="{BB962C8B-B14F-4D97-AF65-F5344CB8AC3E}">
+        <p14:creationId xmlns:p14="http://schemas.microsoft.com/office/powerpoint/2010/main" val="1067155155"/>
       </p:ext>
     </p:extLst>
   </p:cSld>
